--- a/教学文档/01 开发准备/01 Git操作ppt.pptx
+++ b/教学文档/01 开发准备/01 Git操作ppt.pptx
@@ -5,10 +5,10 @@
     <p:sldMasterId id="2147483648" r:id="rId1"/>
   </p:sldMasterIdLst>
   <p:notesMasterIdLst>
-    <p:notesMasterId r:id="rId18"/>
+    <p:notesMasterId r:id="rId16"/>
   </p:notesMasterIdLst>
   <p:handoutMasterIdLst>
-    <p:handoutMasterId r:id="rId19"/>
+    <p:handoutMasterId r:id="rId17"/>
   </p:handoutMasterIdLst>
   <p:sldIdLst>
     <p:sldId id="258" r:id="rId2"/>
@@ -19,19 +19,17 @@
     <p:sldId id="327" r:id="rId7"/>
     <p:sldId id="328" r:id="rId8"/>
     <p:sldId id="346" r:id="rId9"/>
-    <p:sldId id="348" r:id="rId10"/>
+    <p:sldId id="347" r:id="rId10"/>
     <p:sldId id="323" r:id="rId11"/>
     <p:sldId id="350" r:id="rId12"/>
-    <p:sldId id="355" r:id="rId13"/>
-    <p:sldId id="351" r:id="rId14"/>
-    <p:sldId id="354" r:id="rId15"/>
-    <p:sldId id="326" r:id="rId16"/>
-    <p:sldId id="345" r:id="rId17"/>
+    <p:sldId id="351" r:id="rId13"/>
+    <p:sldId id="326" r:id="rId14"/>
+    <p:sldId id="345" r:id="rId15"/>
   </p:sldIdLst>
   <p:sldSz cx="12192000" cy="6858000"/>
   <p:notesSz cx="6858000" cy="9144000"/>
   <p:custDataLst>
-    <p:tags r:id="rId20"/>
+    <p:tags r:id="rId18"/>
   </p:custDataLst>
   <p:defaultTextStyle>
     <a:defPPr>
@@ -229,7 +227,7 @@
           <a:p>
             <a:fld id="{0F9B84EA-7D68-4D60-9CB1-D50884785D1C}" type="datetimeFigureOut">
               <a:rPr lang="zh-CN" altLang="en-US" smtClean="0"/>
-              <a:t>2020/4/10</a:t>
+              <a:t>2021/1/23</a:t>
             </a:fld>
             <a:endParaRPr lang="zh-CN" altLang="en-US"/>
           </a:p>
@@ -302,6 +300,11 @@
         </p:txBody>
       </p:sp>
     </p:spTree>
+    <p:extLst>
+      <p:ext uri="{BB962C8B-B14F-4D97-AF65-F5344CB8AC3E}">
+        <p14:creationId xmlns:p14="http://schemas.microsoft.com/office/powerpoint/2010/main" val="1"/>
+      </p:ext>
+    </p:extLst>
   </p:cSld>
   <p:clrMap bg1="lt1" tx1="dk1" bg2="lt2" tx2="dk2" accent1="accent1" accent2="accent2" accent3="accent3" accent4="accent4" accent5="accent5" accent6="accent6" hlink="hlink" folHlink="folHlink"/>
 </p:handoutMaster>
@@ -389,7 +392,7 @@
           <a:p>
             <a:fld id="{87098DBA-ED62-42D1-AB73-66D64966019A}" type="datetimeFigureOut">
               <a:rPr lang="zh-CN" altLang="en-US" smtClean="0"/>
-              <a:t>2020/4/10</a:t>
+              <a:t>2021/1/23</a:t>
             </a:fld>
             <a:endParaRPr lang="zh-CN" altLang="en-US"/>
           </a:p>
@@ -730,174 +733,6 @@
 </p:notes>
 </file>
 
-<file path=ppt/notesSlides/notesSlide10.xml><?xml version="1.0" encoding="utf-8"?>
-<p:notes xmlns:a="http://schemas.openxmlformats.org/drawingml/2006/main" xmlns:r="http://schemas.openxmlformats.org/officeDocument/2006/relationships" xmlns:p="http://schemas.openxmlformats.org/presentationml/2006/main">
-  <p:cSld>
-    <p:spTree>
-      <p:nvGrpSpPr>
-        <p:cNvPr id="1" name=""/>
-        <p:cNvGrpSpPr/>
-        <p:nvPr/>
-      </p:nvGrpSpPr>
-      <p:grpSpPr>
-        <a:xfrm>
-          <a:off x="0" y="0"/>
-          <a:ext cx="0" cy="0"/>
-          <a:chOff x="0" y="0"/>
-          <a:chExt cx="0" cy="0"/>
-        </a:xfrm>
-      </p:grpSpPr>
-      <p:sp>
-        <p:nvSpPr>
-          <p:cNvPr id="2" name="幻灯片图像占位符 1"/>
-          <p:cNvSpPr>
-            <a:spLocks noGrp="1" noRot="1" noChangeAspect="1"/>
-          </p:cNvSpPr>
-          <p:nvPr>
-            <p:ph type="sldImg"/>
-          </p:nvPr>
-        </p:nvSpPr>
-        <p:spPr/>
-      </p:sp>
-      <p:sp>
-        <p:nvSpPr>
-          <p:cNvPr id="3" name="备注占位符 2"/>
-          <p:cNvSpPr>
-            <a:spLocks noGrp="1"/>
-          </p:cNvSpPr>
-          <p:nvPr>
-            <p:ph type="body" idx="1"/>
-          </p:nvPr>
-        </p:nvSpPr>
-        <p:spPr/>
-        <p:txBody>
-          <a:bodyPr/>
-          <a:lstStyle/>
-          <a:p>
-            <a:endParaRPr lang="zh-CN" altLang="en-US" dirty="0"/>
-          </a:p>
-        </p:txBody>
-      </p:sp>
-      <p:sp>
-        <p:nvSpPr>
-          <p:cNvPr id="4" name="灯片编号占位符 3"/>
-          <p:cNvSpPr>
-            <a:spLocks noGrp="1"/>
-          </p:cNvSpPr>
-          <p:nvPr>
-            <p:ph type="sldNum" sz="quarter" idx="5"/>
-          </p:nvPr>
-        </p:nvSpPr>
-        <p:spPr/>
-        <p:txBody>
-          <a:bodyPr/>
-          <a:lstStyle/>
-          <a:p>
-            <a:fld id="{2ABA966C-C914-4B89-ADB0-BC6EB0177048}" type="slidenum">
-              <a:rPr lang="zh-CN" altLang="en-US" smtClean="0"/>
-              <a:t>13</a:t>
-            </a:fld>
-            <a:endParaRPr lang="zh-CN" altLang="en-US"/>
-          </a:p>
-        </p:txBody>
-      </p:sp>
-    </p:spTree>
-    <p:extLst>
-      <p:ext uri="{BB962C8B-B14F-4D97-AF65-F5344CB8AC3E}">
-        <p14:creationId xmlns:p14="http://schemas.microsoft.com/office/powerpoint/2010/main" val="2072585282"/>
-      </p:ext>
-    </p:extLst>
-  </p:cSld>
-  <p:clrMapOvr>
-    <a:masterClrMapping/>
-  </p:clrMapOvr>
-</p:notes>
-</file>
-
-<file path=ppt/notesSlides/notesSlide11.xml><?xml version="1.0" encoding="utf-8"?>
-<p:notes xmlns:a="http://schemas.openxmlformats.org/drawingml/2006/main" xmlns:r="http://schemas.openxmlformats.org/officeDocument/2006/relationships" xmlns:p="http://schemas.openxmlformats.org/presentationml/2006/main">
-  <p:cSld>
-    <p:spTree>
-      <p:nvGrpSpPr>
-        <p:cNvPr id="1" name=""/>
-        <p:cNvGrpSpPr/>
-        <p:nvPr/>
-      </p:nvGrpSpPr>
-      <p:grpSpPr>
-        <a:xfrm>
-          <a:off x="0" y="0"/>
-          <a:ext cx="0" cy="0"/>
-          <a:chOff x="0" y="0"/>
-          <a:chExt cx="0" cy="0"/>
-        </a:xfrm>
-      </p:grpSpPr>
-      <p:sp>
-        <p:nvSpPr>
-          <p:cNvPr id="2" name="幻灯片图像占位符 1"/>
-          <p:cNvSpPr>
-            <a:spLocks noGrp="1" noRot="1" noChangeAspect="1"/>
-          </p:cNvSpPr>
-          <p:nvPr>
-            <p:ph type="sldImg"/>
-          </p:nvPr>
-        </p:nvSpPr>
-        <p:spPr/>
-      </p:sp>
-      <p:sp>
-        <p:nvSpPr>
-          <p:cNvPr id="3" name="备注占位符 2"/>
-          <p:cNvSpPr>
-            <a:spLocks noGrp="1"/>
-          </p:cNvSpPr>
-          <p:nvPr>
-            <p:ph type="body" idx="1"/>
-          </p:nvPr>
-        </p:nvSpPr>
-        <p:spPr/>
-        <p:txBody>
-          <a:bodyPr/>
-          <a:lstStyle/>
-          <a:p>
-            <a:endParaRPr lang="zh-CN" altLang="en-US" dirty="0"/>
-          </a:p>
-        </p:txBody>
-      </p:sp>
-      <p:sp>
-        <p:nvSpPr>
-          <p:cNvPr id="4" name="灯片编号占位符 3"/>
-          <p:cNvSpPr>
-            <a:spLocks noGrp="1"/>
-          </p:cNvSpPr>
-          <p:nvPr>
-            <p:ph type="sldNum" sz="quarter" idx="5"/>
-          </p:nvPr>
-        </p:nvSpPr>
-        <p:spPr/>
-        <p:txBody>
-          <a:bodyPr/>
-          <a:lstStyle/>
-          <a:p>
-            <a:fld id="{2ABA966C-C914-4B89-ADB0-BC6EB0177048}" type="slidenum">
-              <a:rPr lang="zh-CN" altLang="en-US" smtClean="0"/>
-              <a:t>14</a:t>
-            </a:fld>
-            <a:endParaRPr lang="zh-CN" altLang="en-US"/>
-          </a:p>
-        </p:txBody>
-      </p:sp>
-    </p:spTree>
-    <p:extLst>
-      <p:ext uri="{BB962C8B-B14F-4D97-AF65-F5344CB8AC3E}">
-        <p14:creationId xmlns:p14="http://schemas.microsoft.com/office/powerpoint/2010/main" val="3561906707"/>
-      </p:ext>
-    </p:extLst>
-  </p:cSld>
-  <p:clrMapOvr>
-    <a:masterClrMapping/>
-  </p:clrMapOvr>
-</p:notes>
-</file>
-
 <file path=ppt/notesSlides/notesSlide2.xml><?xml version="1.0" encoding="utf-8"?>
 <p:notes xmlns:a="http://schemas.openxmlformats.org/drawingml/2006/main" xmlns:r="http://schemas.openxmlformats.org/officeDocument/2006/relationships" xmlns:p="http://schemas.openxmlformats.org/presentationml/2006/main">
   <p:cSld>
@@ -1276,19 +1111,19 @@
             <a:spLocks noGrp="1" noRot="1" noChangeAspect="1"/>
           </p:cNvSpPr>
           <p:nvPr>
-            <p:ph type="sldImg"/>
+            <p:ph type="sldImg" idx="2"/>
           </p:nvPr>
         </p:nvSpPr>
         <p:spPr/>
       </p:sp>
       <p:sp>
         <p:nvSpPr>
-          <p:cNvPr id="3" name="备注占位符 2"/>
+          <p:cNvPr id="3" name="文本占位符 2"/>
           <p:cNvSpPr>
             <a:spLocks noGrp="1"/>
           </p:cNvSpPr>
           <p:nvPr>
-            <p:ph type="body" idx="1"/>
+            <p:ph type="body" idx="3"/>
           </p:nvPr>
         </p:nvSpPr>
         <p:spPr/>
@@ -1296,39 +1131,62 @@
           <a:bodyPr/>
           <a:lstStyle/>
           <a:p>
-            <a:endParaRPr lang="zh-CN" altLang="en-US" dirty="0"/>
-          </a:p>
-        </p:txBody>
-      </p:sp>
-      <p:sp>
-        <p:nvSpPr>
-          <p:cNvPr id="4" name="灯片编号占位符 3"/>
-          <p:cNvSpPr>
-            <a:spLocks noGrp="1"/>
-          </p:cNvSpPr>
-          <p:nvPr>
-            <p:ph type="sldNum" sz="quarter" idx="5"/>
-          </p:nvPr>
-        </p:nvSpPr>
-        <p:spPr/>
-        <p:txBody>
-          <a:bodyPr/>
-          <a:lstStyle/>
-          <a:p>
-            <a:fld id="{2ABA966C-C914-4B89-ADB0-BC6EB0177048}" type="slidenum">
-              <a:rPr lang="zh-CN" altLang="en-US" smtClean="0"/>
-              <a:t>9</a:t>
-            </a:fld>
+            <a:r>
+              <a:rPr lang="zh-CN" altLang="en-US"/>
+              <a:t>从上图可以看出邮件收发的整个过程大致如下：</a:t>
+            </a:r>
+          </a:p>
+          <a:p>
+            <a:r>
+              <a:rPr lang="zh-CN" altLang="en-US"/>
+              <a:t>       （1）发件人调用用户代理编辑要发送的邮件。</a:t>
+            </a:r>
+          </a:p>
+          <a:p>
+            <a:r>
+              <a:rPr lang="zh-CN" altLang="en-US"/>
+              <a:t>       （2）发件人点击屏幕上的”发送邮件“按钮，把发送邮件的 工作全部交给用户代理来完成。用户代理通过SMTP协议将邮件发送给发送方的邮件服务器（在这个过程中，用户代理充当SMTP客户，而发送方的邮件服务器则充当SMTP服务器）。</a:t>
+            </a:r>
+          </a:p>
+          <a:p>
             <a:endParaRPr lang="zh-CN" altLang="en-US"/>
+          </a:p>
+          <a:p>
+            <a:r>
+              <a:rPr lang="zh-CN" altLang="en-US"/>
+              <a:t>       （3）发送方的邮件服务器收到用户代理发来的邮件后，就把收到的邮件临时存放在邮件缓存队列中，等待时间成熟的时候再发送到接收方的邮件服务器（等待时间的长短取决于邮件服务器的处理能力和队列中待发送的信件的数量 ）。</a:t>
+            </a:r>
+          </a:p>
+          <a:p>
+            <a:endParaRPr lang="zh-CN" altLang="en-US"/>
+          </a:p>
+          <a:p>
+            <a:r>
+              <a:rPr lang="zh-CN" altLang="en-US"/>
+              <a:t>       （4）若现在时机成熟了，发送方的邮件服务器则向接收方的邮件服务器发送邮件缓存中的邮件。在发送邮件之前，发送方的邮件服务器的SMTP客户与接收方的邮件服务器的SMTP服务器需要事先建立TCP连接，之后再将队列中 的邮件发送出去。值得注意的是，邮件不会在因特网中的某个中间邮件服务器落地 。</a:t>
+            </a:r>
+          </a:p>
+          <a:p>
+            <a:endParaRPr lang="zh-CN" altLang="en-US"/>
+          </a:p>
+          <a:p>
+            <a:r>
+              <a:rPr lang="zh-CN" altLang="en-US"/>
+              <a:t>       （5）接收邮件服务器中的SMTP服务器进程在收到邮件后，把邮件放入收件人的用户邮箱中，等待收件人进行读取。</a:t>
+            </a:r>
+          </a:p>
+          <a:p>
+            <a:endParaRPr lang="zh-CN" altLang="en-US"/>
+          </a:p>
+          <a:p>
+            <a:r>
+              <a:rPr lang="zh-CN" altLang="en-US"/>
+              <a:t>       （6）收件人在打算收信时，就运行PC机中的用户代理，使用POP3（或IMAP）协议读取发送给自己的邮件。 注意，在这个过程中，收件人是POP3客户，而接收邮件服务器则是POP3客户，箭头的方向是从邮件服务器指向接收用户，因为这是一个“拉 ”的操作 。</a:t>
+            </a:r>
           </a:p>
         </p:txBody>
       </p:sp>
     </p:spTree>
-    <p:extLst>
-      <p:ext uri="{BB962C8B-B14F-4D97-AF65-F5344CB8AC3E}">
-        <p14:creationId xmlns:p14="http://schemas.microsoft.com/office/powerpoint/2010/main" val="681587888"/>
-      </p:ext>
-    </p:extLst>
   </p:cSld>
   <p:clrMapOvr>
     <a:masterClrMapping/>
@@ -1360,19 +1218,19 @@
             <a:spLocks noGrp="1" noRot="1" noChangeAspect="1"/>
           </p:cNvSpPr>
           <p:nvPr>
-            <p:ph type="sldImg" idx="2"/>
+            <p:ph type="sldImg"/>
           </p:nvPr>
         </p:nvSpPr>
         <p:spPr/>
       </p:sp>
       <p:sp>
         <p:nvSpPr>
-          <p:cNvPr id="3" name="文本占位符 2"/>
+          <p:cNvPr id="3" name="备注占位符 2"/>
           <p:cNvSpPr>
             <a:spLocks noGrp="1"/>
           </p:cNvSpPr>
           <p:nvPr>
-            <p:ph type="body" idx="3"/>
+            <p:ph type="body" idx="1"/>
           </p:nvPr>
         </p:nvSpPr>
         <p:spPr/>
@@ -1380,62 +1238,39 @@
           <a:bodyPr/>
           <a:lstStyle/>
           <a:p>
-            <a:r>
-              <a:rPr lang="zh-CN" altLang="en-US"/>
-              <a:t>从上图可以看出邮件收发的整个过程大致如下：</a:t>
-            </a:r>
-          </a:p>
-          <a:p>
-            <a:r>
-              <a:rPr lang="zh-CN" altLang="en-US"/>
-              <a:t>       （1）发件人调用用户代理编辑要发送的邮件。</a:t>
-            </a:r>
-          </a:p>
-          <a:p>
-            <a:r>
-              <a:rPr lang="zh-CN" altLang="en-US"/>
-              <a:t>       （2）发件人点击屏幕上的”发送邮件“按钮，把发送邮件的 工作全部交给用户代理来完成。用户代理通过SMTP协议将邮件发送给发送方的邮件服务器（在这个过程中，用户代理充当SMTP客户，而发送方的邮件服务器则充当SMTP服务器）。</a:t>
-            </a:r>
-          </a:p>
-          <a:p>
+            <a:endParaRPr lang="zh-CN" altLang="en-US" dirty="0"/>
+          </a:p>
+        </p:txBody>
+      </p:sp>
+      <p:sp>
+        <p:nvSpPr>
+          <p:cNvPr id="4" name="灯片编号占位符 3"/>
+          <p:cNvSpPr>
+            <a:spLocks noGrp="1"/>
+          </p:cNvSpPr>
+          <p:nvPr>
+            <p:ph type="sldNum" sz="quarter" idx="5"/>
+          </p:nvPr>
+        </p:nvSpPr>
+        <p:spPr/>
+        <p:txBody>
+          <a:bodyPr/>
+          <a:lstStyle/>
+          <a:p>
+            <a:fld id="{2ABA966C-C914-4B89-ADB0-BC6EB0177048}" type="slidenum">
+              <a:rPr lang="zh-CN" altLang="en-US" smtClean="0"/>
+              <a:t>11</a:t>
+            </a:fld>
             <a:endParaRPr lang="zh-CN" altLang="en-US"/>
-          </a:p>
-          <a:p>
-            <a:r>
-              <a:rPr lang="zh-CN" altLang="en-US"/>
-              <a:t>       （3）发送方的邮件服务器收到用户代理发来的邮件后，就把收到的邮件临时存放在邮件缓存队列中，等待时间成熟的时候再发送到接收方的邮件服务器（等待时间的长短取决于邮件服务器的处理能力和队列中待发送的信件的数量 ）。</a:t>
-            </a:r>
-          </a:p>
-          <a:p>
-            <a:endParaRPr lang="zh-CN" altLang="en-US"/>
-          </a:p>
-          <a:p>
-            <a:r>
-              <a:rPr lang="zh-CN" altLang="en-US"/>
-              <a:t>       （4）若现在时机成熟了，发送方的邮件服务器则向接收方的邮件服务器发送邮件缓存中的邮件。在发送邮件之前，发送方的邮件服务器的SMTP客户与接收方的邮件服务器的SMTP服务器需要事先建立TCP连接，之后再将队列中 的邮件发送出去。值得注意的是，邮件不会在因特网中的某个中间邮件服务器落地 。</a:t>
-            </a:r>
-          </a:p>
-          <a:p>
-            <a:endParaRPr lang="zh-CN" altLang="en-US"/>
-          </a:p>
-          <a:p>
-            <a:r>
-              <a:rPr lang="zh-CN" altLang="en-US"/>
-              <a:t>       （5）接收邮件服务器中的SMTP服务器进程在收到邮件后，把邮件放入收件人的用户邮箱中，等待收件人进行读取。</a:t>
-            </a:r>
-          </a:p>
-          <a:p>
-            <a:endParaRPr lang="zh-CN" altLang="en-US"/>
-          </a:p>
-          <a:p>
-            <a:r>
-              <a:rPr lang="zh-CN" altLang="en-US"/>
-              <a:t>       （6）收件人在打算收信时，就运行PC机中的用户代理，使用POP3（或IMAP）协议读取发送给自己的邮件。 注意，在这个过程中，收件人是POP3客户，而接收邮件服务器则是POP3客户，箭头的方向是从邮件服务器指向接收用户，因为这是一个“拉 ”的操作 。</a:t>
-            </a:r>
           </a:p>
         </p:txBody>
       </p:sp>
     </p:spTree>
+    <p:extLst>
+      <p:ext uri="{BB962C8B-B14F-4D97-AF65-F5344CB8AC3E}">
+        <p14:creationId xmlns:p14="http://schemas.microsoft.com/office/powerpoint/2010/main" val="2221968749"/>
+      </p:ext>
+    </p:extLst>
   </p:cSld>
   <p:clrMapOvr>
     <a:masterClrMapping/>
@@ -1508,7 +1343,7 @@
           <a:p>
             <a:fld id="{2ABA966C-C914-4B89-ADB0-BC6EB0177048}" type="slidenum">
               <a:rPr lang="zh-CN" altLang="en-US" smtClean="0"/>
-              <a:t>11</a:t>
+              <a:t>12</a:t>
             </a:fld>
             <a:endParaRPr lang="zh-CN" altLang="en-US"/>
           </a:p>
@@ -1517,91 +1352,7 @@
     </p:spTree>
     <p:extLst>
       <p:ext uri="{BB962C8B-B14F-4D97-AF65-F5344CB8AC3E}">
-        <p14:creationId xmlns:p14="http://schemas.microsoft.com/office/powerpoint/2010/main" val="2221968749"/>
-      </p:ext>
-    </p:extLst>
-  </p:cSld>
-  <p:clrMapOvr>
-    <a:masterClrMapping/>
-  </p:clrMapOvr>
-</p:notes>
-</file>
-
-<file path=ppt/notesSlides/notesSlide9.xml><?xml version="1.0" encoding="utf-8"?>
-<p:notes xmlns:a="http://schemas.openxmlformats.org/drawingml/2006/main" xmlns:r="http://schemas.openxmlformats.org/officeDocument/2006/relationships" xmlns:p="http://schemas.openxmlformats.org/presentationml/2006/main">
-  <p:cSld>
-    <p:spTree>
-      <p:nvGrpSpPr>
-        <p:cNvPr id="1" name=""/>
-        <p:cNvGrpSpPr/>
-        <p:nvPr/>
-      </p:nvGrpSpPr>
-      <p:grpSpPr>
-        <a:xfrm>
-          <a:off x="0" y="0"/>
-          <a:ext cx="0" cy="0"/>
-          <a:chOff x="0" y="0"/>
-          <a:chExt cx="0" cy="0"/>
-        </a:xfrm>
-      </p:grpSpPr>
-      <p:sp>
-        <p:nvSpPr>
-          <p:cNvPr id="2" name="幻灯片图像占位符 1"/>
-          <p:cNvSpPr>
-            <a:spLocks noGrp="1" noRot="1" noChangeAspect="1"/>
-          </p:cNvSpPr>
-          <p:nvPr>
-            <p:ph type="sldImg"/>
-          </p:nvPr>
-        </p:nvSpPr>
-        <p:spPr/>
-      </p:sp>
-      <p:sp>
-        <p:nvSpPr>
-          <p:cNvPr id="3" name="备注占位符 2"/>
-          <p:cNvSpPr>
-            <a:spLocks noGrp="1"/>
-          </p:cNvSpPr>
-          <p:nvPr>
-            <p:ph type="body" idx="1"/>
-          </p:nvPr>
-        </p:nvSpPr>
-        <p:spPr/>
-        <p:txBody>
-          <a:bodyPr/>
-          <a:lstStyle/>
-          <a:p>
-            <a:endParaRPr lang="zh-CN" altLang="en-US" dirty="0"/>
-          </a:p>
-        </p:txBody>
-      </p:sp>
-      <p:sp>
-        <p:nvSpPr>
-          <p:cNvPr id="4" name="灯片编号占位符 3"/>
-          <p:cNvSpPr>
-            <a:spLocks noGrp="1"/>
-          </p:cNvSpPr>
-          <p:nvPr>
-            <p:ph type="sldNum" sz="quarter" idx="5"/>
-          </p:nvPr>
-        </p:nvSpPr>
-        <p:spPr/>
-        <p:txBody>
-          <a:bodyPr/>
-          <a:lstStyle/>
-          <a:p>
-            <a:fld id="{2ABA966C-C914-4B89-ADB0-BC6EB0177048}" type="slidenum">
-              <a:rPr lang="zh-CN" altLang="en-US" smtClean="0"/>
-              <a:t>12</a:t>
-            </a:fld>
-            <a:endParaRPr lang="zh-CN" altLang="en-US"/>
-          </a:p>
-        </p:txBody>
-      </p:sp>
-    </p:spTree>
-    <p:extLst>
-      <p:ext uri="{BB962C8B-B14F-4D97-AF65-F5344CB8AC3E}">
-        <p14:creationId xmlns:p14="http://schemas.microsoft.com/office/powerpoint/2010/main" val="373381646"/>
+        <p14:creationId xmlns:p14="http://schemas.microsoft.com/office/powerpoint/2010/main" val="2072585282"/>
       </p:ext>
     </p:extLst>
   </p:cSld>
@@ -4046,10 +3797,10 @@
       </p:grpSpPr>
       <p:sp>
         <p:nvSpPr>
-          <p:cNvPr id="6" name="文本框 5">
+          <p:cNvPr id="8" name="文本框 7">
             <a:extLst>
               <a:ext uri="{FF2B5EF4-FFF2-40B4-BE49-F238E27FC236}">
-                <a16:creationId xmlns:a16="http://schemas.microsoft.com/office/drawing/2014/main" id="{53FBE750-1A65-4244-992A-C97EA7243136}"/>
+                <a16:creationId xmlns:a16="http://schemas.microsoft.com/office/drawing/2014/main" id="{937BDA70-D97A-41AA-818A-67C8F4454221}"/>
               </a:ext>
             </a:extLst>
           </p:cNvPr>
@@ -4058,8 +3809,8 @@
         </p:nvSpPr>
         <p:spPr>
           <a:xfrm>
-            <a:off x="83772" y="-52210"/>
-            <a:ext cx="5635770" cy="6962419"/>
+            <a:off x="599462" y="1434662"/>
+            <a:ext cx="5906442" cy="2805320"/>
           </a:xfrm>
           <a:prstGeom prst="rect">
             <a:avLst/>
@@ -4078,6 +3829,18 @@
               </a:lnSpc>
             </a:pPr>
             <a:r>
+              <a:rPr lang="en-US" altLang="zh-CN" sz="2000" dirty="0">
+                <a:effectLst>
+                  <a:outerShdw blurRad="38100" dist="19050" dir="2700000" algn="tl" rotWithShape="0">
+                    <a:schemeClr val="dk1">
+                      <a:alpha val="40000"/>
+                    </a:schemeClr>
+                  </a:outerShdw>
+                </a:effectLst>
+              </a:rPr>
+              <a:t>1.</a:t>
+            </a:r>
+            <a:r>
               <a:rPr lang="zh-CN" altLang="en-US" sz="2000" dirty="0">
                 <a:effectLst>
                   <a:outerShdw blurRad="38100" dist="19050" dir="2700000" algn="tl" rotWithShape="0">
@@ -4087,7 +3850,7 @@
                   </a:outerShdw>
                 </a:effectLst>
               </a:rPr>
-              <a:t>下面演示修改项目和提交流程（在本地自己分支里做）：</a:t>
+              <a:t>将项目下所有文件加入暂存区：</a:t>
             </a:r>
             <a:endParaRPr lang="en-US" altLang="zh-CN" sz="2000" dirty="0">
               <a:effectLst>
@@ -4106,19 +3869,35 @@
               </a:lnSpc>
             </a:pPr>
             <a:r>
+              <a:rPr lang="en-US" altLang="zh-CN" sz="2000" b="1" dirty="0">
+                <a:effectLst>
+                  <a:outerShdw blurRad="38100" dist="19050" dir="2700000" algn="tl" rotWithShape="0">
+                    <a:schemeClr val="dk1">
+                      <a:alpha val="40000"/>
+                    </a:schemeClr>
+                  </a:outerShdw>
+                </a:effectLst>
+              </a:rPr>
+              <a:t>git add .</a:t>
+            </a:r>
+          </a:p>
+          <a:p>
+            <a:pPr>
+              <a:lnSpc>
+                <a:spcPct val="150000"/>
+              </a:lnSpc>
+            </a:pPr>
+            <a:r>
               <a:rPr lang="en-US" altLang="zh-CN" sz="2000" dirty="0">
-                <a:solidFill>
-                  <a:schemeClr val="tx1"/>
-                </a:solidFill>
-                <a:effectLst>
-                  <a:outerShdw blurRad="38100" dist="19050" dir="2700000" algn="tl" rotWithShape="0">
-                    <a:schemeClr val="dk1">
-                      <a:alpha val="40000"/>
-                    </a:schemeClr>
-                  </a:outerShdw>
-                </a:effectLst>
-              </a:rPr>
-              <a:t>1.</a:t>
+                <a:effectLst>
+                  <a:outerShdw blurRad="38100" dist="19050" dir="2700000" algn="tl" rotWithShape="0">
+                    <a:schemeClr val="dk1">
+                      <a:alpha val="40000"/>
+                    </a:schemeClr>
+                  </a:outerShdw>
+                </a:effectLst>
+              </a:rPr>
+              <a:t>2.</a:t>
             </a:r>
             <a:r>
               <a:rPr lang="zh-CN" altLang="en-US" sz="2000" dirty="0">
@@ -4130,7 +3909,7 @@
                   </a:outerShdw>
                 </a:effectLst>
               </a:rPr>
-              <a:t>随便增加</a:t>
+              <a:t>将暂存区的内容打包成</a:t>
             </a:r>
             <a:r>
               <a:rPr lang="en-US" altLang="zh-CN" sz="2000" dirty="0">
@@ -4142,7 +3921,7 @@
                   </a:outerShdw>
                 </a:effectLst>
               </a:rPr>
-              <a:t>/</a:t>
+              <a:t>commit</a:t>
             </a:r>
             <a:r>
               <a:rPr lang="zh-CN" altLang="en-US" sz="2000" dirty="0">
@@ -4154,31 +3933,7 @@
                   </a:outerShdw>
                 </a:effectLst>
               </a:rPr>
-              <a:t>修改一个文件（如图</a:t>
-            </a:r>
-            <a:r>
-              <a:rPr lang="en-US" altLang="zh-CN" sz="2000" dirty="0">
-                <a:effectLst>
-                  <a:outerShdw blurRad="38100" dist="19050" dir="2700000" algn="tl" rotWithShape="0">
-                    <a:schemeClr val="dk1">
-                      <a:alpha val="40000"/>
-                    </a:schemeClr>
-                  </a:outerShdw>
-                </a:effectLst>
-              </a:rPr>
-              <a:t>ShouHou.txt</a:t>
-            </a:r>
-            <a:r>
-              <a:rPr lang="zh-CN" altLang="en-US" sz="2000" dirty="0">
-                <a:effectLst>
-                  <a:outerShdw blurRad="38100" dist="19050" dir="2700000" algn="tl" rotWithShape="0">
-                    <a:schemeClr val="dk1">
-                      <a:alpha val="40000"/>
-                    </a:schemeClr>
-                  </a:outerShdw>
-                </a:effectLst>
-              </a:rPr>
-              <a:t>）</a:t>
+              <a:t>，提交到本地仓库：</a:t>
             </a:r>
             <a:endParaRPr lang="en-US" altLang="zh-CN" sz="2000" dirty="0">
               <a:effectLst>
@@ -4197,6 +3952,49 @@
               </a:lnSpc>
             </a:pPr>
             <a:r>
+              <a:rPr lang="en-US" altLang="zh-CN" sz="2000" b="1" dirty="0">
+                <a:effectLst>
+                  <a:outerShdw blurRad="38100" dist="19050" dir="2700000" algn="tl" rotWithShape="0">
+                    <a:schemeClr val="dk1">
+                      <a:alpha val="40000"/>
+                    </a:schemeClr>
+                  </a:outerShdw>
+                </a:effectLst>
+              </a:rPr>
+              <a:t>git commit -m "[</a:t>
+            </a:r>
+            <a:r>
+              <a:rPr lang="zh-CN" altLang="en-US" sz="2000" b="1" dirty="0">
+                <a:effectLst>
+                  <a:outerShdw blurRad="38100" dist="19050" dir="2700000" algn="tl" rotWithShape="0">
+                    <a:schemeClr val="dk1">
+                      <a:alpha val="40000"/>
+                    </a:schemeClr>
+                  </a:outerShdw>
+                </a:effectLst>
+              </a:rPr>
+              <a:t>提交理由</a:t>
+            </a:r>
+            <a:r>
+              <a:rPr lang="en-US" altLang="zh-CN" sz="2000" b="1" dirty="0">
+                <a:effectLst>
+                  <a:outerShdw blurRad="38100" dist="19050" dir="2700000" algn="tl" rotWithShape="0">
+                    <a:schemeClr val="dk1">
+                      <a:alpha val="40000"/>
+                    </a:schemeClr>
+                  </a:outerShdw>
+                </a:effectLst>
+              </a:rPr>
+              <a:t>]"</a:t>
+            </a:r>
+          </a:p>
+          <a:p>
+            <a:pPr>
+              <a:lnSpc>
+                <a:spcPct val="150000"/>
+              </a:lnSpc>
+            </a:pPr>
+            <a:r>
               <a:rPr lang="en-US" altLang="zh-CN" sz="2000" dirty="0">
                 <a:effectLst>
                   <a:outerShdw blurRad="38100" dist="19050" dir="2700000" algn="tl" rotWithShape="0">
@@ -4206,7 +4004,7 @@
                   </a:outerShdw>
                 </a:effectLst>
               </a:rPr>
-              <a:t>2</a:t>
+              <a:t>3.</a:t>
             </a:r>
             <a:r>
               <a:rPr lang="zh-CN" altLang="en-US" sz="2000" dirty="0">
@@ -4218,31 +4016,7 @@
                   </a:outerShdw>
                 </a:effectLst>
               </a:rPr>
-              <a:t>指令</a:t>
-            </a:r>
-            <a:r>
-              <a:rPr lang="en-US" altLang="zh-CN" sz="2000" dirty="0">
-                <a:effectLst>
-                  <a:outerShdw blurRad="38100" dist="19050" dir="2700000" algn="tl" rotWithShape="0">
-                    <a:schemeClr val="dk1">
-                      <a:alpha val="40000"/>
-                    </a:schemeClr>
-                  </a:outerShdw>
-                </a:effectLst>
-              </a:rPr>
-              <a:t>git status</a:t>
-            </a:r>
-            <a:r>
-              <a:rPr lang="zh-CN" altLang="en-US" sz="2000" dirty="0">
-                <a:effectLst>
-                  <a:outerShdw blurRad="38100" dist="19050" dir="2700000" algn="tl" rotWithShape="0">
-                    <a:schemeClr val="dk1">
-                      <a:alpha val="40000"/>
-                    </a:schemeClr>
-                  </a:outerShdw>
-                </a:effectLst>
-              </a:rPr>
-              <a:t>查看状态</a:t>
+              <a:t>将本地仓库的内容提交到远程仓库：</a:t>
             </a:r>
             <a:endParaRPr lang="en-US" altLang="zh-CN" sz="2000" dirty="0">
               <a:effectLst>
@@ -4261,88 +4035,18 @@
               </a:lnSpc>
             </a:pPr>
             <a:r>
-              <a:rPr lang="zh-CN" altLang="en-US" sz="2000" dirty="0">
-                <a:effectLst>
-                  <a:outerShdw blurRad="38100" dist="19050" dir="2700000" algn="tl" rotWithShape="0">
-                    <a:schemeClr val="dk1">
-                      <a:alpha val="40000"/>
-                    </a:schemeClr>
-                  </a:outerShdw>
-                </a:effectLst>
-              </a:rPr>
-              <a:t>诶，它红了？原因是他现在处于（</a:t>
-            </a:r>
-            <a:r>
-              <a:rPr lang="en-US" altLang="zh-CN" sz="2000" dirty="0">
-                <a:effectLst>
-                  <a:outerShdw blurRad="38100" dist="19050" dir="2700000" algn="tl" rotWithShape="0">
-                    <a:schemeClr val="dk1">
-                      <a:alpha val="40000"/>
-                    </a:schemeClr>
-                  </a:outerShdw>
-                </a:effectLst>
-              </a:rPr>
-              <a:t>modified</a:t>
-            </a:r>
-            <a:r>
-              <a:rPr lang="zh-CN" altLang="en-US" sz="2000" dirty="0">
-                <a:effectLst>
-                  <a:outerShdw blurRad="38100" dist="19050" dir="2700000" algn="tl" rotWithShape="0">
-                    <a:schemeClr val="dk1">
-                      <a:alpha val="40000"/>
-                    </a:schemeClr>
-                  </a:outerShdw>
-                </a:effectLst>
-              </a:rPr>
-              <a:t>）状态</a:t>
-            </a:r>
-            <a:endParaRPr lang="en-US" altLang="zh-CN" sz="2000" dirty="0">
-              <a:effectLst>
-                <a:outerShdw blurRad="38100" dist="19050" dir="2700000" algn="tl" rotWithShape="0">
-                  <a:schemeClr val="dk1">
-                    <a:alpha val="40000"/>
-                  </a:schemeClr>
-                </a:outerShdw>
-              </a:effectLst>
-            </a:endParaRPr>
-          </a:p>
-          <a:p>
-            <a:pPr>
-              <a:lnSpc>
-                <a:spcPct val="150000"/>
-              </a:lnSpc>
-            </a:pPr>
-            <a:r>
-              <a:rPr lang="en-US" altLang="zh-CN" sz="2000" dirty="0">
-                <a:solidFill>
-                  <a:schemeClr val="tx1"/>
-                </a:solidFill>
-                <a:effectLst>
-                  <a:outerShdw blurRad="38100" dist="19050" dir="2700000" algn="tl" rotWithShape="0">
-                    <a:schemeClr val="dk1">
-                      <a:alpha val="40000"/>
-                    </a:schemeClr>
-                  </a:outerShdw>
-                </a:effectLst>
-              </a:rPr>
-              <a:t>3.</a:t>
-            </a:r>
-            <a:r>
-              <a:rPr lang="zh-CN" altLang="en-US" sz="2000" dirty="0">
-                <a:solidFill>
-                  <a:schemeClr val="tx1"/>
-                </a:solidFill>
-                <a:effectLst>
-                  <a:outerShdw blurRad="38100" dist="19050" dir="2700000" algn="tl" rotWithShape="0">
-                    <a:schemeClr val="dk1">
-                      <a:alpha val="40000"/>
-                    </a:schemeClr>
-                  </a:outerShdw>
-                </a:effectLst>
-              </a:rPr>
-              <a:t>假设我改完了，要提交</a:t>
-            </a:r>
-            <a:endParaRPr lang="en-US" altLang="zh-CN" sz="2000" dirty="0">
+              <a:rPr lang="en-US" altLang="zh-CN" sz="2000" b="1" dirty="0">
+                <a:effectLst>
+                  <a:outerShdw blurRad="38100" dist="19050" dir="2700000" algn="tl" rotWithShape="0">
+                    <a:schemeClr val="dk1">
+                      <a:alpha val="40000"/>
+                    </a:schemeClr>
+                  </a:outerShdw>
+                </a:effectLst>
+              </a:rPr>
+              <a:t>git push</a:t>
+            </a:r>
+            <a:endParaRPr lang="zh-CN" altLang="en-US" sz="2000" b="1" dirty="0">
               <a:solidFill>
                 <a:schemeClr val="tx1"/>
               </a:solidFill>
@@ -4355,378 +4059,8 @@
               </a:effectLst>
             </a:endParaRPr>
           </a:p>
-          <a:p>
-            <a:pPr>
-              <a:lnSpc>
-                <a:spcPct val="150000"/>
-              </a:lnSpc>
-            </a:pPr>
-            <a:r>
-              <a:rPr lang="en-US" altLang="zh-CN" sz="2000" dirty="0">
-                <a:effectLst>
-                  <a:outerShdw blurRad="38100" dist="19050" dir="2700000" algn="tl" rotWithShape="0">
-                    <a:schemeClr val="dk1">
-                      <a:alpha val="40000"/>
-                    </a:schemeClr>
-                  </a:outerShdw>
-                </a:effectLst>
-              </a:rPr>
-              <a:t>4.</a:t>
-            </a:r>
-            <a:r>
-              <a:rPr lang="zh-CN" altLang="en-US" sz="2000" dirty="0">
-                <a:effectLst>
-                  <a:outerShdw blurRad="38100" dist="19050" dir="2700000" algn="tl" rotWithShape="0">
-                    <a:schemeClr val="dk1">
-                      <a:alpha val="40000"/>
-                    </a:schemeClr>
-                  </a:outerShdw>
-                </a:effectLst>
-              </a:rPr>
-              <a:t>输入指令</a:t>
-            </a:r>
-            <a:r>
-              <a:rPr lang="en-US" altLang="zh-CN" sz="2000" dirty="0">
-                <a:effectLst>
-                  <a:outerShdw blurRad="38100" dist="19050" dir="2700000" algn="tl" rotWithShape="0">
-                    <a:schemeClr val="dk1">
-                      <a:alpha val="40000"/>
-                    </a:schemeClr>
-                  </a:outerShdw>
-                </a:effectLst>
-              </a:rPr>
-              <a:t>git add ShouHou.txt</a:t>
-            </a:r>
-          </a:p>
-          <a:p>
-            <a:pPr>
-              <a:lnSpc>
-                <a:spcPct val="150000"/>
-              </a:lnSpc>
-            </a:pPr>
-            <a:r>
-              <a:rPr lang="en-US" altLang="zh-CN" sz="2000" dirty="0">
-                <a:solidFill>
-                  <a:schemeClr val="tx1"/>
-                </a:solidFill>
-                <a:effectLst>
-                  <a:outerShdw blurRad="38100" dist="19050" dir="2700000" algn="tl" rotWithShape="0">
-                    <a:schemeClr val="dk1">
-                      <a:alpha val="40000"/>
-                    </a:schemeClr>
-                  </a:outerShdw>
-                </a:effectLst>
-              </a:rPr>
-              <a:t>5.</a:t>
-            </a:r>
-            <a:r>
-              <a:rPr lang="zh-CN" altLang="en-US" sz="2000" dirty="0">
-                <a:solidFill>
-                  <a:schemeClr val="tx1"/>
-                </a:solidFill>
-                <a:effectLst>
-                  <a:outerShdw blurRad="38100" dist="19050" dir="2700000" algn="tl" rotWithShape="0">
-                    <a:schemeClr val="dk1">
-                      <a:alpha val="40000"/>
-                    </a:schemeClr>
-                  </a:outerShdw>
-                </a:effectLst>
-              </a:rPr>
-              <a:t>再次查看</a:t>
-            </a:r>
-            <a:r>
-              <a:rPr lang="en-US" altLang="zh-CN" sz="2000" dirty="0">
-                <a:solidFill>
-                  <a:schemeClr val="tx1"/>
-                </a:solidFill>
-                <a:effectLst>
-                  <a:outerShdw blurRad="38100" dist="19050" dir="2700000" algn="tl" rotWithShape="0">
-                    <a:schemeClr val="dk1">
-                      <a:alpha val="40000"/>
-                    </a:schemeClr>
-                  </a:outerShdw>
-                </a:effectLst>
-              </a:rPr>
-              <a:t>git status</a:t>
-            </a:r>
-          </a:p>
-          <a:p>
-            <a:pPr>
-              <a:lnSpc>
-                <a:spcPct val="150000"/>
-              </a:lnSpc>
-            </a:pPr>
-            <a:r>
-              <a:rPr lang="zh-CN" altLang="en-US" sz="2000" dirty="0">
-                <a:effectLst>
-                  <a:outerShdw blurRad="38100" dist="19050" dir="2700000" algn="tl" rotWithShape="0">
-                    <a:schemeClr val="dk1">
-                      <a:alpha val="40000"/>
-                    </a:schemeClr>
-                  </a:outerShdw>
-                </a:effectLst>
-              </a:rPr>
-              <a:t>它绿了它绿了！原因是处于暂存区域，并且有旁注（</a:t>
-            </a:r>
-            <a:r>
-              <a:rPr lang="en-US" altLang="zh-CN" sz="2000" dirty="0">
-                <a:effectLst>
-                  <a:outerShdw blurRad="38100" dist="19050" dir="2700000" algn="tl" rotWithShape="0">
-                    <a:schemeClr val="dk1">
-                      <a:alpha val="40000"/>
-                    </a:schemeClr>
-                  </a:outerShdw>
-                </a:effectLst>
-              </a:rPr>
-              <a:t>new</a:t>
-            </a:r>
-            <a:r>
-              <a:rPr lang="zh-CN" altLang="en-US" sz="2000" dirty="0">
-                <a:effectLst>
-                  <a:outerShdw blurRad="38100" dist="19050" dir="2700000" algn="tl" rotWithShape="0">
-                    <a:schemeClr val="dk1">
-                      <a:alpha val="40000"/>
-                    </a:schemeClr>
-                  </a:outerShdw>
-                </a:effectLst>
-              </a:rPr>
-              <a:t>）代表是新增的文件，如果是修改文件，会显示（</a:t>
-            </a:r>
-            <a:r>
-              <a:rPr lang="en-US" altLang="zh-CN" sz="2000" dirty="0">
-                <a:effectLst>
-                  <a:outerShdw blurRad="38100" dist="19050" dir="2700000" algn="tl" rotWithShape="0">
-                    <a:schemeClr val="dk1">
-                      <a:alpha val="40000"/>
-                    </a:schemeClr>
-                  </a:outerShdw>
-                </a:effectLst>
-              </a:rPr>
-              <a:t>modified</a:t>
-            </a:r>
-            <a:r>
-              <a:rPr lang="zh-CN" altLang="en-US" sz="2000" dirty="0">
-                <a:effectLst>
-                  <a:outerShdw blurRad="38100" dist="19050" dir="2700000" algn="tl" rotWithShape="0">
-                    <a:schemeClr val="dk1">
-                      <a:alpha val="40000"/>
-                    </a:schemeClr>
-                  </a:outerShdw>
-                </a:effectLst>
-              </a:rPr>
-              <a:t>）</a:t>
-            </a:r>
-            <a:endParaRPr lang="en-US" altLang="zh-CN" sz="2000" dirty="0">
-              <a:effectLst>
-                <a:outerShdw blurRad="38100" dist="19050" dir="2700000" algn="tl" rotWithShape="0">
-                  <a:schemeClr val="dk1">
-                    <a:alpha val="40000"/>
-                  </a:schemeClr>
-                </a:outerShdw>
-              </a:effectLst>
-            </a:endParaRPr>
-          </a:p>
-          <a:p>
-            <a:pPr>
-              <a:lnSpc>
-                <a:spcPct val="150000"/>
-              </a:lnSpc>
-            </a:pPr>
-            <a:r>
-              <a:rPr lang="en-US" altLang="zh-CN" sz="2000" dirty="0">
-                <a:solidFill>
-                  <a:schemeClr val="tx1"/>
-                </a:solidFill>
-                <a:effectLst>
-                  <a:outerShdw blurRad="38100" dist="19050" dir="2700000" algn="tl" rotWithShape="0">
-                    <a:schemeClr val="dk1">
-                      <a:alpha val="40000"/>
-                    </a:schemeClr>
-                  </a:outerShdw>
-                </a:effectLst>
-              </a:rPr>
-              <a:t>6.git commit –m “</a:t>
-            </a:r>
-            <a:r>
-              <a:rPr lang="zh-CN" altLang="en-US" sz="2000" dirty="0">
-                <a:effectLst>
-                  <a:outerShdw blurRad="38100" dist="19050" dir="2700000" algn="tl" rotWithShape="0">
-                    <a:schemeClr val="dk1">
-                      <a:alpha val="40000"/>
-                    </a:schemeClr>
-                  </a:outerShdw>
-                </a:effectLst>
-              </a:rPr>
-              <a:t>修改理由</a:t>
-            </a:r>
-            <a:r>
-              <a:rPr lang="en-US" altLang="zh-CN" sz="2000" dirty="0">
-                <a:solidFill>
-                  <a:schemeClr val="tx1"/>
-                </a:solidFill>
-                <a:effectLst>
-                  <a:outerShdw blurRad="38100" dist="19050" dir="2700000" algn="tl" rotWithShape="0">
-                    <a:schemeClr val="dk1">
-                      <a:alpha val="40000"/>
-                    </a:schemeClr>
-                  </a:outerShdw>
-                </a:effectLst>
-              </a:rPr>
-              <a:t>” </a:t>
-            </a:r>
-          </a:p>
-          <a:p>
-            <a:pPr>
-              <a:lnSpc>
-                <a:spcPct val="150000"/>
-              </a:lnSpc>
-            </a:pPr>
-            <a:r>
-              <a:rPr lang="zh-CN" altLang="en-US" sz="2000" dirty="0">
-                <a:effectLst>
-                  <a:outerShdw blurRad="38100" dist="19050" dir="2700000" algn="tl" rotWithShape="0">
-                    <a:schemeClr val="dk1">
-                      <a:alpha val="40000"/>
-                    </a:schemeClr>
-                  </a:outerShdw>
-                </a:effectLst>
-              </a:rPr>
-              <a:t>这里一定要写理由！这个理由会显示在远程仓库，自己也可以查询，这样每一次修改都知道问什么</a:t>
-            </a:r>
-            <a:endParaRPr lang="zh-CN" altLang="en-US" sz="2000" dirty="0">
-              <a:solidFill>
-                <a:schemeClr val="tx1"/>
-              </a:solidFill>
-              <a:effectLst>
-                <a:outerShdw blurRad="38100" dist="19050" dir="2700000" algn="tl" rotWithShape="0">
-                  <a:schemeClr val="dk1">
-                    <a:alpha val="40000"/>
-                  </a:schemeClr>
-                </a:outerShdw>
-              </a:effectLst>
-            </a:endParaRPr>
-          </a:p>
         </p:txBody>
       </p:sp>
-      <p:pic>
-        <p:nvPicPr>
-          <p:cNvPr id="3" name="图片 2">
-            <a:extLst>
-              <a:ext uri="{FF2B5EF4-FFF2-40B4-BE49-F238E27FC236}">
-                <a16:creationId xmlns:a16="http://schemas.microsoft.com/office/drawing/2014/main" id="{BFEE1B5D-443F-4EC2-B29E-A65CE7E52D12}"/>
-              </a:ext>
-            </a:extLst>
-          </p:cNvPr>
-          <p:cNvPicPr>
-            <a:picLocks noChangeAspect="1"/>
-          </p:cNvPicPr>
-          <p:nvPr/>
-        </p:nvPicPr>
-        <p:blipFill rotWithShape="1">
-          <a:blip r:embed="rId3"/>
-          <a:srcRect t="58420" r="49422"/>
-          <a:stretch/>
-        </p:blipFill>
-        <p:spPr>
-          <a:xfrm>
-            <a:off x="6238589" y="-524656"/>
-            <a:ext cx="4373534" cy="1300397"/>
-          </a:xfrm>
-          <a:prstGeom prst="rect">
-            <a:avLst/>
-          </a:prstGeom>
-        </p:spPr>
-      </p:pic>
-      <p:pic>
-        <p:nvPicPr>
-          <p:cNvPr id="2" name="图片 1">
-            <a:extLst>
-              <a:ext uri="{FF2B5EF4-FFF2-40B4-BE49-F238E27FC236}">
-                <a16:creationId xmlns:a16="http://schemas.microsoft.com/office/drawing/2014/main" id="{438F7691-9B05-45AF-B81E-3D1A65923547}"/>
-              </a:ext>
-            </a:extLst>
-          </p:cNvPr>
-          <p:cNvPicPr>
-            <a:picLocks noChangeAspect="1"/>
-          </p:cNvPicPr>
-          <p:nvPr/>
-        </p:nvPicPr>
-        <p:blipFill>
-          <a:blip r:embed="rId4"/>
-          <a:stretch>
-            <a:fillRect/>
-          </a:stretch>
-        </p:blipFill>
-        <p:spPr>
-          <a:xfrm>
-            <a:off x="6425513" y="927072"/>
-            <a:ext cx="4258269" cy="2067213"/>
-          </a:xfrm>
-          <a:prstGeom prst="rect">
-            <a:avLst/>
-          </a:prstGeom>
-        </p:spPr>
-      </p:pic>
-      <p:pic>
-        <p:nvPicPr>
-          <p:cNvPr id="9" name="图片 8">
-            <a:extLst>
-              <a:ext uri="{FF2B5EF4-FFF2-40B4-BE49-F238E27FC236}">
-                <a16:creationId xmlns:a16="http://schemas.microsoft.com/office/drawing/2014/main" id="{4C4D2DEF-9DE5-4810-87DD-DEF521273732}"/>
-              </a:ext>
-            </a:extLst>
-          </p:cNvPr>
-          <p:cNvPicPr>
-            <a:picLocks noChangeAspect="1"/>
-          </p:cNvPicPr>
-          <p:nvPr/>
-        </p:nvPicPr>
-        <p:blipFill>
-          <a:blip r:embed="rId5"/>
-          <a:stretch>
-            <a:fillRect/>
-          </a:stretch>
-        </p:blipFill>
-        <p:spPr>
-          <a:xfrm>
-            <a:off x="6425513" y="3056994"/>
-            <a:ext cx="4963218" cy="2562583"/>
-          </a:xfrm>
-          <a:prstGeom prst="rect">
-            <a:avLst/>
-          </a:prstGeom>
-        </p:spPr>
-      </p:pic>
-      <p:pic>
-        <p:nvPicPr>
-          <p:cNvPr id="5" name="图片 4">
-            <a:extLst>
-              <a:ext uri="{FF2B5EF4-FFF2-40B4-BE49-F238E27FC236}">
-                <a16:creationId xmlns:a16="http://schemas.microsoft.com/office/drawing/2014/main" id="{B181AF08-DACB-4954-80BF-295B598B2FAD}"/>
-              </a:ext>
-            </a:extLst>
-          </p:cNvPr>
-          <p:cNvPicPr>
-            <a:picLocks noChangeAspect="1"/>
-          </p:cNvPicPr>
-          <p:nvPr/>
-        </p:nvPicPr>
-        <p:blipFill>
-          <a:blip r:embed="rId6"/>
-          <a:stretch>
-            <a:fillRect/>
-          </a:stretch>
-        </p:blipFill>
-        <p:spPr>
-          <a:xfrm>
-            <a:off x="6437755" y="5619577"/>
-            <a:ext cx="5163271" cy="1219370"/>
-          </a:xfrm>
-          <a:prstGeom prst="rect">
-            <a:avLst/>
-          </a:prstGeom>
-        </p:spPr>
-      </p:pic>
     </p:spTree>
     <p:extLst>
       <p:ext uri="{BB962C8B-B14F-4D97-AF65-F5344CB8AC3E}">
@@ -4779,8 +4113,8 @@
         </p:nvSpPr>
         <p:spPr>
           <a:xfrm>
-            <a:off x="0" y="0"/>
-            <a:ext cx="5635770" cy="5113644"/>
+            <a:off x="317642" y="357246"/>
+            <a:ext cx="5635770" cy="6036974"/>
           </a:xfrm>
           <a:prstGeom prst="rect">
             <a:avLst/>
@@ -4808,84 +4142,7 @@
                   </a:outerShdw>
                 </a:effectLst>
               </a:rPr>
-              <a:t>然后切换到开发分支</a:t>
-            </a:r>
-            <a:r>
-              <a:rPr lang="en-US" altLang="zh-CN" sz="2000" dirty="0">
-                <a:effectLst>
-                  <a:outerShdw blurRad="38100" dist="19050" dir="2700000" algn="tl" rotWithShape="0">
-                    <a:schemeClr val="dk1">
-                      <a:alpha val="40000"/>
-                    </a:schemeClr>
-                  </a:outerShdw>
-                </a:effectLst>
-              </a:rPr>
-              <a:t>dev</a:t>
-            </a:r>
-          </a:p>
-          <a:p>
-            <a:pPr>
-              <a:lnSpc>
-                <a:spcPct val="150000"/>
-              </a:lnSpc>
-            </a:pPr>
-            <a:r>
-              <a:rPr lang="en-US" altLang="zh-CN" sz="2000" dirty="0">
-                <a:solidFill>
-                  <a:schemeClr val="tx1"/>
-                </a:solidFill>
-                <a:effectLst>
-                  <a:outerShdw blurRad="38100" dist="19050" dir="2700000" algn="tl" rotWithShape="0">
-                    <a:schemeClr val="dk1">
-                      <a:alpha val="40000"/>
-                    </a:schemeClr>
-                  </a:outerShdw>
-                </a:effectLst>
-              </a:rPr>
-              <a:t>git checkout dev</a:t>
-            </a:r>
-          </a:p>
-          <a:p>
-            <a:pPr>
-              <a:lnSpc>
-                <a:spcPct val="150000"/>
-              </a:lnSpc>
-            </a:pPr>
-            <a:r>
-              <a:rPr lang="zh-CN" altLang="en-US" sz="2000" dirty="0">
-                <a:effectLst>
-                  <a:outerShdw blurRad="38100" dist="19050" dir="2700000" algn="tl" rotWithShape="0">
-                    <a:schemeClr val="dk1">
-                      <a:alpha val="40000"/>
-                    </a:schemeClr>
-                  </a:outerShdw>
-                </a:effectLst>
-              </a:rPr>
-              <a:t>合并自己的分支到</a:t>
-            </a:r>
-            <a:r>
-              <a:rPr lang="en-US" altLang="zh-CN" sz="2000" dirty="0">
-                <a:effectLst>
-                  <a:outerShdw blurRad="38100" dist="19050" dir="2700000" algn="tl" rotWithShape="0">
-                    <a:schemeClr val="dk1">
-                      <a:alpha val="40000"/>
-                    </a:schemeClr>
-                  </a:outerShdw>
-                </a:effectLst>
-              </a:rPr>
-              <a:t>dev</a:t>
-            </a:r>
-            <a:r>
-              <a:rPr lang="zh-CN" altLang="en-US" sz="2000" dirty="0">
-                <a:effectLst>
-                  <a:outerShdw blurRad="38100" dist="19050" dir="2700000" algn="tl" rotWithShape="0">
-                    <a:schemeClr val="dk1">
-                      <a:alpha val="40000"/>
-                    </a:schemeClr>
-                  </a:outerShdw>
-                </a:effectLst>
-              </a:rPr>
-              <a:t>分支</a:t>
+              <a:t>最后：</a:t>
             </a:r>
             <a:endParaRPr lang="en-US" altLang="zh-CN" sz="2000" dirty="0">
               <a:effectLst>
@@ -4904,50 +4161,26 @@
               </a:lnSpc>
             </a:pPr>
             <a:r>
-              <a:rPr lang="en-US" altLang="zh-CN" sz="2000" dirty="0">
-                <a:solidFill>
-                  <a:schemeClr val="tx1"/>
-                </a:solidFill>
-                <a:effectLst>
-                  <a:outerShdw blurRad="38100" dist="19050" dir="2700000" algn="tl" rotWithShape="0">
-                    <a:schemeClr val="dk1">
-                      <a:alpha val="40000"/>
-                    </a:schemeClr>
-                  </a:outerShdw>
-                </a:effectLst>
-              </a:rPr>
-              <a:t>git merge [</a:t>
-            </a:r>
-            <a:r>
               <a:rPr lang="zh-CN" altLang="en-US" sz="2000" dirty="0">
-                <a:solidFill>
-                  <a:schemeClr val="tx1"/>
-                </a:solidFill>
-                <a:effectLst>
-                  <a:outerShdw blurRad="38100" dist="19050" dir="2700000" algn="tl" rotWithShape="0">
-                    <a:schemeClr val="dk1">
-                      <a:alpha val="40000"/>
-                    </a:schemeClr>
-                  </a:outerShdw>
-                </a:effectLst>
-              </a:rPr>
-              <a:t>分支名</a:t>
-            </a:r>
-            <a:r>
-              <a:rPr lang="en-US" altLang="zh-CN" sz="2000" dirty="0">
-                <a:solidFill>
-                  <a:schemeClr val="tx1"/>
-                </a:solidFill>
-                <a:effectLst>
-                  <a:outerShdw blurRad="38100" dist="19050" dir="2700000" algn="tl" rotWithShape="0">
-                    <a:schemeClr val="dk1">
-                      <a:alpha val="40000"/>
-                    </a:schemeClr>
-                  </a:outerShdw>
-                </a:effectLst>
-              </a:rPr>
-              <a:t>]</a:t>
-            </a:r>
+                <a:effectLst>
+                  <a:outerShdw blurRad="38100" dist="19050" dir="2700000" algn="tl" rotWithShape="0">
+                    <a:schemeClr val="dk1">
+                      <a:alpha val="40000"/>
+                    </a:schemeClr>
+                  </a:outerShdw>
+                </a:effectLst>
+              </a:rPr>
+              <a:t>使用指令</a:t>
+            </a:r>
+            <a:endParaRPr lang="en-US" altLang="zh-CN" sz="2000" dirty="0">
+              <a:effectLst>
+                <a:outerShdw blurRad="38100" dist="19050" dir="2700000" algn="tl" rotWithShape="0">
+                  <a:schemeClr val="dk1">
+                    <a:alpha val="40000"/>
+                  </a:schemeClr>
+                </a:outerShdw>
+              </a:effectLst>
+            </a:endParaRPr>
           </a:p>
           <a:p>
             <a:pPr>
@@ -4956,28 +4189,96 @@
               </a:lnSpc>
             </a:pPr>
             <a:r>
+              <a:rPr lang="en-US" altLang="zh-CN" sz="2000" dirty="0">
+                <a:solidFill>
+                  <a:schemeClr val="tx1"/>
+                </a:solidFill>
+                <a:effectLst>
+                  <a:outerShdw blurRad="38100" dist="19050" dir="2700000" algn="tl" rotWithShape="0">
+                    <a:schemeClr val="dk1">
+                      <a:alpha val="40000"/>
+                    </a:schemeClr>
+                  </a:outerShdw>
+                </a:effectLst>
+              </a:rPr>
+              <a:t>git push</a:t>
+            </a:r>
+            <a:r>
               <a:rPr lang="zh-CN" altLang="en-US" sz="2000" dirty="0">
-                <a:effectLst>
-                  <a:outerShdw blurRad="38100" dist="19050" dir="2700000" algn="tl" rotWithShape="0">
-                    <a:schemeClr val="dk1">
-                      <a:alpha val="40000"/>
-                    </a:schemeClr>
-                  </a:outerShdw>
-                </a:effectLst>
-              </a:rPr>
-              <a:t>我这里的分支名是</a:t>
-            </a:r>
-            <a:r>
-              <a:rPr lang="en-US" altLang="zh-CN" sz="2000" dirty="0" err="1">
-                <a:effectLst>
-                  <a:outerShdw blurRad="38100" dist="19050" dir="2700000" algn="tl" rotWithShape="0">
-                    <a:schemeClr val="dk1">
-                      <a:alpha val="40000"/>
-                    </a:schemeClr>
-                  </a:outerShdw>
-                </a:effectLst>
-              </a:rPr>
-              <a:t>ShouHou</a:t>
+                <a:solidFill>
+                  <a:schemeClr val="tx1"/>
+                </a:solidFill>
+                <a:effectLst>
+                  <a:outerShdw blurRad="38100" dist="19050" dir="2700000" algn="tl" rotWithShape="0">
+                    <a:schemeClr val="dk1">
+                      <a:alpha val="40000"/>
+                    </a:schemeClr>
+                  </a:outerShdw>
+                </a:effectLst>
+              </a:rPr>
+              <a:t>：</a:t>
+            </a:r>
+            <a:endParaRPr lang="en-US" altLang="zh-CN" sz="2000" dirty="0">
+              <a:solidFill>
+                <a:schemeClr val="tx1"/>
+              </a:solidFill>
+              <a:effectLst>
+                <a:outerShdw blurRad="38100" dist="19050" dir="2700000" algn="tl" rotWithShape="0">
+                  <a:schemeClr val="dk1">
+                    <a:alpha val="40000"/>
+                  </a:schemeClr>
+                </a:outerShdw>
+              </a:effectLst>
+            </a:endParaRPr>
+          </a:p>
+          <a:p>
+            <a:pPr>
+              <a:lnSpc>
+                <a:spcPct val="150000"/>
+              </a:lnSpc>
+            </a:pPr>
+            <a:r>
+              <a:rPr lang="zh-CN" altLang="en-US" sz="2000" dirty="0">
+                <a:effectLst>
+                  <a:outerShdw blurRad="38100" dist="19050" dir="2700000" algn="tl" rotWithShape="0">
+                    <a:schemeClr val="dk1">
+                      <a:alpha val="40000"/>
+                    </a:schemeClr>
+                  </a:outerShdw>
+                </a:effectLst>
+              </a:rPr>
+              <a:t>最后一行显示，本地分支合并到了远程分支</a:t>
+            </a:r>
+            <a:endParaRPr lang="en-US" altLang="zh-CN" sz="2000" dirty="0">
+              <a:solidFill>
+                <a:schemeClr val="tx1"/>
+              </a:solidFill>
+              <a:effectLst>
+                <a:outerShdw blurRad="38100" dist="19050" dir="2700000" algn="tl" rotWithShape="0">
+                  <a:schemeClr val="dk1">
+                    <a:alpha val="40000"/>
+                  </a:schemeClr>
+                </a:outerShdw>
+              </a:effectLst>
+            </a:endParaRPr>
+          </a:p>
+          <a:p>
+            <a:pPr>
+              <a:lnSpc>
+                <a:spcPct val="150000"/>
+              </a:lnSpc>
+            </a:pPr>
+            <a:r>
+              <a:rPr lang="zh-CN" altLang="en-US" sz="2000" dirty="0">
+                <a:effectLst>
+                  <a:outerShdw blurRad="38100" dist="19050" dir="2700000" algn="tl" rotWithShape="0">
+                    <a:schemeClr val="dk1">
+                      <a:alpha val="40000"/>
+                    </a:schemeClr>
+                  </a:outerShdw>
+                </a:effectLst>
+              </a:rPr>
+              <a:t>有可能让你输入用户名密码，无所谓输就行了</a:t>
             </a:r>
             <a:endParaRPr lang="en-US" altLang="zh-CN" sz="2000" dirty="0">
               <a:effectLst>
@@ -5011,217 +4312,7 @@
                 <a:spcPct val="150000"/>
               </a:lnSpc>
             </a:pPr>
-            <a:r>
-              <a:rPr lang="zh-CN" altLang="en-US" sz="2000" dirty="0">
-                <a:effectLst>
-                  <a:outerShdw blurRad="38100" dist="19050" dir="2700000" algn="tl" rotWithShape="0">
-                    <a:schemeClr val="dk1">
-                      <a:alpha val="40000"/>
-                    </a:schemeClr>
-                  </a:outerShdw>
-                </a:effectLst>
-              </a:rPr>
-              <a:t>这时会有一个</a:t>
-            </a:r>
-            <a:r>
-              <a:rPr lang="en-US" altLang="zh-CN" sz="2000" dirty="0">
-                <a:effectLst>
-                  <a:outerShdw blurRad="38100" dist="19050" dir="2700000" algn="tl" rotWithShape="0">
-                    <a:schemeClr val="dk1">
-                      <a:alpha val="40000"/>
-                    </a:schemeClr>
-                  </a:outerShdw>
-                </a:effectLst>
-              </a:rPr>
-              <a:t>vi</a:t>
-            </a:r>
-            <a:r>
-              <a:rPr lang="zh-CN" altLang="en-US" sz="2000" dirty="0">
-                <a:effectLst>
-                  <a:outerShdw blurRad="38100" dist="19050" dir="2700000" algn="tl" rotWithShape="0">
-                    <a:schemeClr val="dk1">
-                      <a:alpha val="40000"/>
-                    </a:schemeClr>
-                  </a:outerShdw>
-                </a:effectLst>
-              </a:rPr>
-              <a:t>编辑器冒出来</a:t>
-            </a:r>
-            <a:r>
-              <a:rPr lang="en-US" altLang="zh-CN" sz="2000" dirty="0">
-                <a:effectLst>
-                  <a:outerShdw blurRad="38100" dist="19050" dir="2700000" algn="tl" rotWithShape="0">
-                    <a:schemeClr val="dk1">
-                      <a:alpha val="40000"/>
-                    </a:schemeClr>
-                  </a:outerShdw>
-                </a:effectLst>
-              </a:rPr>
-              <a:t>...</a:t>
-            </a:r>
-          </a:p>
-          <a:p>
-            <a:pPr>
-              <a:lnSpc>
-                <a:spcPct val="150000"/>
-              </a:lnSpc>
-            </a:pPr>
-            <a:r>
-              <a:rPr lang="zh-CN" altLang="en-US" sz="2000" dirty="0">
-                <a:effectLst>
-                  <a:outerShdw blurRad="38100" dist="19050" dir="2700000" algn="tl" rotWithShape="0">
-                    <a:schemeClr val="dk1">
-                      <a:alpha val="40000"/>
-                    </a:schemeClr>
-                  </a:outerShdw>
-                </a:effectLst>
-              </a:rPr>
-              <a:t>输入‘</a:t>
-            </a:r>
-            <a:r>
-              <a:rPr lang="en-US" altLang="zh-CN" sz="2000" dirty="0" err="1">
-                <a:effectLst>
-                  <a:outerShdw blurRad="38100" dist="19050" dir="2700000" algn="tl" rotWithShape="0">
-                    <a:schemeClr val="dk1">
-                      <a:alpha val="40000"/>
-                    </a:schemeClr>
-                  </a:outerShdw>
-                </a:effectLst>
-              </a:rPr>
-              <a:t>i</a:t>
-            </a:r>
-            <a:r>
-              <a:rPr lang="zh-CN" altLang="en-US" sz="2000" dirty="0">
-                <a:effectLst>
-                  <a:outerShdw blurRad="38100" dist="19050" dir="2700000" algn="tl" rotWithShape="0">
-                    <a:schemeClr val="dk1">
-                      <a:alpha val="40000"/>
-                    </a:schemeClr>
-                  </a:outerShdw>
-                </a:effectLst>
-              </a:rPr>
-              <a:t>’进入插入模式，然后编辑一个合并理由</a:t>
-            </a:r>
             <a:endParaRPr lang="en-US" altLang="zh-CN" sz="2000" dirty="0">
-              <a:effectLst>
-                <a:outerShdw blurRad="38100" dist="19050" dir="2700000" algn="tl" rotWithShape="0">
-                  <a:schemeClr val="dk1">
-                    <a:alpha val="40000"/>
-                  </a:schemeClr>
-                </a:outerShdw>
-              </a:effectLst>
-            </a:endParaRPr>
-          </a:p>
-          <a:p>
-            <a:pPr>
-              <a:lnSpc>
-                <a:spcPct val="150000"/>
-              </a:lnSpc>
-            </a:pPr>
-            <a:r>
-              <a:rPr lang="zh-CN" altLang="en-US" sz="2000" dirty="0">
-                <a:effectLst>
-                  <a:outerShdw blurRad="38100" dist="19050" dir="2700000" algn="tl" rotWithShape="0">
-                    <a:schemeClr val="dk1">
-                      <a:alpha val="40000"/>
-                    </a:schemeClr>
-                  </a:outerShdw>
-                </a:effectLst>
-              </a:rPr>
-              <a:t>按</a:t>
-            </a:r>
-            <a:r>
-              <a:rPr lang="en-US" altLang="zh-CN" sz="2000" dirty="0">
-                <a:effectLst>
-                  <a:outerShdw blurRad="38100" dist="19050" dir="2700000" algn="tl" rotWithShape="0">
-                    <a:schemeClr val="dk1">
-                      <a:alpha val="40000"/>
-                    </a:schemeClr>
-                  </a:outerShdw>
-                </a:effectLst>
-              </a:rPr>
-              <a:t>Esc</a:t>
-            </a:r>
-            <a:r>
-              <a:rPr lang="zh-CN" altLang="en-US" sz="2000" dirty="0">
-                <a:effectLst>
-                  <a:outerShdw blurRad="38100" dist="19050" dir="2700000" algn="tl" rotWithShape="0">
-                    <a:schemeClr val="dk1">
-                      <a:alpha val="40000"/>
-                    </a:schemeClr>
-                  </a:outerShdw>
-                </a:effectLst>
-              </a:rPr>
-              <a:t>后再输入</a:t>
-            </a:r>
-            <a:r>
-              <a:rPr lang="en-US" altLang="zh-CN" sz="2000" dirty="0">
-                <a:effectLst>
-                  <a:outerShdw blurRad="38100" dist="19050" dir="2700000" algn="tl" rotWithShape="0">
-                    <a:schemeClr val="dk1">
-                      <a:alpha val="40000"/>
-                    </a:schemeClr>
-                  </a:outerShdw>
-                </a:effectLst>
-              </a:rPr>
-              <a:t>’:</a:t>
-            </a:r>
-            <a:r>
-              <a:rPr lang="en-US" altLang="zh-CN" sz="2000" dirty="0" err="1">
-                <a:effectLst>
-                  <a:outerShdw blurRad="38100" dist="19050" dir="2700000" algn="tl" rotWithShape="0">
-                    <a:schemeClr val="dk1">
-                      <a:alpha val="40000"/>
-                    </a:schemeClr>
-                  </a:outerShdw>
-                </a:effectLst>
-              </a:rPr>
-              <a:t>wq</a:t>
-            </a:r>
-            <a:r>
-              <a:rPr lang="en-US" altLang="zh-CN" sz="2000" dirty="0">
-                <a:effectLst>
-                  <a:outerShdw blurRad="38100" dist="19050" dir="2700000" algn="tl" rotWithShape="0">
-                    <a:schemeClr val="dk1">
-                      <a:alpha val="40000"/>
-                    </a:schemeClr>
-                  </a:outerShdw>
-                </a:effectLst>
-              </a:rPr>
-              <a:t>’</a:t>
-            </a:r>
-            <a:r>
-              <a:rPr lang="zh-CN" altLang="en-US" sz="2000" dirty="0">
-                <a:effectLst>
-                  <a:outerShdw blurRad="38100" dist="19050" dir="2700000" algn="tl" rotWithShape="0">
-                    <a:schemeClr val="dk1">
-                      <a:alpha val="40000"/>
-                    </a:schemeClr>
-                  </a:outerShdw>
-                </a:effectLst>
-              </a:rPr>
-              <a:t>退出</a:t>
-            </a:r>
-            <a:endParaRPr lang="en-US" altLang="zh-CN" sz="2000" dirty="0">
-              <a:effectLst>
-                <a:outerShdw blurRad="38100" dist="19050" dir="2700000" algn="tl" rotWithShape="0">
-                  <a:schemeClr val="dk1">
-                    <a:alpha val="40000"/>
-                  </a:schemeClr>
-                </a:outerShdw>
-              </a:effectLst>
-            </a:endParaRPr>
-          </a:p>
-          <a:p>
-            <a:pPr>
-              <a:lnSpc>
-                <a:spcPct val="150000"/>
-              </a:lnSpc>
-            </a:pPr>
-            <a:endParaRPr lang="en-US" altLang="zh-CN" sz="2000" dirty="0">
-              <a:solidFill>
-                <a:schemeClr val="tx1"/>
-              </a:solidFill>
               <a:effectLst>
                 <a:outerShdw blurRad="38100" dist="19050" dir="2700000" algn="tl" rotWithShape="0">
                   <a:schemeClr val="dk1">
@@ -5247,14 +4338,198 @@
               </a:effectLst>
             </a:endParaRPr>
           </a:p>
+          <a:p>
+            <a:pPr>
+              <a:lnSpc>
+                <a:spcPct val="150000"/>
+              </a:lnSpc>
+            </a:pPr>
+            <a:endParaRPr lang="en-US" altLang="zh-CN" sz="2000" dirty="0">
+              <a:effectLst>
+                <a:outerShdw blurRad="38100" dist="19050" dir="2700000" algn="tl" rotWithShape="0">
+                  <a:schemeClr val="dk1">
+                    <a:alpha val="40000"/>
+                  </a:schemeClr>
+                </a:outerShdw>
+              </a:effectLst>
+            </a:endParaRPr>
+          </a:p>
+          <a:p>
+            <a:pPr>
+              <a:lnSpc>
+                <a:spcPct val="150000"/>
+              </a:lnSpc>
+            </a:pPr>
+            <a:r>
+              <a:rPr lang="zh-CN" altLang="en-US" sz="2000" dirty="0">
+                <a:effectLst>
+                  <a:outerShdw blurRad="38100" dist="19050" dir="2700000" algn="tl" rotWithShape="0">
+                    <a:schemeClr val="dk1">
+                      <a:alpha val="40000"/>
+                    </a:schemeClr>
+                  </a:outerShdw>
+                </a:effectLst>
+              </a:rPr>
+              <a:t>另外：在每次培训后该项目（即</a:t>
+            </a:r>
+            <a:r>
+              <a:rPr lang="en-US" altLang="zh-CN" sz="2000" dirty="0" err="1">
+                <a:effectLst>
+                  <a:outerShdw blurRad="38100" dist="19050" dir="2700000" algn="tl" rotWithShape="0">
+                    <a:schemeClr val="dk1">
+                      <a:alpha val="40000"/>
+                    </a:schemeClr>
+                  </a:outerShdw>
+                </a:effectLst>
+              </a:rPr>
+              <a:t>BUAAVolunteer</a:t>
+            </a:r>
+            <a:r>
+              <a:rPr lang="en-US" altLang="zh-CN" sz="2000" dirty="0">
+                <a:effectLst>
+                  <a:outerShdw blurRad="38100" dist="19050" dir="2700000" algn="tl" rotWithShape="0">
+                    <a:schemeClr val="dk1">
+                      <a:alpha val="40000"/>
+                    </a:schemeClr>
+                  </a:outerShdw>
+                </a:effectLst>
+              </a:rPr>
+              <a:t>-Teach</a:t>
+            </a:r>
+            <a:r>
+              <a:rPr lang="zh-CN" altLang="en-US" sz="2000" dirty="0">
+                <a:effectLst>
+                  <a:outerShdw blurRad="38100" dist="19050" dir="2700000" algn="tl" rotWithShape="0">
+                    <a:schemeClr val="dk1">
+                      <a:alpha val="40000"/>
+                    </a:schemeClr>
+                  </a:outerShdw>
+                </a:effectLst>
+              </a:rPr>
+              <a:t>）都会</a:t>
+            </a:r>
+            <a:r>
+              <a:rPr lang="en-US" altLang="zh-CN" sz="2000" dirty="0">
+                <a:effectLst>
+                  <a:outerShdw blurRad="38100" dist="19050" dir="2700000" algn="tl" rotWithShape="0">
+                    <a:schemeClr val="dk1">
+                      <a:alpha val="40000"/>
+                    </a:schemeClr>
+                  </a:outerShdw>
+                </a:effectLst>
+              </a:rPr>
+              <a:t>push</a:t>
+            </a:r>
+            <a:r>
+              <a:rPr lang="zh-CN" altLang="en-US" sz="2000" dirty="0">
+                <a:effectLst>
+                  <a:outerShdw blurRad="38100" dist="19050" dir="2700000" algn="tl" rotWithShape="0">
+                    <a:schemeClr val="dk1">
+                      <a:alpha val="40000"/>
+                    </a:schemeClr>
+                  </a:outerShdw>
+                </a:effectLst>
+              </a:rPr>
+              <a:t>新的</a:t>
+            </a:r>
+            <a:r>
+              <a:rPr lang="en-US" altLang="zh-CN" sz="2000" dirty="0">
+                <a:effectLst>
+                  <a:outerShdw blurRad="38100" dist="19050" dir="2700000" algn="tl" rotWithShape="0">
+                    <a:schemeClr val="dk1">
+                      <a:alpha val="40000"/>
+                    </a:schemeClr>
+                  </a:outerShdw>
+                </a:effectLst>
+              </a:rPr>
+              <a:t>tag</a:t>
+            </a:r>
+            <a:r>
+              <a:rPr lang="zh-CN" altLang="en-US" sz="2000" dirty="0">
+                <a:effectLst>
+                  <a:outerShdw blurRad="38100" dist="19050" dir="2700000" algn="tl" rotWithShape="0">
+                    <a:schemeClr val="dk1">
+                      <a:alpha val="40000"/>
+                    </a:schemeClr>
+                  </a:outerShdw>
+                </a:effectLst>
+              </a:rPr>
+              <a:t>，请记得即时使用</a:t>
+            </a:r>
+            <a:endParaRPr lang="en-US" altLang="zh-CN" sz="2000" dirty="0">
+              <a:effectLst>
+                <a:outerShdw blurRad="38100" dist="19050" dir="2700000" algn="tl" rotWithShape="0">
+                  <a:schemeClr val="dk1">
+                    <a:alpha val="40000"/>
+                  </a:schemeClr>
+                </a:outerShdw>
+              </a:effectLst>
+            </a:endParaRPr>
+          </a:p>
+          <a:p>
+            <a:pPr>
+              <a:lnSpc>
+                <a:spcPct val="150000"/>
+              </a:lnSpc>
+            </a:pPr>
+            <a:r>
+              <a:rPr lang="en-US" altLang="zh-CN" sz="2000" dirty="0">
+                <a:effectLst>
+                  <a:outerShdw blurRad="38100" dist="19050" dir="2700000" algn="tl" rotWithShape="0">
+                    <a:schemeClr val="dk1">
+                      <a:alpha val="40000"/>
+                    </a:schemeClr>
+                  </a:outerShdw>
+                </a:effectLst>
+              </a:rPr>
+              <a:t>git pull</a:t>
+            </a:r>
+            <a:r>
+              <a:rPr lang="zh-CN" altLang="en-US" sz="2000" dirty="0">
+                <a:effectLst>
+                  <a:outerShdw blurRad="38100" dist="19050" dir="2700000" algn="tl" rotWithShape="0">
+                    <a:schemeClr val="dk1">
+                      <a:alpha val="40000"/>
+                    </a:schemeClr>
+                  </a:outerShdw>
+                </a:effectLst>
+              </a:rPr>
+              <a:t>：同步远程更改到本地</a:t>
+            </a:r>
+            <a:endParaRPr lang="en-US" altLang="zh-CN" sz="2000" dirty="0">
+              <a:effectLst>
+                <a:outerShdw blurRad="38100" dist="19050" dir="2700000" algn="tl" rotWithShape="0">
+                  <a:schemeClr val="dk1">
+                    <a:alpha val="40000"/>
+                  </a:schemeClr>
+                </a:outerShdw>
+              </a:effectLst>
+            </a:endParaRPr>
+          </a:p>
+          <a:p>
+            <a:pPr>
+              <a:lnSpc>
+                <a:spcPct val="150000"/>
+              </a:lnSpc>
+            </a:pPr>
+            <a:endParaRPr lang="en-US" altLang="zh-CN" sz="2000" dirty="0">
+              <a:effectLst>
+                <a:outerShdw blurRad="38100" dist="19050" dir="2700000" algn="tl" rotWithShape="0">
+                  <a:schemeClr val="dk1">
+                    <a:alpha val="40000"/>
+                  </a:schemeClr>
+                </a:outerShdw>
+              </a:effectLst>
+            </a:endParaRPr>
+          </a:p>
         </p:txBody>
       </p:sp>
       <p:pic>
         <p:nvPicPr>
-          <p:cNvPr id="4" name="图片 3">
+          <p:cNvPr id="3" name="图片 2">
             <a:extLst>
               <a:ext uri="{FF2B5EF4-FFF2-40B4-BE49-F238E27FC236}">
-                <a16:creationId xmlns:a16="http://schemas.microsoft.com/office/drawing/2014/main" id="{348B8642-6FFF-48D6-9EA1-B3C41A00195E}"/>
+                <a16:creationId xmlns:a16="http://schemas.microsoft.com/office/drawing/2014/main" id="{8B0C5C79-34D5-439A-A90E-11260416E792}"/>
               </a:ext>
             </a:extLst>
           </p:cNvPr>
@@ -5271,464 +4546,8 @@
         </p:blipFill>
         <p:spPr>
           <a:xfrm>
-            <a:off x="5731400" y="2035275"/>
-            <a:ext cx="6732756" cy="4272933"/>
-          </a:xfrm>
-          <a:prstGeom prst="rect">
-            <a:avLst/>
-          </a:prstGeom>
-        </p:spPr>
-      </p:pic>
-      <p:pic>
-        <p:nvPicPr>
-          <p:cNvPr id="7" name="图片 6">
-            <a:extLst>
-              <a:ext uri="{FF2B5EF4-FFF2-40B4-BE49-F238E27FC236}">
-                <a16:creationId xmlns:a16="http://schemas.microsoft.com/office/drawing/2014/main" id="{3FF66225-B640-472A-AC4C-F1558BAE5940}"/>
-              </a:ext>
-            </a:extLst>
-          </p:cNvPr>
-          <p:cNvPicPr>
-            <a:picLocks noChangeAspect="1"/>
-          </p:cNvPicPr>
-          <p:nvPr/>
-        </p:nvPicPr>
-        <p:blipFill>
-          <a:blip r:embed="rId4"/>
-          <a:stretch>
-            <a:fillRect/>
-          </a:stretch>
-        </p:blipFill>
-        <p:spPr>
-          <a:xfrm>
-            <a:off x="5941953" y="166332"/>
-            <a:ext cx="6311650" cy="1286072"/>
-          </a:xfrm>
-          <a:prstGeom prst="rect">
-            <a:avLst/>
-          </a:prstGeom>
-        </p:spPr>
-      </p:pic>
-    </p:spTree>
-    <p:extLst>
-      <p:ext uri="{BB962C8B-B14F-4D97-AF65-F5344CB8AC3E}">
-        <p14:creationId xmlns:p14="http://schemas.microsoft.com/office/powerpoint/2010/main" val="3776569762"/>
-      </p:ext>
-    </p:extLst>
-  </p:cSld>
-  <p:clrMapOvr>
-    <a:masterClrMapping/>
-  </p:clrMapOvr>
-  <mc:AlternateContent xmlns:mc="http://schemas.openxmlformats.org/markup-compatibility/2006" xmlns:p14="http://schemas.microsoft.com/office/powerpoint/2010/main">
-    <mc:Choice Requires="p14">
-      <p:transition spd="slow" p14:dur="3500"/>
-    </mc:Choice>
-    <mc:Fallback xmlns="">
-      <p:transition spd="slow"/>
-    </mc:Fallback>
-  </mc:AlternateContent>
-</p:sld>
-</file>
-
-<file path=ppt/slides/slide13.xml><?xml version="1.0" encoding="utf-8"?>
-<p:sld xmlns:a="http://schemas.openxmlformats.org/drawingml/2006/main" xmlns:r="http://schemas.openxmlformats.org/officeDocument/2006/relationships" xmlns:p="http://schemas.openxmlformats.org/presentationml/2006/main">
-  <p:cSld>
-    <p:spTree>
-      <p:nvGrpSpPr>
-        <p:cNvPr id="1" name=""/>
-        <p:cNvGrpSpPr/>
-        <p:nvPr/>
-      </p:nvGrpSpPr>
-      <p:grpSpPr>
-        <a:xfrm>
-          <a:off x="0" y="0"/>
-          <a:ext cx="0" cy="0"/>
-          <a:chOff x="0" y="0"/>
-          <a:chExt cx="0" cy="0"/>
-        </a:xfrm>
-      </p:grpSpPr>
-      <p:sp>
-        <p:nvSpPr>
-          <p:cNvPr id="6" name="文本框 5">
-            <a:extLst>
-              <a:ext uri="{FF2B5EF4-FFF2-40B4-BE49-F238E27FC236}">
-                <a16:creationId xmlns:a16="http://schemas.microsoft.com/office/drawing/2014/main" id="{53FBE750-1A65-4244-992A-C97EA7243136}"/>
-              </a:ext>
-            </a:extLst>
-          </p:cNvPr>
-          <p:cNvSpPr txBox="1"/>
-          <p:nvPr/>
-        </p:nvSpPr>
-        <p:spPr>
-          <a:xfrm>
-            <a:off x="317642" y="357246"/>
-            <a:ext cx="5635770" cy="5577424"/>
-          </a:xfrm>
-          <a:prstGeom prst="rect">
-            <a:avLst/>
-          </a:prstGeom>
-          <a:noFill/>
-        </p:spPr>
-        <p:txBody>
-          <a:bodyPr wrap="square" rtlCol="0">
-            <a:spAutoFit/>
-          </a:bodyPr>
-          <a:lstStyle/>
-          <a:p>
-            <a:pPr>
-              <a:lnSpc>
-                <a:spcPct val="150000"/>
-              </a:lnSpc>
-            </a:pPr>
-            <a:r>
-              <a:rPr lang="zh-CN" altLang="en-US" sz="2000" dirty="0">
-                <a:effectLst>
-                  <a:outerShdw blurRad="38100" dist="19050" dir="2700000" algn="tl" rotWithShape="0">
-                    <a:schemeClr val="dk1">
-                      <a:alpha val="40000"/>
-                    </a:schemeClr>
-                  </a:outerShdw>
-                </a:effectLst>
-              </a:rPr>
-              <a:t>最后：</a:t>
-            </a:r>
-            <a:endParaRPr lang="en-US" altLang="zh-CN" sz="2000" dirty="0">
-              <a:effectLst>
-                <a:outerShdw blurRad="38100" dist="19050" dir="2700000" algn="tl" rotWithShape="0">
-                  <a:schemeClr val="dk1">
-                    <a:alpha val="40000"/>
-                  </a:schemeClr>
-                </a:outerShdw>
-              </a:effectLst>
-            </a:endParaRPr>
-          </a:p>
-          <a:p>
-            <a:pPr>
-              <a:lnSpc>
-                <a:spcPct val="150000"/>
-              </a:lnSpc>
-            </a:pPr>
-            <a:r>
-              <a:rPr lang="zh-CN" altLang="en-US" sz="2000" dirty="0">
-                <a:effectLst>
-                  <a:outerShdw blurRad="38100" dist="19050" dir="2700000" algn="tl" rotWithShape="0">
-                    <a:schemeClr val="dk1">
-                      <a:alpha val="40000"/>
-                    </a:schemeClr>
-                  </a:outerShdw>
-                </a:effectLst>
-              </a:rPr>
-              <a:t>使用指令</a:t>
-            </a:r>
-            <a:r>
-              <a:rPr lang="en-US" altLang="zh-CN" sz="2000" dirty="0">
-                <a:solidFill>
-                  <a:schemeClr val="tx1"/>
-                </a:solidFill>
-                <a:effectLst>
-                  <a:outerShdw blurRad="38100" dist="19050" dir="2700000" algn="tl" rotWithShape="0">
-                    <a:schemeClr val="dk1">
-                      <a:alpha val="40000"/>
-                    </a:schemeClr>
-                  </a:outerShdw>
-                </a:effectLst>
-              </a:rPr>
-              <a:t>git push</a:t>
-            </a:r>
-          </a:p>
-          <a:p>
-            <a:pPr>
-              <a:lnSpc>
-                <a:spcPct val="150000"/>
-              </a:lnSpc>
-            </a:pPr>
-            <a:r>
-              <a:rPr lang="zh-CN" altLang="en-US" sz="2000" dirty="0">
-                <a:effectLst>
-                  <a:outerShdw blurRad="38100" dist="19050" dir="2700000" algn="tl" rotWithShape="0">
-                    <a:schemeClr val="dk1">
-                      <a:alpha val="40000"/>
-                    </a:schemeClr>
-                  </a:outerShdw>
-                </a:effectLst>
-              </a:rPr>
-              <a:t>最后一行显示，本地分支合并到了远程分支</a:t>
-            </a:r>
-            <a:endParaRPr lang="en-US" altLang="zh-CN" sz="2000" dirty="0">
-              <a:solidFill>
-                <a:schemeClr val="tx1"/>
-              </a:solidFill>
-              <a:effectLst>
-                <a:outerShdw blurRad="38100" dist="19050" dir="2700000" algn="tl" rotWithShape="0">
-                  <a:schemeClr val="dk1">
-                    <a:alpha val="40000"/>
-                  </a:schemeClr>
-                </a:outerShdw>
-              </a:effectLst>
-            </a:endParaRPr>
-          </a:p>
-          <a:p>
-            <a:pPr>
-              <a:lnSpc>
-                <a:spcPct val="150000"/>
-              </a:lnSpc>
-            </a:pPr>
-            <a:r>
-              <a:rPr lang="zh-CN" altLang="en-US" sz="2000" dirty="0">
-                <a:effectLst>
-                  <a:outerShdw blurRad="38100" dist="19050" dir="2700000" algn="tl" rotWithShape="0">
-                    <a:schemeClr val="dk1">
-                      <a:alpha val="40000"/>
-                    </a:schemeClr>
-                  </a:outerShdw>
-                </a:effectLst>
-              </a:rPr>
-              <a:t>有可能让你输入用户名密码，无所谓输就行了</a:t>
-            </a:r>
-            <a:endParaRPr lang="en-US" altLang="zh-CN" sz="2000" dirty="0">
-              <a:effectLst>
-                <a:outerShdw blurRad="38100" dist="19050" dir="2700000" algn="tl" rotWithShape="0">
-                  <a:schemeClr val="dk1">
-                    <a:alpha val="40000"/>
-                  </a:schemeClr>
-                </a:outerShdw>
-              </a:effectLst>
-            </a:endParaRPr>
-          </a:p>
-          <a:p>
-            <a:pPr>
-              <a:lnSpc>
-                <a:spcPct val="150000"/>
-              </a:lnSpc>
-            </a:pPr>
-            <a:endParaRPr lang="en-US" altLang="zh-CN" sz="2000" dirty="0">
-              <a:effectLst>
-                <a:outerShdw blurRad="38100" dist="19050" dir="2700000" algn="tl" rotWithShape="0">
-                  <a:schemeClr val="dk1">
-                    <a:alpha val="40000"/>
-                  </a:schemeClr>
-                </a:outerShdw>
-              </a:effectLst>
-            </a:endParaRPr>
-          </a:p>
-          <a:p>
-            <a:pPr>
-              <a:lnSpc>
-                <a:spcPct val="150000"/>
-              </a:lnSpc>
-            </a:pPr>
-            <a:endParaRPr lang="en-US" altLang="zh-CN" sz="2000" dirty="0">
-              <a:effectLst>
-                <a:outerShdw blurRad="38100" dist="19050" dir="2700000" algn="tl" rotWithShape="0">
-                  <a:schemeClr val="dk1">
-                    <a:alpha val="40000"/>
-                  </a:schemeClr>
-                </a:outerShdw>
-              </a:effectLst>
-            </a:endParaRPr>
-          </a:p>
-          <a:p>
-            <a:pPr>
-              <a:lnSpc>
-                <a:spcPct val="150000"/>
-              </a:lnSpc>
-            </a:pPr>
-            <a:endParaRPr lang="en-US" altLang="zh-CN" sz="2000" dirty="0">
-              <a:effectLst>
-                <a:outerShdw blurRad="38100" dist="19050" dir="2700000" algn="tl" rotWithShape="0">
-                  <a:schemeClr val="dk1">
-                    <a:alpha val="40000"/>
-                  </a:schemeClr>
-                </a:outerShdw>
-              </a:effectLst>
-            </a:endParaRPr>
-          </a:p>
-          <a:p>
-            <a:pPr>
-              <a:lnSpc>
-                <a:spcPct val="150000"/>
-              </a:lnSpc>
-            </a:pPr>
-            <a:endParaRPr lang="en-US" altLang="zh-CN" sz="2000" dirty="0">
-              <a:effectLst>
-                <a:outerShdw blurRad="38100" dist="19050" dir="2700000" algn="tl" rotWithShape="0">
-                  <a:schemeClr val="dk1">
-                    <a:alpha val="40000"/>
-                  </a:schemeClr>
-                </a:outerShdw>
-              </a:effectLst>
-            </a:endParaRPr>
-          </a:p>
-          <a:p>
-            <a:pPr>
-              <a:lnSpc>
-                <a:spcPct val="150000"/>
-              </a:lnSpc>
-            </a:pPr>
-            <a:r>
-              <a:rPr lang="zh-CN" altLang="en-US" sz="2000" dirty="0">
-                <a:effectLst>
-                  <a:outerShdw blurRad="38100" dist="19050" dir="2700000" algn="tl" rotWithShape="0">
-                    <a:schemeClr val="dk1">
-                      <a:alpha val="40000"/>
-                    </a:schemeClr>
-                  </a:outerShdw>
-                </a:effectLst>
-              </a:rPr>
-              <a:t>查看远程</a:t>
-            </a:r>
-            <a:endParaRPr lang="en-US" altLang="zh-CN" sz="2000" dirty="0">
-              <a:effectLst>
-                <a:outerShdw blurRad="38100" dist="19050" dir="2700000" algn="tl" rotWithShape="0">
-                  <a:schemeClr val="dk1">
-                    <a:alpha val="40000"/>
-                  </a:schemeClr>
-                </a:outerShdw>
-              </a:effectLst>
-            </a:endParaRPr>
-          </a:p>
-          <a:p>
-            <a:pPr>
-              <a:lnSpc>
-                <a:spcPct val="150000"/>
-              </a:lnSpc>
-            </a:pPr>
-            <a:r>
-              <a:rPr lang="zh-CN" altLang="en-US" sz="2000" dirty="0">
-                <a:effectLst>
-                  <a:outerShdw blurRad="38100" dist="19050" dir="2700000" algn="tl" rotWithShape="0">
-                    <a:schemeClr val="dk1">
-                      <a:alpha val="40000"/>
-                    </a:schemeClr>
-                  </a:outerShdw>
-                </a:effectLst>
-              </a:rPr>
-              <a:t>发现</a:t>
-            </a:r>
-            <a:r>
-              <a:rPr lang="en-US" altLang="zh-CN" sz="2000" dirty="0">
-                <a:effectLst>
-                  <a:outerShdw blurRad="38100" dist="19050" dir="2700000" algn="tl" rotWithShape="0">
-                    <a:schemeClr val="dk1">
-                      <a:alpha val="40000"/>
-                    </a:schemeClr>
-                  </a:outerShdw>
-                </a:effectLst>
-              </a:rPr>
-              <a:t>dev</a:t>
-            </a:r>
-            <a:r>
-              <a:rPr lang="zh-CN" altLang="en-US" sz="2000" dirty="0">
-                <a:effectLst>
-                  <a:outerShdw blurRad="38100" dist="19050" dir="2700000" algn="tl" rotWithShape="0">
-                    <a:schemeClr val="dk1">
-                      <a:alpha val="40000"/>
-                    </a:schemeClr>
-                  </a:outerShdw>
-                </a:effectLst>
-              </a:rPr>
-              <a:t>的分支下已经有了文件</a:t>
-            </a:r>
-            <a:endParaRPr lang="en-US" altLang="zh-CN" sz="2000" dirty="0">
-              <a:effectLst>
-                <a:outerShdw blurRad="38100" dist="19050" dir="2700000" algn="tl" rotWithShape="0">
-                  <a:schemeClr val="dk1">
-                    <a:alpha val="40000"/>
-                  </a:schemeClr>
-                </a:outerShdw>
-              </a:effectLst>
-            </a:endParaRPr>
-          </a:p>
-          <a:p>
-            <a:pPr>
-              <a:lnSpc>
-                <a:spcPct val="150000"/>
-              </a:lnSpc>
-            </a:pPr>
-            <a:r>
-              <a:rPr lang="zh-CN" altLang="en-US" sz="2000" dirty="0">
-                <a:effectLst>
-                  <a:outerShdw blurRad="38100" dist="19050" dir="2700000" algn="tl" rotWithShape="0">
-                    <a:schemeClr val="dk1">
-                      <a:alpha val="40000"/>
-                    </a:schemeClr>
-                  </a:outerShdw>
-                </a:effectLst>
-              </a:rPr>
-              <a:t>但是如果切换主分支是没有的，所以不用担心自己魔改影响主项目。</a:t>
-            </a:r>
-            <a:endParaRPr lang="en-US" altLang="zh-CN" sz="2000" dirty="0">
-              <a:effectLst>
-                <a:outerShdw blurRad="38100" dist="19050" dir="2700000" algn="tl" rotWithShape="0">
-                  <a:schemeClr val="dk1">
-                    <a:alpha val="40000"/>
-                  </a:schemeClr>
-                </a:outerShdw>
-              </a:effectLst>
-            </a:endParaRPr>
-          </a:p>
-        </p:txBody>
-      </p:sp>
-      <p:pic>
-        <p:nvPicPr>
-          <p:cNvPr id="14" name="图片 13">
-            <a:extLst>
-              <a:ext uri="{FF2B5EF4-FFF2-40B4-BE49-F238E27FC236}">
-                <a16:creationId xmlns:a16="http://schemas.microsoft.com/office/drawing/2014/main" id="{C4691838-1C0D-4F3F-8B19-CA906A404729}"/>
-              </a:ext>
-            </a:extLst>
-          </p:cNvPr>
-          <p:cNvPicPr>
-            <a:picLocks noChangeAspect="1"/>
-          </p:cNvPicPr>
-          <p:nvPr/>
-        </p:nvPicPr>
-        <p:blipFill>
-          <a:blip r:embed="rId3"/>
-          <a:stretch>
-            <a:fillRect/>
-          </a:stretch>
-        </p:blipFill>
-        <p:spPr>
-          <a:xfrm>
-            <a:off x="6768245" y="611146"/>
-            <a:ext cx="5106113" cy="2457793"/>
-          </a:xfrm>
-          <a:prstGeom prst="rect">
-            <a:avLst/>
-          </a:prstGeom>
-        </p:spPr>
-      </p:pic>
-      <p:pic>
-        <p:nvPicPr>
-          <p:cNvPr id="16" name="图片 15">
-            <a:extLst>
-              <a:ext uri="{FF2B5EF4-FFF2-40B4-BE49-F238E27FC236}">
-                <a16:creationId xmlns:a16="http://schemas.microsoft.com/office/drawing/2014/main" id="{9B2D5ABF-77F8-4027-AB1C-D0421ACD4438}"/>
-              </a:ext>
-            </a:extLst>
-          </p:cNvPr>
-          <p:cNvPicPr>
-            <a:picLocks noChangeAspect="1"/>
-          </p:cNvPicPr>
-          <p:nvPr/>
-        </p:nvPicPr>
-        <p:blipFill>
-          <a:blip r:embed="rId4">
-            <a:extLst>
-              <a:ext uri="{28A0092B-C50C-407E-A947-70E740481C1C}">
-                <a14:useLocalDpi xmlns:a14="http://schemas.microsoft.com/office/drawing/2010/main" val="0"/>
-              </a:ext>
-            </a:extLst>
-          </a:blip>
-          <a:stretch>
-            <a:fillRect/>
-          </a:stretch>
-        </p:blipFill>
-        <p:spPr>
-          <a:xfrm>
-            <a:off x="5953412" y="3562765"/>
-            <a:ext cx="6467590" cy="3009323"/>
+            <a:off x="6768245" y="4725666"/>
+            <a:ext cx="5382376" cy="685896"/>
           </a:xfrm>
           <a:prstGeom prst="rect">
             <a:avLst/>
@@ -5756,556 +4575,7 @@
 </p:sld>
 </file>
 
-<file path=ppt/slides/slide14.xml><?xml version="1.0" encoding="utf-8"?>
-<p:sld xmlns:a="http://schemas.openxmlformats.org/drawingml/2006/main" xmlns:r="http://schemas.openxmlformats.org/officeDocument/2006/relationships" xmlns:p="http://schemas.openxmlformats.org/presentationml/2006/main">
-  <p:cSld>
-    <p:spTree>
-      <p:nvGrpSpPr>
-        <p:cNvPr id="1" name=""/>
-        <p:cNvGrpSpPr/>
-        <p:nvPr/>
-      </p:nvGrpSpPr>
-      <p:grpSpPr>
-        <a:xfrm>
-          <a:off x="0" y="0"/>
-          <a:ext cx="0" cy="0"/>
-          <a:chOff x="0" y="0"/>
-          <a:chExt cx="0" cy="0"/>
-        </a:xfrm>
-      </p:grpSpPr>
-      <p:sp>
-        <p:nvSpPr>
-          <p:cNvPr id="6" name="文本框 5">
-            <a:extLst>
-              <a:ext uri="{FF2B5EF4-FFF2-40B4-BE49-F238E27FC236}">
-                <a16:creationId xmlns:a16="http://schemas.microsoft.com/office/drawing/2014/main" id="{53FBE750-1A65-4244-992A-C97EA7243136}"/>
-              </a:ext>
-            </a:extLst>
-          </p:cNvPr>
-          <p:cNvSpPr txBox="1"/>
-          <p:nvPr/>
-        </p:nvSpPr>
-        <p:spPr>
-          <a:xfrm>
-            <a:off x="270444" y="294725"/>
-            <a:ext cx="6170550" cy="4651979"/>
-          </a:xfrm>
-          <a:prstGeom prst="rect">
-            <a:avLst/>
-          </a:prstGeom>
-          <a:noFill/>
-        </p:spPr>
-        <p:txBody>
-          <a:bodyPr wrap="square" rtlCol="0">
-            <a:spAutoFit/>
-          </a:bodyPr>
-          <a:lstStyle/>
-          <a:p>
-            <a:pPr>
-              <a:lnSpc>
-                <a:spcPct val="150000"/>
-              </a:lnSpc>
-            </a:pPr>
-            <a:r>
-              <a:rPr lang="zh-CN" altLang="en-US" sz="2000" dirty="0">
-                <a:effectLst>
-                  <a:outerShdw blurRad="38100" dist="19050" dir="2700000" algn="tl" rotWithShape="0">
-                    <a:schemeClr val="dk1">
-                      <a:alpha val="40000"/>
-                    </a:schemeClr>
-                  </a:outerShdw>
-                </a:effectLst>
-              </a:rPr>
-              <a:t>所以开发流程是什么呢？</a:t>
-            </a:r>
-            <a:endParaRPr lang="en-US" altLang="zh-CN" sz="2000" dirty="0">
-              <a:effectLst>
-                <a:outerShdw blurRad="38100" dist="19050" dir="2700000" algn="tl" rotWithShape="0">
-                  <a:schemeClr val="dk1">
-                    <a:alpha val="40000"/>
-                  </a:schemeClr>
-                </a:outerShdw>
-              </a:effectLst>
-            </a:endParaRPr>
-          </a:p>
-          <a:p>
-            <a:pPr>
-              <a:lnSpc>
-                <a:spcPct val="150000"/>
-              </a:lnSpc>
-            </a:pPr>
-            <a:r>
-              <a:rPr lang="zh-CN" altLang="en-US" sz="2000" dirty="0">
-                <a:solidFill>
-                  <a:schemeClr val="tx1"/>
-                </a:solidFill>
-                <a:effectLst>
-                  <a:outerShdw blurRad="38100" dist="19050" dir="2700000" algn="tl" rotWithShape="0">
-                    <a:schemeClr val="dk1">
-                      <a:alpha val="40000"/>
-                    </a:schemeClr>
-                  </a:outerShdw>
-                </a:effectLst>
-              </a:rPr>
-              <a:t>首先打开本地自己的文件夹</a:t>
-            </a:r>
-            <a:r>
-              <a:rPr lang="zh-CN" altLang="en-US" sz="2000" dirty="0">
-                <a:effectLst>
-                  <a:outerShdw blurRad="38100" dist="19050" dir="2700000" algn="tl" rotWithShape="0">
-                    <a:schemeClr val="dk1">
-                      <a:alpha val="40000"/>
-                    </a:schemeClr>
-                  </a:outerShdw>
-                </a:effectLst>
-              </a:rPr>
-              <a:t>，切换到主分支以及开发分支</a:t>
-            </a:r>
-            <a:endParaRPr lang="en-US" altLang="zh-CN" sz="2000" dirty="0">
-              <a:solidFill>
-                <a:schemeClr val="tx1"/>
-              </a:solidFill>
-              <a:effectLst>
-                <a:outerShdw blurRad="38100" dist="19050" dir="2700000" algn="tl" rotWithShape="0">
-                  <a:schemeClr val="dk1">
-                    <a:alpha val="40000"/>
-                  </a:schemeClr>
-                </a:outerShdw>
-              </a:effectLst>
-            </a:endParaRPr>
-          </a:p>
-          <a:p>
-            <a:pPr>
-              <a:lnSpc>
-                <a:spcPct val="150000"/>
-              </a:lnSpc>
-            </a:pPr>
-            <a:r>
-              <a:rPr lang="zh-CN" altLang="en-US" sz="2000" dirty="0">
-                <a:effectLst>
-                  <a:outerShdw blurRad="38100" dist="19050" dir="2700000" algn="tl" rotWithShape="0">
-                    <a:schemeClr val="dk1">
-                      <a:alpha val="40000"/>
-                    </a:schemeClr>
-                  </a:outerShdw>
-                </a:effectLst>
-              </a:rPr>
-              <a:t>然后从远程将主分支</a:t>
-            </a:r>
-            <a:r>
-              <a:rPr lang="en-US" altLang="zh-CN" sz="2000" dirty="0">
-                <a:effectLst>
-                  <a:outerShdw blurRad="38100" dist="19050" dir="2700000" algn="tl" rotWithShape="0">
-                    <a:schemeClr val="dk1">
-                      <a:alpha val="40000"/>
-                    </a:schemeClr>
-                  </a:outerShdw>
-                </a:effectLst>
-              </a:rPr>
-              <a:t>/</a:t>
-            </a:r>
-            <a:r>
-              <a:rPr lang="zh-CN" altLang="en-US" sz="2000" dirty="0">
-                <a:effectLst>
-                  <a:outerShdw blurRad="38100" dist="19050" dir="2700000" algn="tl" rotWithShape="0">
-                    <a:schemeClr val="dk1">
-                      <a:alpha val="40000"/>
-                    </a:schemeClr>
-                  </a:outerShdw>
-                </a:effectLst>
-              </a:rPr>
-              <a:t>开发分支同步过来</a:t>
-            </a:r>
-            <a:endParaRPr lang="en-US" altLang="zh-CN" sz="2000" dirty="0">
-              <a:effectLst>
-                <a:outerShdw blurRad="38100" dist="19050" dir="2700000" algn="tl" rotWithShape="0">
-                  <a:schemeClr val="dk1">
-                    <a:alpha val="40000"/>
-                  </a:schemeClr>
-                </a:outerShdw>
-              </a:effectLst>
-            </a:endParaRPr>
-          </a:p>
-          <a:p>
-            <a:pPr>
-              <a:lnSpc>
-                <a:spcPct val="150000"/>
-              </a:lnSpc>
-            </a:pPr>
-            <a:r>
-              <a:rPr lang="en-US" altLang="zh-CN" sz="2000" dirty="0">
-                <a:solidFill>
-                  <a:schemeClr val="tx1"/>
-                </a:solidFill>
-                <a:effectLst>
-                  <a:outerShdw blurRad="38100" dist="19050" dir="2700000" algn="tl" rotWithShape="0">
-                    <a:schemeClr val="dk1">
-                      <a:alpha val="40000"/>
-                    </a:schemeClr>
-                  </a:outerShdw>
-                </a:effectLst>
-              </a:rPr>
-              <a:t>git pull</a:t>
-            </a:r>
-          </a:p>
-          <a:p>
-            <a:pPr>
-              <a:lnSpc>
-                <a:spcPct val="150000"/>
-              </a:lnSpc>
-            </a:pPr>
-            <a:r>
-              <a:rPr lang="zh-CN" altLang="en-US" sz="2000" dirty="0">
-                <a:solidFill>
-                  <a:schemeClr val="tx1"/>
-                </a:solidFill>
-                <a:effectLst>
-                  <a:outerShdw blurRad="38100" dist="19050" dir="2700000" algn="tl" rotWithShape="0">
-                    <a:schemeClr val="dk1">
-                      <a:alpha val="40000"/>
-                    </a:schemeClr>
-                  </a:outerShdw>
-                </a:effectLst>
-              </a:rPr>
-              <a:t>然后创建自己的分支</a:t>
-            </a:r>
-            <a:endParaRPr lang="en-US" altLang="zh-CN" sz="2000" dirty="0">
-              <a:solidFill>
-                <a:schemeClr val="tx1"/>
-              </a:solidFill>
-              <a:effectLst>
-                <a:outerShdw blurRad="38100" dist="19050" dir="2700000" algn="tl" rotWithShape="0">
-                  <a:schemeClr val="dk1">
-                    <a:alpha val="40000"/>
-                  </a:schemeClr>
-                </a:outerShdw>
-              </a:effectLst>
-            </a:endParaRPr>
-          </a:p>
-          <a:p>
-            <a:pPr>
-              <a:lnSpc>
-                <a:spcPct val="150000"/>
-              </a:lnSpc>
-            </a:pPr>
-            <a:r>
-              <a:rPr lang="en-US" altLang="zh-CN" sz="2000" dirty="0">
-                <a:effectLst>
-                  <a:outerShdw blurRad="38100" dist="19050" dir="2700000" algn="tl" rotWithShape="0">
-                    <a:schemeClr val="dk1">
-                      <a:alpha val="40000"/>
-                    </a:schemeClr>
-                  </a:outerShdw>
-                </a:effectLst>
-              </a:rPr>
-              <a:t>git switch -c </a:t>
-            </a:r>
-            <a:r>
-              <a:rPr lang="en-US" altLang="zh-CN" sz="2000" dirty="0" err="1">
-                <a:effectLst>
-                  <a:outerShdw blurRad="38100" dist="19050" dir="2700000" algn="tl" rotWithShape="0">
-                    <a:schemeClr val="dk1">
-                      <a:alpha val="40000"/>
-                    </a:schemeClr>
-                  </a:outerShdw>
-                </a:effectLst>
-              </a:rPr>
-              <a:t>ShouHou</a:t>
-            </a:r>
-            <a:r>
-              <a:rPr lang="en-US" altLang="zh-CN" sz="2000" dirty="0">
-                <a:effectLst>
-                  <a:outerShdw blurRad="38100" dist="19050" dir="2700000" algn="tl" rotWithShape="0">
-                    <a:schemeClr val="dk1">
-                      <a:alpha val="40000"/>
-                    </a:schemeClr>
-                  </a:outerShdw>
-                </a:effectLst>
-              </a:rPr>
-              <a:t>  </a:t>
-            </a:r>
-            <a:r>
-              <a:rPr lang="zh-CN" altLang="en-US" sz="2000" dirty="0">
-                <a:effectLst>
-                  <a:outerShdw blurRad="38100" dist="19050" dir="2700000" algn="tl" rotWithShape="0">
-                    <a:schemeClr val="dk1">
-                      <a:alpha val="40000"/>
-                    </a:schemeClr>
-                  </a:outerShdw>
-                </a:effectLst>
-              </a:rPr>
-              <a:t>（切换分支）</a:t>
-            </a:r>
-            <a:endParaRPr lang="en-US" altLang="zh-CN" sz="2000" dirty="0">
-              <a:effectLst>
-                <a:outerShdw blurRad="38100" dist="19050" dir="2700000" algn="tl" rotWithShape="0">
-                  <a:schemeClr val="dk1">
-                    <a:alpha val="40000"/>
-                  </a:schemeClr>
-                </a:outerShdw>
-              </a:effectLst>
-            </a:endParaRPr>
-          </a:p>
-          <a:p>
-            <a:pPr>
-              <a:lnSpc>
-                <a:spcPct val="150000"/>
-              </a:lnSpc>
-            </a:pPr>
-            <a:r>
-              <a:rPr lang="zh-CN" altLang="en-US" sz="2000" dirty="0">
-                <a:effectLst>
-                  <a:outerShdw blurRad="38100" dist="19050" dir="2700000" algn="tl" rotWithShape="0">
-                    <a:schemeClr val="dk1">
-                      <a:alpha val="40000"/>
-                    </a:schemeClr>
-                  </a:outerShdw>
-                </a:effectLst>
-              </a:rPr>
-              <a:t>修改、</a:t>
-            </a:r>
-            <a:r>
-              <a:rPr lang="en-US" altLang="zh-CN" sz="2000" dirty="0">
-                <a:effectLst>
-                  <a:outerShdw blurRad="38100" dist="19050" dir="2700000" algn="tl" rotWithShape="0">
-                    <a:schemeClr val="dk1">
-                      <a:alpha val="40000"/>
-                    </a:schemeClr>
-                  </a:outerShdw>
-                </a:effectLst>
-              </a:rPr>
-              <a:t>add</a:t>
-            </a:r>
-            <a:r>
-              <a:rPr lang="zh-CN" altLang="en-US" sz="2000" dirty="0">
-                <a:effectLst>
-                  <a:outerShdw blurRad="38100" dist="19050" dir="2700000" algn="tl" rotWithShape="0">
-                    <a:schemeClr val="dk1">
-                      <a:alpha val="40000"/>
-                    </a:schemeClr>
-                  </a:outerShdw>
-                </a:effectLst>
-              </a:rPr>
-              <a:t>、</a:t>
-            </a:r>
-            <a:r>
-              <a:rPr lang="en-US" altLang="zh-CN" sz="2000" dirty="0">
-                <a:effectLst>
-                  <a:outerShdw blurRad="38100" dist="19050" dir="2700000" algn="tl" rotWithShape="0">
-                    <a:schemeClr val="dk1">
-                      <a:alpha val="40000"/>
-                    </a:schemeClr>
-                  </a:outerShdw>
-                </a:effectLst>
-              </a:rPr>
-              <a:t>commit...</a:t>
-            </a:r>
-          </a:p>
-          <a:p>
-            <a:pPr>
-              <a:lnSpc>
-                <a:spcPct val="150000"/>
-              </a:lnSpc>
-            </a:pPr>
-            <a:r>
-              <a:rPr lang="zh-CN" altLang="en-US" sz="2000" dirty="0">
-                <a:effectLst>
-                  <a:outerShdw blurRad="38100" dist="19050" dir="2700000" algn="tl" rotWithShape="0">
-                    <a:schemeClr val="dk1">
-                      <a:alpha val="40000"/>
-                    </a:schemeClr>
-                  </a:outerShdw>
-                </a:effectLst>
-              </a:rPr>
-              <a:t>然后</a:t>
-            </a:r>
-            <a:r>
-              <a:rPr lang="en-US" altLang="zh-CN" sz="2000" dirty="0">
-                <a:effectLst>
-                  <a:outerShdw blurRad="38100" dist="19050" dir="2700000" algn="tl" rotWithShape="0">
-                    <a:schemeClr val="dk1">
-                      <a:alpha val="40000"/>
-                    </a:schemeClr>
-                  </a:outerShdw>
-                </a:effectLst>
-              </a:rPr>
-              <a:t>merge</a:t>
-            </a:r>
-            <a:r>
-              <a:rPr lang="zh-CN" altLang="en-US" sz="2000" dirty="0">
-                <a:effectLst>
-                  <a:outerShdw blurRad="38100" dist="19050" dir="2700000" algn="tl" rotWithShape="0">
-                    <a:schemeClr val="dk1">
-                      <a:alpha val="40000"/>
-                    </a:schemeClr>
-                  </a:outerShdw>
-                </a:effectLst>
-              </a:rPr>
-              <a:t>到本地的</a:t>
-            </a:r>
-            <a:r>
-              <a:rPr lang="en-US" altLang="zh-CN" sz="2000" dirty="0">
-                <a:effectLst>
-                  <a:outerShdw blurRad="38100" dist="19050" dir="2700000" algn="tl" rotWithShape="0">
-                    <a:schemeClr val="dk1">
-                      <a:alpha val="40000"/>
-                    </a:schemeClr>
-                  </a:outerShdw>
-                </a:effectLst>
-              </a:rPr>
-              <a:t>dev</a:t>
-            </a:r>
-            <a:r>
-              <a:rPr lang="zh-CN" altLang="en-US" sz="2000" dirty="0">
-                <a:effectLst>
-                  <a:outerShdw blurRad="38100" dist="19050" dir="2700000" algn="tl" rotWithShape="0">
-                    <a:schemeClr val="dk1">
-                      <a:alpha val="40000"/>
-                    </a:schemeClr>
-                  </a:outerShdw>
-                </a:effectLst>
-              </a:rPr>
-              <a:t>分支或者</a:t>
-            </a:r>
-            <a:r>
-              <a:rPr lang="en-US" altLang="zh-CN" sz="2000" dirty="0">
-                <a:effectLst>
-                  <a:outerShdw blurRad="38100" dist="19050" dir="2700000" algn="tl" rotWithShape="0">
-                    <a:schemeClr val="dk1">
-                      <a:alpha val="40000"/>
-                    </a:schemeClr>
-                  </a:outerShdw>
-                </a:effectLst>
-              </a:rPr>
-              <a:t>master</a:t>
-            </a:r>
-            <a:r>
-              <a:rPr lang="zh-CN" altLang="en-US" sz="2000" dirty="0">
-                <a:effectLst>
-                  <a:outerShdw blurRad="38100" dist="19050" dir="2700000" algn="tl" rotWithShape="0">
-                    <a:schemeClr val="dk1">
-                      <a:alpha val="40000"/>
-                    </a:schemeClr>
-                  </a:outerShdw>
-                </a:effectLst>
-              </a:rPr>
-              <a:t>分支</a:t>
-            </a:r>
-            <a:endParaRPr lang="en-US" altLang="zh-CN" sz="2000" dirty="0">
-              <a:effectLst>
-                <a:outerShdw blurRad="38100" dist="19050" dir="2700000" algn="tl" rotWithShape="0">
-                  <a:schemeClr val="dk1">
-                    <a:alpha val="40000"/>
-                  </a:schemeClr>
-                </a:outerShdw>
-              </a:effectLst>
-            </a:endParaRPr>
-          </a:p>
-          <a:p>
-            <a:pPr>
-              <a:lnSpc>
-                <a:spcPct val="150000"/>
-              </a:lnSpc>
-            </a:pPr>
-            <a:r>
-              <a:rPr lang="zh-CN" altLang="en-US" sz="2000" dirty="0">
-                <a:effectLst>
-                  <a:outerShdw blurRad="38100" dist="19050" dir="2700000" algn="tl" rotWithShape="0">
-                    <a:schemeClr val="dk1">
-                      <a:alpha val="40000"/>
-                    </a:schemeClr>
-                  </a:outerShdw>
-                </a:effectLst>
-              </a:rPr>
-              <a:t>然后</a:t>
-            </a:r>
-            <a:r>
-              <a:rPr lang="en-US" altLang="zh-CN" sz="2000" dirty="0">
-                <a:effectLst>
-                  <a:outerShdw blurRad="38100" dist="19050" dir="2700000" algn="tl" rotWithShape="0">
-                    <a:schemeClr val="dk1">
-                      <a:alpha val="40000"/>
-                    </a:schemeClr>
-                  </a:outerShdw>
-                </a:effectLst>
-              </a:rPr>
-              <a:t>push</a:t>
-            </a:r>
-            <a:r>
-              <a:rPr lang="zh-CN" altLang="en-US" sz="2000" dirty="0">
-                <a:effectLst>
-                  <a:outerShdw blurRad="38100" dist="19050" dir="2700000" algn="tl" rotWithShape="0">
-                    <a:schemeClr val="dk1">
-                      <a:alpha val="40000"/>
-                    </a:schemeClr>
-                  </a:outerShdw>
-                </a:effectLst>
-              </a:rPr>
-              <a:t>回云端</a:t>
-            </a:r>
-            <a:endParaRPr lang="en-US" altLang="zh-CN" sz="2000" dirty="0">
-              <a:effectLst>
-                <a:outerShdw blurRad="38100" dist="19050" dir="2700000" algn="tl" rotWithShape="0">
-                  <a:schemeClr val="dk1">
-                    <a:alpha val="40000"/>
-                  </a:schemeClr>
-                </a:outerShdw>
-              </a:effectLst>
-            </a:endParaRPr>
-          </a:p>
-        </p:txBody>
-      </p:sp>
-      <p:pic>
-        <p:nvPicPr>
-          <p:cNvPr id="2" name="图片 1">
-            <a:extLst>
-              <a:ext uri="{FF2B5EF4-FFF2-40B4-BE49-F238E27FC236}">
-                <a16:creationId xmlns:a16="http://schemas.microsoft.com/office/drawing/2014/main" id="{158E1C66-7F4A-4EE2-8459-4978E9688D99}"/>
-              </a:ext>
-            </a:extLst>
-          </p:cNvPr>
-          <p:cNvPicPr>
-            <a:picLocks noChangeAspect="1"/>
-          </p:cNvPicPr>
-          <p:nvPr/>
-        </p:nvPicPr>
-        <p:blipFill rotWithShape="1">
-          <a:blip r:embed="rId3"/>
-          <a:srcRect t="164" r="45875"/>
-          <a:stretch/>
-        </p:blipFill>
-        <p:spPr>
-          <a:xfrm>
-            <a:off x="7156389" y="1164155"/>
-            <a:ext cx="4350950" cy="3134275"/>
-          </a:xfrm>
-          <a:prstGeom prst="rect">
-            <a:avLst/>
-          </a:prstGeom>
-        </p:spPr>
-      </p:pic>
-    </p:spTree>
-    <p:extLst>
-      <p:ext uri="{BB962C8B-B14F-4D97-AF65-F5344CB8AC3E}">
-        <p14:creationId xmlns:p14="http://schemas.microsoft.com/office/powerpoint/2010/main" val="2001864836"/>
-      </p:ext>
-    </p:extLst>
-  </p:cSld>
-  <p:clrMapOvr>
-    <a:masterClrMapping/>
-  </p:clrMapOvr>
-  <mc:AlternateContent xmlns:mc="http://schemas.openxmlformats.org/markup-compatibility/2006" xmlns:p14="http://schemas.microsoft.com/office/powerpoint/2010/main">
-    <mc:Choice Requires="p14">
-      <p:transition spd="slow" p14:dur="3500"/>
-    </mc:Choice>
-    <mc:Fallback xmlns="">
-      <p:transition spd="slow"/>
-    </mc:Fallback>
-  </mc:AlternateContent>
-</p:sld>
-</file>
-
-<file path=ppt/slides/slide15.xml><?xml version="1.0" encoding="utf-8"?>
+<file path=ppt/slides/slide13.xml><?xml version="1.0" encoding="utf-8"?>
 <p:sld xmlns:a="http://schemas.openxmlformats.org/drawingml/2006/main" xmlns:r="http://schemas.openxmlformats.org/officeDocument/2006/relationships" xmlns:p="http://schemas.openxmlformats.org/presentationml/2006/main">
   <p:cSld>
     <p:spTree>
@@ -6461,7 +4731,7 @@
 </p:sld>
 </file>
 
-<file path=ppt/slides/slide16.xml><?xml version="1.0" encoding="utf-8"?>
+<file path=ppt/slides/slide14.xml><?xml version="1.0" encoding="utf-8"?>
 <p:sld xmlns:a="http://schemas.openxmlformats.org/drawingml/2006/main" xmlns:r="http://schemas.openxmlformats.org/officeDocument/2006/relationships" xmlns:p="http://schemas.openxmlformats.org/presentationml/2006/main">
   <p:cSld>
     <p:spTree>
@@ -8025,36 +6295,6 @@
           </a:p>
         </p:txBody>
       </p:sp>
-      <p:pic>
-        <p:nvPicPr>
-          <p:cNvPr id="2" name="图片 1">
-            <a:extLst>
-              <a:ext uri="{FF2B5EF4-FFF2-40B4-BE49-F238E27FC236}">
-                <a16:creationId xmlns:a16="http://schemas.microsoft.com/office/drawing/2014/main" id="{AE702223-966C-46F5-A910-C06D615E1F51}"/>
-              </a:ext>
-            </a:extLst>
-          </p:cNvPr>
-          <p:cNvPicPr>
-            <a:picLocks noChangeAspect="1"/>
-          </p:cNvPicPr>
-          <p:nvPr/>
-        </p:nvPicPr>
-        <p:blipFill>
-          <a:blip r:embed="rId3"/>
-          <a:stretch>
-            <a:fillRect/>
-          </a:stretch>
-        </p:blipFill>
-        <p:spPr>
-          <a:xfrm>
-            <a:off x="5412454" y="240650"/>
-            <a:ext cx="5525869" cy="1321403"/>
-          </a:xfrm>
-          <a:prstGeom prst="rect">
-            <a:avLst/>
-          </a:prstGeom>
-        </p:spPr>
-      </p:pic>
       <p:sp>
         <p:nvSpPr>
           <p:cNvPr id="12" name="文本框 11">
@@ -8238,7 +6478,7 @@
           <p:nvPr/>
         </p:nvPicPr>
         <p:blipFill>
-          <a:blip r:embed="rId4"/>
+          <a:blip r:embed="rId3"/>
           <a:stretch>
             <a:fillRect/>
           </a:stretch>
@@ -8299,6 +6539,66 @@
           </a:p>
         </p:txBody>
       </p:sp>
+      <p:pic>
+        <p:nvPicPr>
+          <p:cNvPr id="5" name="图片 4">
+            <a:extLst>
+              <a:ext uri="{FF2B5EF4-FFF2-40B4-BE49-F238E27FC236}">
+                <a16:creationId xmlns:a16="http://schemas.microsoft.com/office/drawing/2014/main" id="{3DE63E44-D797-4897-AE71-AA1C04D1BDF2}"/>
+              </a:ext>
+            </a:extLst>
+          </p:cNvPr>
+          <p:cNvPicPr>
+            <a:picLocks noChangeAspect="1"/>
+          </p:cNvPicPr>
+          <p:nvPr/>
+        </p:nvPicPr>
+        <p:blipFill>
+          <a:blip r:embed="rId4"/>
+          <a:stretch>
+            <a:fillRect/>
+          </a:stretch>
+        </p:blipFill>
+        <p:spPr>
+          <a:xfrm>
+            <a:off x="6366012" y="0"/>
+            <a:ext cx="1816292" cy="2097889"/>
+          </a:xfrm>
+          <a:prstGeom prst="rect">
+            <a:avLst/>
+          </a:prstGeom>
+        </p:spPr>
+      </p:pic>
+      <p:pic>
+        <p:nvPicPr>
+          <p:cNvPr id="8" name="图片 7">
+            <a:extLst>
+              <a:ext uri="{FF2B5EF4-FFF2-40B4-BE49-F238E27FC236}">
+                <a16:creationId xmlns:a16="http://schemas.microsoft.com/office/drawing/2014/main" id="{7233AD10-B8BF-47EC-9241-359D9C3351F1}"/>
+              </a:ext>
+            </a:extLst>
+          </p:cNvPr>
+          <p:cNvPicPr>
+            <a:picLocks noChangeAspect="1"/>
+          </p:cNvPicPr>
+          <p:nvPr/>
+        </p:nvPicPr>
+        <p:blipFill>
+          <a:blip r:embed="rId5"/>
+          <a:stretch>
+            <a:fillRect/>
+          </a:stretch>
+        </p:blipFill>
+        <p:spPr>
+          <a:xfrm>
+            <a:off x="8357449" y="0"/>
+            <a:ext cx="1816291" cy="2101493"/>
+          </a:xfrm>
+          <a:prstGeom prst="rect">
+            <a:avLst/>
+          </a:prstGeom>
+        </p:spPr>
+      </p:pic>
     </p:spTree>
     <p:extLst>
       <p:ext uri="{BB962C8B-B14F-4D97-AF65-F5344CB8AC3E}">
@@ -8339,10 +6639,68 @@
       </p:grpSpPr>
       <p:sp>
         <p:nvSpPr>
-          <p:cNvPr id="6" name="文本框 5">
+          <p:cNvPr id="2" name="标题 1">
             <a:extLst>
               <a:ext uri="{FF2B5EF4-FFF2-40B4-BE49-F238E27FC236}">
-                <a16:creationId xmlns:a16="http://schemas.microsoft.com/office/drawing/2014/main" id="{53FBE750-1A65-4244-992A-C97EA7243136}"/>
+                <a16:creationId xmlns:a16="http://schemas.microsoft.com/office/drawing/2014/main" id="{D102C466-9575-4FE1-A644-4AF8DC4D1201}"/>
+              </a:ext>
+            </a:extLst>
+          </p:cNvPr>
+          <p:cNvSpPr>
+            <a:spLocks noGrp="1"/>
+          </p:cNvSpPr>
+          <p:nvPr>
+            <p:ph type="title"/>
+          </p:nvPr>
+        </p:nvSpPr>
+        <p:spPr/>
+        <p:txBody>
+          <a:bodyPr/>
+          <a:lstStyle/>
+          <a:p>
+            <a:r>
+              <a:rPr lang="zh-CN" altLang="en-US" dirty="0"/>
+              <a:t>分支切换</a:t>
+            </a:r>
+          </a:p>
+        </p:txBody>
+      </p:sp>
+      <p:pic>
+        <p:nvPicPr>
+          <p:cNvPr id="4" name="图片 3">
+            <a:extLst>
+              <a:ext uri="{FF2B5EF4-FFF2-40B4-BE49-F238E27FC236}">
+                <a16:creationId xmlns:a16="http://schemas.microsoft.com/office/drawing/2014/main" id="{926F3D65-581B-4D10-A039-3483ABE9CFE3}"/>
+              </a:ext>
+            </a:extLst>
+          </p:cNvPr>
+          <p:cNvPicPr>
+            <a:picLocks noChangeAspect="1"/>
+          </p:cNvPicPr>
+          <p:nvPr/>
+        </p:nvPicPr>
+        <p:blipFill>
+          <a:blip r:embed="rId2"/>
+          <a:stretch>
+            <a:fillRect/>
+          </a:stretch>
+        </p:blipFill>
+        <p:spPr>
+          <a:xfrm>
+            <a:off x="5531951" y="274638"/>
+            <a:ext cx="8563610" cy="5590134"/>
+          </a:xfrm>
+          <a:prstGeom prst="rect">
+            <a:avLst/>
+          </a:prstGeom>
+        </p:spPr>
+      </p:pic>
+      <p:sp>
+        <p:nvSpPr>
+          <p:cNvPr id="5" name="文本框 4">
+            <a:extLst>
+              <a:ext uri="{FF2B5EF4-FFF2-40B4-BE49-F238E27FC236}">
+                <a16:creationId xmlns:a16="http://schemas.microsoft.com/office/drawing/2014/main" id="{171425C2-44F0-4E9A-8A8A-D1123FD1CFC8}"/>
               </a:ext>
             </a:extLst>
           </p:cNvPr>
@@ -8351,8 +6709,8 @@
         </p:nvSpPr>
         <p:spPr>
           <a:xfrm>
-            <a:off x="3266388" y="210778"/>
-            <a:ext cx="5635770" cy="1815882"/>
+            <a:off x="436179" y="1340457"/>
+            <a:ext cx="4656083" cy="4893647"/>
           </a:xfrm>
           <a:prstGeom prst="rect">
             <a:avLst/>
@@ -8366,33 +6724,66 @@
           <a:lstStyle/>
           <a:p>
             <a:r>
-              <a:rPr lang="zh-CN" altLang="en-US" sz="2800" dirty="0">
-                <a:solidFill>
-                  <a:schemeClr val="tx1"/>
-                </a:solidFill>
-                <a:effectLst>
-                  <a:outerShdw blurRad="38100" dist="19050" dir="2700000" algn="tl" rotWithShape="0">
-                    <a:schemeClr val="dk1">
-                      <a:alpha val="40000"/>
-                    </a:schemeClr>
-                  </a:outerShdw>
-                </a:effectLst>
-              </a:rPr>
-              <a:t>同步远程开发分支</a:t>
-            </a:r>
-            <a:r>
-              <a:rPr lang="zh-CN" altLang="en-US" sz="2800" dirty="0">
-                <a:effectLst>
-                  <a:outerShdw blurRad="38100" dist="19050" dir="2700000" algn="tl" rotWithShape="0">
-                    <a:schemeClr val="dk1">
-                      <a:alpha val="40000"/>
-                    </a:schemeClr>
-                  </a:outerShdw>
-                </a:effectLst>
-              </a:rPr>
-              <a:t>：</a:t>
-            </a:r>
-            <a:endParaRPr lang="en-US" altLang="zh-CN" sz="2800" dirty="0">
+              <a:rPr lang="en-US" altLang="zh-CN" sz="2400" dirty="0">
+                <a:effectLst>
+                  <a:outerShdw blurRad="38100" dist="19050" dir="2700000" algn="tl" rotWithShape="0">
+                    <a:schemeClr val="dk1">
+                      <a:alpha val="40000"/>
+                    </a:schemeClr>
+                  </a:outerShdw>
+                </a:effectLst>
+                <a:latin typeface="仿宋" panose="02010609060101010101" pitchFamily="49" charset="-122"/>
+                <a:ea typeface="仿宋" panose="02010609060101010101" pitchFamily="49" charset="-122"/>
+              </a:rPr>
+              <a:t>1.</a:t>
+            </a:r>
+            <a:r>
+              <a:rPr lang="zh-CN" altLang="en-US" sz="2400" dirty="0">
+                <a:effectLst>
+                  <a:outerShdw blurRad="38100" dist="19050" dir="2700000" algn="tl" rotWithShape="0">
+                    <a:schemeClr val="dk1">
+                      <a:alpha val="40000"/>
+                    </a:schemeClr>
+                  </a:outerShdw>
+                </a:effectLst>
+                <a:latin typeface="仿宋" panose="02010609060101010101" pitchFamily="49" charset="-122"/>
+                <a:ea typeface="仿宋" panose="02010609060101010101" pitchFamily="49" charset="-122"/>
+              </a:rPr>
+              <a:t>查看该项目的所有</a:t>
+            </a:r>
+            <a:r>
+              <a:rPr lang="en-US" altLang="zh-CN" sz="2400" dirty="0">
+                <a:effectLst>
+                  <a:outerShdw blurRad="38100" dist="19050" dir="2700000" algn="tl" rotWithShape="0">
+                    <a:schemeClr val="dk1">
+                      <a:alpha val="40000"/>
+                    </a:schemeClr>
+                  </a:outerShdw>
+                </a:effectLst>
+                <a:latin typeface="仿宋" panose="02010609060101010101" pitchFamily="49" charset="-122"/>
+                <a:ea typeface="仿宋" panose="02010609060101010101" pitchFamily="49" charset="-122"/>
+              </a:rPr>
+              <a:t>tag</a:t>
+            </a:r>
+          </a:p>
+          <a:p>
+            <a:r>
+              <a:rPr lang="en-US" altLang="zh-CN" sz="2400" b="1" dirty="0">
+                <a:effectLst>
+                  <a:outerShdw blurRad="38100" dist="19050" dir="2700000" algn="tl" rotWithShape="0">
+                    <a:schemeClr val="dk1">
+                      <a:alpha val="40000"/>
+                    </a:schemeClr>
+                  </a:outerShdw>
+                </a:effectLst>
+                <a:latin typeface="仿宋" panose="02010609060101010101" pitchFamily="49" charset="-122"/>
+                <a:ea typeface="仿宋" panose="02010609060101010101" pitchFamily="49" charset="-122"/>
+              </a:rPr>
+              <a:t>git tag</a:t>
+            </a:r>
+          </a:p>
+          <a:p>
+            <a:endParaRPr lang="en-US" altLang="zh-CN" sz="2400" dirty="0">
               <a:effectLst>
                 <a:outerShdw blurRad="38100" dist="19050" dir="2700000" algn="tl" rotWithShape="0">
                   <a:schemeClr val="dk1">
@@ -8400,73 +6791,180 @@
                   </a:schemeClr>
                 </a:outerShdw>
               </a:effectLst>
+              <a:latin typeface="仿宋" panose="02010609060101010101" pitchFamily="49" charset="-122"/>
+              <a:ea typeface="仿宋" panose="02010609060101010101" pitchFamily="49" charset="-122"/>
             </a:endParaRPr>
           </a:p>
           <a:p>
             <a:r>
-              <a:rPr lang="en-US" altLang="zh-CN" sz="2800" dirty="0">
-                <a:solidFill>
-                  <a:schemeClr val="tx1"/>
-                </a:solidFill>
-                <a:effectLst>
-                  <a:outerShdw blurRad="38100" dist="19050" dir="2700000" algn="tl" rotWithShape="0">
-                    <a:schemeClr val="dk1">
-                      <a:alpha val="40000"/>
-                    </a:schemeClr>
-                  </a:outerShdw>
-                </a:effectLst>
-              </a:rPr>
-              <a:t>git checkout –b </a:t>
-            </a:r>
-            <a:r>
-              <a:rPr lang="zh-CN" altLang="en-US" sz="2800" dirty="0">
-                <a:solidFill>
-                  <a:schemeClr val="tx1"/>
-                </a:solidFill>
-                <a:effectLst>
-                  <a:outerShdw blurRad="38100" dist="19050" dir="2700000" algn="tl" rotWithShape="0">
-                    <a:schemeClr val="dk1">
-                      <a:alpha val="40000"/>
-                    </a:schemeClr>
-                  </a:outerShdw>
-                </a:effectLst>
-              </a:rPr>
-              <a:t>本地分支名 </a:t>
-            </a:r>
-            <a:r>
-              <a:rPr lang="en-US" altLang="zh-CN" sz="2800" dirty="0">
-                <a:solidFill>
-                  <a:schemeClr val="tx1"/>
-                </a:solidFill>
-                <a:effectLst>
-                  <a:outerShdw blurRad="38100" dist="19050" dir="2700000" algn="tl" rotWithShape="0">
-                    <a:schemeClr val="dk1">
-                      <a:alpha val="40000"/>
-                    </a:schemeClr>
-                  </a:outerShdw>
-                </a:effectLst>
-              </a:rPr>
-              <a:t>origin/</a:t>
-            </a:r>
-            <a:r>
-              <a:rPr lang="zh-CN" altLang="en-US" sz="2800" dirty="0">
-                <a:solidFill>
-                  <a:schemeClr val="tx1"/>
-                </a:solidFill>
-                <a:effectLst>
-                  <a:outerShdw blurRad="38100" dist="19050" dir="2700000" algn="tl" rotWithShape="0">
-                    <a:schemeClr val="dk1">
-                      <a:alpha val="40000"/>
-                    </a:schemeClr>
-                  </a:outerShdw>
-                </a:effectLst>
-              </a:rPr>
-              <a:t>远程分支名</a:t>
-            </a:r>
-            <a:endParaRPr lang="en-US" altLang="zh-CN" sz="2800" dirty="0">
-              <a:solidFill>
-                <a:schemeClr val="tx1"/>
-              </a:solidFill>
+              <a:rPr lang="en-US" altLang="zh-CN" sz="2400" dirty="0">
+                <a:effectLst>
+                  <a:outerShdw blurRad="38100" dist="19050" dir="2700000" algn="tl" rotWithShape="0">
+                    <a:schemeClr val="dk1">
+                      <a:alpha val="40000"/>
+                    </a:schemeClr>
+                  </a:outerShdw>
+                </a:effectLst>
+                <a:latin typeface="仿宋" panose="02010609060101010101" pitchFamily="49" charset="-122"/>
+                <a:ea typeface="仿宋" panose="02010609060101010101" pitchFamily="49" charset="-122"/>
+              </a:rPr>
+              <a:t>2.</a:t>
+            </a:r>
+            <a:r>
+              <a:rPr lang="zh-CN" altLang="en-US" sz="2400" dirty="0">
+                <a:effectLst>
+                  <a:outerShdw blurRad="38100" dist="19050" dir="2700000" algn="tl" rotWithShape="0">
+                    <a:schemeClr val="dk1">
+                      <a:alpha val="40000"/>
+                    </a:schemeClr>
+                  </a:outerShdw>
+                </a:effectLst>
+                <a:latin typeface="仿宋" panose="02010609060101010101" pitchFamily="49" charset="-122"/>
+                <a:ea typeface="仿宋" panose="02010609060101010101" pitchFamily="49" charset="-122"/>
+              </a:rPr>
+              <a:t>切换到</a:t>
+            </a:r>
+            <a:r>
+              <a:rPr lang="en-US" altLang="zh-CN" sz="2400" dirty="0">
+                <a:effectLst>
+                  <a:outerShdw blurRad="38100" dist="19050" dir="2700000" algn="tl" rotWithShape="0">
+                    <a:schemeClr val="dk1">
+                      <a:alpha val="40000"/>
+                    </a:schemeClr>
+                  </a:outerShdw>
+                </a:effectLst>
+                <a:latin typeface="仿宋" panose="02010609060101010101" pitchFamily="49" charset="-122"/>
+                <a:ea typeface="仿宋" panose="02010609060101010101" pitchFamily="49" charset="-122"/>
+              </a:rPr>
+              <a:t>tag</a:t>
+            </a:r>
+            <a:r>
+              <a:rPr lang="zh-CN" altLang="en-US" sz="2400" dirty="0">
+                <a:effectLst>
+                  <a:outerShdw blurRad="38100" dist="19050" dir="2700000" algn="tl" rotWithShape="0">
+                    <a:schemeClr val="dk1">
+                      <a:alpha val="40000"/>
+                    </a:schemeClr>
+                  </a:outerShdw>
+                </a:effectLst>
+                <a:latin typeface="仿宋" panose="02010609060101010101" pitchFamily="49" charset="-122"/>
+                <a:ea typeface="仿宋" panose="02010609060101010101" pitchFamily="49" charset="-122"/>
+              </a:rPr>
+              <a:t>名为</a:t>
+            </a:r>
+            <a:r>
+              <a:rPr lang="en-US" altLang="zh-CN" sz="2400" dirty="0">
+                <a:effectLst>
+                  <a:outerShdw blurRad="38100" dist="19050" dir="2700000" algn="tl" rotWithShape="0">
+                    <a:schemeClr val="dk1">
+                      <a:alpha val="40000"/>
+                    </a:schemeClr>
+                  </a:outerShdw>
+                </a:effectLst>
+                <a:latin typeface="仿宋" panose="02010609060101010101" pitchFamily="49" charset="-122"/>
+                <a:ea typeface="仿宋" panose="02010609060101010101" pitchFamily="49" charset="-122"/>
+              </a:rPr>
+              <a:t>[tag</a:t>
+            </a:r>
+            <a:r>
+              <a:rPr lang="zh-CN" altLang="en-US" sz="2400" dirty="0">
+                <a:effectLst>
+                  <a:outerShdw blurRad="38100" dist="19050" dir="2700000" algn="tl" rotWithShape="0">
+                    <a:schemeClr val="dk1">
+                      <a:alpha val="40000"/>
+                    </a:schemeClr>
+                  </a:outerShdw>
+                </a:effectLst>
+                <a:latin typeface="仿宋" panose="02010609060101010101" pitchFamily="49" charset="-122"/>
+                <a:ea typeface="仿宋" panose="02010609060101010101" pitchFamily="49" charset="-122"/>
+              </a:rPr>
+              <a:t>名</a:t>
+            </a:r>
+            <a:r>
+              <a:rPr lang="en-US" altLang="zh-CN" sz="2400" dirty="0">
+                <a:effectLst>
+                  <a:outerShdw blurRad="38100" dist="19050" dir="2700000" algn="tl" rotWithShape="0">
+                    <a:schemeClr val="dk1">
+                      <a:alpha val="40000"/>
+                    </a:schemeClr>
+                  </a:outerShdw>
+                </a:effectLst>
+                <a:latin typeface="仿宋" panose="02010609060101010101" pitchFamily="49" charset="-122"/>
+                <a:ea typeface="仿宋" panose="02010609060101010101" pitchFamily="49" charset="-122"/>
+              </a:rPr>
+              <a:t>]</a:t>
+            </a:r>
+            <a:r>
+              <a:rPr lang="zh-CN" altLang="en-US" sz="2400" dirty="0">
+                <a:effectLst>
+                  <a:outerShdw blurRad="38100" dist="19050" dir="2700000" algn="tl" rotWithShape="0">
+                    <a:schemeClr val="dk1">
+                      <a:alpha val="40000"/>
+                    </a:schemeClr>
+                  </a:outerShdw>
+                </a:effectLst>
+                <a:latin typeface="仿宋" panose="02010609060101010101" pitchFamily="49" charset="-122"/>
+                <a:ea typeface="仿宋" panose="02010609060101010101" pitchFamily="49" charset="-122"/>
+              </a:rPr>
+              <a:t>的标签下（如图为切换到</a:t>
+            </a:r>
+            <a:r>
+              <a:rPr lang="en-US" altLang="zh-CN" sz="2400" dirty="0">
+                <a:effectLst>
+                  <a:outerShdw blurRad="38100" dist="19050" dir="2700000" algn="tl" rotWithShape="0">
+                    <a:schemeClr val="dk1">
+                      <a:alpha val="40000"/>
+                    </a:schemeClr>
+                  </a:outerShdw>
+                </a:effectLst>
+                <a:latin typeface="仿宋" panose="02010609060101010101" pitchFamily="49" charset="-122"/>
+                <a:ea typeface="仿宋" panose="02010609060101010101" pitchFamily="49" charset="-122"/>
+              </a:rPr>
+              <a:t>tag</a:t>
+            </a:r>
+            <a:r>
+              <a:rPr lang="zh-CN" altLang="en-US" sz="2400" dirty="0">
+                <a:effectLst>
+                  <a:outerShdw blurRad="38100" dist="19050" dir="2700000" algn="tl" rotWithShape="0">
+                    <a:schemeClr val="dk1">
+                      <a:alpha val="40000"/>
+                    </a:schemeClr>
+                  </a:outerShdw>
+                </a:effectLst>
+                <a:latin typeface="仿宋" panose="02010609060101010101" pitchFamily="49" charset="-122"/>
+                <a:ea typeface="仿宋" panose="02010609060101010101" pitchFamily="49" charset="-122"/>
+              </a:rPr>
+              <a:t>名</a:t>
+            </a:r>
+            <a:r>
+              <a:rPr lang="en-US" altLang="zh-CN" sz="2400" dirty="0">
+                <a:effectLst>
+                  <a:outerShdw blurRad="38100" dist="19050" dir="2700000" algn="tl" rotWithShape="0">
+                    <a:schemeClr val="dk1">
+                      <a:alpha val="40000"/>
+                    </a:schemeClr>
+                  </a:outerShdw>
+                </a:effectLst>
+                <a:latin typeface="仿宋" panose="02010609060101010101" pitchFamily="49" charset="-122"/>
+                <a:ea typeface="仿宋" panose="02010609060101010101" pitchFamily="49" charset="-122"/>
+              </a:rPr>
+              <a:t>01_</a:t>
+            </a:r>
+            <a:r>
+              <a:rPr lang="zh-CN" altLang="en-US" sz="2400" dirty="0">
+                <a:effectLst>
+                  <a:outerShdw blurRad="38100" dist="19050" dir="2700000" algn="tl" rotWithShape="0">
+                    <a:schemeClr val="dk1">
+                      <a:alpha val="40000"/>
+                    </a:schemeClr>
+                  </a:outerShdw>
+                </a:effectLst>
+                <a:latin typeface="仿宋" panose="02010609060101010101" pitchFamily="49" charset="-122"/>
+                <a:ea typeface="仿宋" panose="02010609060101010101" pitchFamily="49" charset="-122"/>
+              </a:rPr>
+              <a:t>作业下）</a:t>
+            </a:r>
+            <a:endParaRPr lang="en-US" altLang="zh-CN" sz="2400" dirty="0">
               <a:effectLst>
                 <a:outerShdw blurRad="38100" dist="19050" dir="2700000" algn="tl" rotWithShape="0">
                   <a:schemeClr val="dk1">
@@ -8474,25 +6972,84 @@
                   </a:schemeClr>
                 </a:outerShdw>
               </a:effectLst>
+              <a:latin typeface="仿宋" panose="02010609060101010101" pitchFamily="49" charset="-122"/>
+              <a:ea typeface="仿宋" panose="02010609060101010101" pitchFamily="49" charset="-122"/>
             </a:endParaRPr>
           </a:p>
           <a:p>
             <a:r>
-              <a:rPr lang="zh-CN" altLang="en-US" sz="2800" dirty="0">
-                <a:effectLst>
-                  <a:outerShdw blurRad="38100" dist="19050" dir="2700000" algn="tl" rotWithShape="0">
-                    <a:schemeClr val="dk1">
-                      <a:alpha val="40000"/>
-                    </a:schemeClr>
-                  </a:outerShdw>
-                </a:effectLst>
-              </a:rPr>
-              <a:t>建议本地分支和原地分支同名</a:t>
-            </a:r>
-            <a:endParaRPr lang="zh-CN" altLang="en-US" sz="2800" dirty="0">
-              <a:solidFill>
-                <a:schemeClr val="tx1"/>
-              </a:solidFill>
+              <a:rPr lang="en-US" altLang="zh-CN" sz="2400" b="1" dirty="0">
+                <a:effectLst>
+                  <a:outerShdw blurRad="38100" dist="19050" dir="2700000" algn="tl" rotWithShape="0">
+                    <a:schemeClr val="dk1">
+                      <a:alpha val="40000"/>
+                    </a:schemeClr>
+                  </a:outerShdw>
+                </a:effectLst>
+                <a:latin typeface="仿宋" panose="02010609060101010101" pitchFamily="49" charset="-122"/>
+                <a:ea typeface="仿宋" panose="02010609060101010101" pitchFamily="49" charset="-122"/>
+              </a:rPr>
+              <a:t>git checkout [tag</a:t>
+            </a:r>
+            <a:r>
+              <a:rPr lang="zh-CN" altLang="en-US" sz="2400" b="1" dirty="0">
+                <a:effectLst>
+                  <a:outerShdw blurRad="38100" dist="19050" dir="2700000" algn="tl" rotWithShape="0">
+                    <a:schemeClr val="dk1">
+                      <a:alpha val="40000"/>
+                    </a:schemeClr>
+                  </a:outerShdw>
+                </a:effectLst>
+                <a:latin typeface="仿宋" panose="02010609060101010101" pitchFamily="49" charset="-122"/>
+                <a:ea typeface="仿宋" panose="02010609060101010101" pitchFamily="49" charset="-122"/>
+              </a:rPr>
+              <a:t>名</a:t>
+            </a:r>
+            <a:r>
+              <a:rPr lang="en-US" altLang="zh-CN" sz="2400" b="1" dirty="0">
+                <a:effectLst>
+                  <a:outerShdw blurRad="38100" dist="19050" dir="2700000" algn="tl" rotWithShape="0">
+                    <a:schemeClr val="dk1">
+                      <a:alpha val="40000"/>
+                    </a:schemeClr>
+                  </a:outerShdw>
+                </a:effectLst>
+                <a:latin typeface="仿宋" panose="02010609060101010101" pitchFamily="49" charset="-122"/>
+                <a:ea typeface="仿宋" panose="02010609060101010101" pitchFamily="49" charset="-122"/>
+              </a:rPr>
+              <a:t>]</a:t>
+            </a:r>
+            <a:r>
+              <a:rPr lang="zh-CN" altLang="en-US" sz="2400" b="1" dirty="0">
+                <a:effectLst>
+                  <a:outerShdw blurRad="38100" dist="19050" dir="2700000" algn="tl" rotWithShape="0">
+                    <a:schemeClr val="dk1">
+                      <a:alpha val="40000"/>
+                    </a:schemeClr>
+                  </a:outerShdw>
+                </a:effectLst>
+                <a:latin typeface="仿宋" panose="02010609060101010101" pitchFamily="49" charset="-122"/>
+                <a:ea typeface="仿宋" panose="02010609060101010101" pitchFamily="49" charset="-122"/>
+              </a:rPr>
+              <a:t>：切换到</a:t>
+            </a:r>
+            <a:r>
+              <a:rPr lang="en-US" altLang="zh-CN" sz="2400" b="1" dirty="0">
+                <a:effectLst>
+                  <a:outerShdw blurRad="38100" dist="19050" dir="2700000" algn="tl" rotWithShape="0">
+                    <a:schemeClr val="dk1">
+                      <a:alpha val="40000"/>
+                    </a:schemeClr>
+                  </a:outerShdw>
+                </a:effectLst>
+                <a:latin typeface="仿宋" panose="02010609060101010101" pitchFamily="49" charset="-122"/>
+                <a:ea typeface="仿宋" panose="02010609060101010101" pitchFamily="49" charset="-122"/>
+              </a:rPr>
+              <a:t>tag</a:t>
+            </a:r>
+          </a:p>
+          <a:p>
+            <a:endParaRPr lang="en-US" altLang="zh-CN" sz="2400" dirty="0">
               <a:effectLst>
                 <a:outerShdw blurRad="38100" dist="19050" dir="2700000" algn="tl" rotWithShape="0">
                   <a:schemeClr val="dk1">
@@ -8500,87 +7057,124 @@
                   </a:schemeClr>
                 </a:outerShdw>
               </a:effectLst>
+              <a:latin typeface="仿宋" panose="02010609060101010101" pitchFamily="49" charset="-122"/>
+              <a:ea typeface="仿宋" panose="02010609060101010101" pitchFamily="49" charset="-122"/>
             </a:endParaRPr>
           </a:p>
-        </p:txBody>
-      </p:sp>
-      <p:pic>
-        <p:nvPicPr>
-          <p:cNvPr id="2" name="图片 1">
-            <a:extLst>
-              <a:ext uri="{FF2B5EF4-FFF2-40B4-BE49-F238E27FC236}">
-                <a16:creationId xmlns:a16="http://schemas.microsoft.com/office/drawing/2014/main" id="{C94D36FC-BE51-45C3-8EC7-16E714D09643}"/>
-              </a:ext>
-            </a:extLst>
-          </p:cNvPr>
-          <p:cNvPicPr>
-            <a:picLocks noChangeAspect="1"/>
-          </p:cNvPicPr>
-          <p:nvPr/>
-        </p:nvPicPr>
-        <p:blipFill>
-          <a:blip r:embed="rId3"/>
-          <a:stretch>
-            <a:fillRect/>
-          </a:stretch>
-        </p:blipFill>
-        <p:spPr>
-          <a:xfrm>
-            <a:off x="1474806" y="2026660"/>
-            <a:ext cx="8904863" cy="1402340"/>
-          </a:xfrm>
-          <a:prstGeom prst="rect">
-            <a:avLst/>
-          </a:prstGeom>
-        </p:spPr>
-      </p:pic>
-      <p:sp>
-        <p:nvSpPr>
-          <p:cNvPr id="9" name="文本框 8">
-            <a:extLst>
-              <a:ext uri="{FF2B5EF4-FFF2-40B4-BE49-F238E27FC236}">
-                <a16:creationId xmlns:a16="http://schemas.microsoft.com/office/drawing/2014/main" id="{D5047417-0A92-49D4-91EC-B1D31169A069}"/>
-              </a:ext>
-            </a:extLst>
-          </p:cNvPr>
-          <p:cNvSpPr txBox="1"/>
-          <p:nvPr/>
-        </p:nvSpPr>
-        <p:spPr>
-          <a:xfrm>
-            <a:off x="164891" y="4336901"/>
-            <a:ext cx="5635770" cy="1631216"/>
-          </a:xfrm>
-          <a:prstGeom prst="rect">
-            <a:avLst/>
-          </a:prstGeom>
-          <a:noFill/>
-        </p:spPr>
-        <p:txBody>
-          <a:bodyPr wrap="square" rtlCol="0">
-            <a:spAutoFit/>
-          </a:bodyPr>
-          <a:lstStyle/>
-          <a:p>
-            <a:r>
-              <a:rPr lang="zh-CN" altLang="en-US" sz="2000" dirty="0">
-                <a:solidFill>
-                  <a:schemeClr val="tx1"/>
-                </a:solidFill>
-                <a:effectLst>
-                  <a:outerShdw blurRad="38100" dist="19050" dir="2700000" algn="tl" rotWithShape="0">
-                    <a:schemeClr val="dk1">
-                      <a:alpha val="40000"/>
-                    </a:schemeClr>
-                  </a:outerShdw>
-                </a:effectLst>
-              </a:rPr>
-              <a:t>此时本地部署完毕。</a:t>
-            </a:r>
-            <a:endParaRPr lang="en-US" altLang="zh-CN" sz="2000" dirty="0">
-              <a:solidFill>
-                <a:schemeClr val="tx1"/>
-              </a:solidFill>
+          <a:p>
+            <a:r>
+              <a:rPr lang="en-US" altLang="zh-CN" sz="2400" dirty="0">
+                <a:effectLst>
+                  <a:outerShdw blurRad="38100" dist="19050" dir="2700000" algn="tl" rotWithShape="0">
+                    <a:schemeClr val="dk1">
+                      <a:alpha val="40000"/>
+                    </a:schemeClr>
+                  </a:outerShdw>
+                </a:effectLst>
+                <a:latin typeface="仿宋" panose="02010609060101010101" pitchFamily="49" charset="-122"/>
+                <a:ea typeface="仿宋" panose="02010609060101010101" pitchFamily="49" charset="-122"/>
+              </a:rPr>
+              <a:t>3.</a:t>
+            </a:r>
+            <a:r>
+              <a:rPr lang="zh-CN" altLang="en-US" sz="2400" dirty="0">
+                <a:effectLst>
+                  <a:outerShdw blurRad="38100" dist="19050" dir="2700000" algn="tl" rotWithShape="0">
+                    <a:schemeClr val="dk1">
+                      <a:alpha val="40000"/>
+                    </a:schemeClr>
+                  </a:outerShdw>
+                </a:effectLst>
+                <a:latin typeface="仿宋" panose="02010609060101010101" pitchFamily="49" charset="-122"/>
+                <a:ea typeface="仿宋" panose="02010609060101010101" pitchFamily="49" charset="-122"/>
+              </a:rPr>
+              <a:t>切换到名为</a:t>
+            </a:r>
+            <a:r>
+              <a:rPr lang="en-US" altLang="zh-CN" sz="2400" dirty="0">
+                <a:effectLst>
+                  <a:outerShdw blurRad="38100" dist="19050" dir="2700000" algn="tl" rotWithShape="0">
+                    <a:schemeClr val="dk1">
+                      <a:alpha val="40000"/>
+                    </a:schemeClr>
+                  </a:outerShdw>
+                </a:effectLst>
+                <a:latin typeface="仿宋" panose="02010609060101010101" pitchFamily="49" charset="-122"/>
+                <a:ea typeface="仿宋" panose="02010609060101010101" pitchFamily="49" charset="-122"/>
+              </a:rPr>
+              <a:t>[</a:t>
+            </a:r>
+            <a:r>
+              <a:rPr lang="zh-CN" altLang="en-US" sz="2400" dirty="0">
+                <a:effectLst>
+                  <a:outerShdw blurRad="38100" dist="19050" dir="2700000" algn="tl" rotWithShape="0">
+                    <a:schemeClr val="dk1">
+                      <a:alpha val="40000"/>
+                    </a:schemeClr>
+                  </a:outerShdw>
+                </a:effectLst>
+                <a:latin typeface="仿宋" panose="02010609060101010101" pitchFamily="49" charset="-122"/>
+                <a:ea typeface="仿宋" panose="02010609060101010101" pitchFamily="49" charset="-122"/>
+              </a:rPr>
+              <a:t>分支名</a:t>
+            </a:r>
+            <a:r>
+              <a:rPr lang="en-US" altLang="zh-CN" sz="2400" dirty="0">
+                <a:effectLst>
+                  <a:outerShdw blurRad="38100" dist="19050" dir="2700000" algn="tl" rotWithShape="0">
+                    <a:schemeClr val="dk1">
+                      <a:alpha val="40000"/>
+                    </a:schemeClr>
+                  </a:outerShdw>
+                </a:effectLst>
+                <a:latin typeface="仿宋" panose="02010609060101010101" pitchFamily="49" charset="-122"/>
+                <a:ea typeface="仿宋" panose="02010609060101010101" pitchFamily="49" charset="-122"/>
+              </a:rPr>
+              <a:t>]</a:t>
+            </a:r>
+            <a:r>
+              <a:rPr lang="zh-CN" altLang="en-US" sz="2400" dirty="0">
+                <a:effectLst>
+                  <a:outerShdw blurRad="38100" dist="19050" dir="2700000" algn="tl" rotWithShape="0">
+                    <a:schemeClr val="dk1">
+                      <a:alpha val="40000"/>
+                    </a:schemeClr>
+                  </a:outerShdw>
+                </a:effectLst>
+                <a:latin typeface="仿宋" panose="02010609060101010101" pitchFamily="49" charset="-122"/>
+                <a:ea typeface="仿宋" panose="02010609060101010101" pitchFamily="49" charset="-122"/>
+              </a:rPr>
+              <a:t>分支（如图为从“</a:t>
+            </a:r>
+            <a:r>
+              <a:rPr lang="en-US" altLang="zh-CN" sz="2400" dirty="0">
+                <a:effectLst>
+                  <a:outerShdw blurRad="38100" dist="19050" dir="2700000" algn="tl" rotWithShape="0">
+                    <a:schemeClr val="dk1">
+                      <a:alpha val="40000"/>
+                    </a:schemeClr>
+                  </a:outerShdw>
+                </a:effectLst>
+                <a:latin typeface="仿宋" panose="02010609060101010101" pitchFamily="49" charset="-122"/>
+                <a:ea typeface="仿宋" panose="02010609060101010101" pitchFamily="49" charset="-122"/>
+              </a:rPr>
+              <a:t>01_</a:t>
+            </a:r>
+            <a:r>
+              <a:rPr lang="zh-CN" altLang="en-US" sz="2400" dirty="0">
+                <a:effectLst>
+                  <a:outerShdw blurRad="38100" dist="19050" dir="2700000" algn="tl" rotWithShape="0">
+                    <a:schemeClr val="dk1">
+                      <a:alpha val="40000"/>
+                    </a:schemeClr>
+                  </a:outerShdw>
+                </a:effectLst>
+                <a:latin typeface="仿宋" panose="02010609060101010101" pitchFamily="49" charset="-122"/>
+                <a:ea typeface="仿宋" panose="02010609060101010101" pitchFamily="49" charset="-122"/>
+              </a:rPr>
+              <a:t>作业”切换回</a:t>
+            </a:r>
+            <a:endParaRPr lang="en-US" altLang="zh-CN" sz="2400" dirty="0">
               <a:effectLst>
                 <a:outerShdw blurRad="38100" dist="19050" dir="2700000" algn="tl" rotWithShape="0">
                   <a:schemeClr val="dk1">
@@ -8588,22 +7182,54 @@
                   </a:schemeClr>
                 </a:outerShdw>
               </a:effectLst>
+              <a:latin typeface="仿宋" panose="02010609060101010101" pitchFamily="49" charset="-122"/>
+              <a:ea typeface="仿宋" panose="02010609060101010101" pitchFamily="49" charset="-122"/>
             </a:endParaRPr>
           </a:p>
           <a:p>
             <a:r>
-              <a:rPr lang="zh-CN" altLang="en-US" sz="2000" dirty="0">
-                <a:effectLst>
-                  <a:outerShdw blurRad="38100" dist="19050" dir="2700000" algn="tl" rotWithShape="0">
-                    <a:schemeClr val="dk1">
-                      <a:alpha val="40000"/>
-                    </a:schemeClr>
-                  </a:outerShdw>
-                </a:effectLst>
-              </a:rPr>
-              <a:t>下面介绍常用操作：</a:t>
-            </a:r>
-            <a:endParaRPr lang="en-US" altLang="zh-CN" sz="2000" dirty="0">
+              <a:rPr lang="zh-CN" altLang="en-US" sz="2400" dirty="0">
+                <a:effectLst>
+                  <a:outerShdw blurRad="38100" dist="19050" dir="2700000" algn="tl" rotWithShape="0">
+                    <a:schemeClr val="dk1">
+                      <a:alpha val="40000"/>
+                    </a:schemeClr>
+                  </a:outerShdw>
+                </a:effectLst>
+                <a:latin typeface="仿宋" panose="02010609060101010101" pitchFamily="49" charset="-122"/>
+                <a:ea typeface="仿宋" panose="02010609060101010101" pitchFamily="49" charset="-122"/>
+              </a:rPr>
+              <a:t>分支</a:t>
+            </a:r>
+            <a:r>
+              <a:rPr lang="en-US" altLang="zh-CN" sz="2400" dirty="0">
+                <a:effectLst>
+                  <a:outerShdw blurRad="38100" dist="19050" dir="2700000" algn="tl" rotWithShape="0">
+                    <a:schemeClr val="dk1">
+                      <a:alpha val="40000"/>
+                    </a:schemeClr>
+                  </a:outerShdw>
+                </a:effectLst>
+                <a:latin typeface="仿宋" panose="02010609060101010101" pitchFamily="49" charset="-122"/>
+                <a:ea typeface="仿宋" panose="02010609060101010101" pitchFamily="49" charset="-122"/>
+              </a:rPr>
+              <a:t>main</a:t>
+            </a:r>
+            <a:r>
+              <a:rPr lang="zh-CN" altLang="en-US" sz="2400" dirty="0">
+                <a:effectLst>
+                  <a:outerShdw blurRad="38100" dist="19050" dir="2700000" algn="tl" rotWithShape="0">
+                    <a:schemeClr val="dk1">
+                      <a:alpha val="40000"/>
+                    </a:schemeClr>
+                  </a:outerShdw>
+                </a:effectLst>
+                <a:latin typeface="仿宋" panose="02010609060101010101" pitchFamily="49" charset="-122"/>
+                <a:ea typeface="仿宋" panose="02010609060101010101" pitchFamily="49" charset="-122"/>
+              </a:rPr>
+              <a:t>）</a:t>
+            </a:r>
+            <a:endParaRPr lang="en-US" altLang="zh-CN" sz="2400" dirty="0">
               <a:effectLst>
                 <a:outerShdw blurRad="38100" dist="19050" dir="2700000" algn="tl" rotWithShape="0">
                   <a:schemeClr val="dk1">
@@ -8611,43 +7237,54 @@
                   </a:schemeClr>
                 </a:outerShdw>
               </a:effectLst>
+              <a:latin typeface="仿宋" panose="02010609060101010101" pitchFamily="49" charset="-122"/>
+              <a:ea typeface="仿宋" panose="02010609060101010101" pitchFamily="49" charset="-122"/>
             </a:endParaRPr>
           </a:p>
           <a:p>
             <a:r>
-              <a:rPr lang="en-US" altLang="zh-CN" sz="2000" dirty="0">
-                <a:solidFill>
-                  <a:schemeClr val="tx1"/>
-                </a:solidFill>
-                <a:effectLst>
-                  <a:outerShdw blurRad="38100" dist="19050" dir="2700000" algn="tl" rotWithShape="0">
-                    <a:schemeClr val="dk1">
-                      <a:alpha val="40000"/>
-                    </a:schemeClr>
-                  </a:outerShdw>
-                </a:effectLst>
-              </a:rPr>
-              <a:t>git branch </a:t>
-            </a:r>
-            <a:r>
-              <a:rPr lang="zh-CN" altLang="en-US" sz="2000" dirty="0">
-                <a:solidFill>
-                  <a:schemeClr val="tx1"/>
-                </a:solidFill>
-                <a:effectLst>
-                  <a:outerShdw blurRad="38100" dist="19050" dir="2700000" algn="tl" rotWithShape="0">
-                    <a:schemeClr val="dk1">
-                      <a:alpha val="40000"/>
-                    </a:schemeClr>
-                  </a:outerShdw>
-                </a:effectLst>
-              </a:rPr>
-              <a:t>（查看本地分支，以及所在的分支）</a:t>
-            </a:r>
-            <a:endParaRPr lang="en-US" altLang="zh-CN" sz="2000" dirty="0">
-              <a:solidFill>
-                <a:schemeClr val="tx1"/>
-              </a:solidFill>
+              <a:rPr lang="en-US" altLang="zh-CN" sz="2400" b="1" dirty="0">
+                <a:effectLst>
+                  <a:outerShdw blurRad="38100" dist="19050" dir="2700000" algn="tl" rotWithShape="0">
+                    <a:schemeClr val="dk1">
+                      <a:alpha val="40000"/>
+                    </a:schemeClr>
+                  </a:outerShdw>
+                </a:effectLst>
+                <a:latin typeface="仿宋" panose="02010609060101010101" pitchFamily="49" charset="-122"/>
+                <a:ea typeface="仿宋" panose="02010609060101010101" pitchFamily="49" charset="-122"/>
+              </a:rPr>
+              <a:t>git checkout [</a:t>
+            </a:r>
+            <a:r>
+              <a:rPr lang="zh-CN" altLang="en-US" sz="2400" b="1" dirty="0">
+                <a:effectLst>
+                  <a:outerShdw blurRad="38100" dist="19050" dir="2700000" algn="tl" rotWithShape="0">
+                    <a:schemeClr val="dk1">
+                      <a:alpha val="40000"/>
+                    </a:schemeClr>
+                  </a:outerShdw>
+                </a:effectLst>
+                <a:latin typeface="仿宋" panose="02010609060101010101" pitchFamily="49" charset="-122"/>
+                <a:ea typeface="仿宋" panose="02010609060101010101" pitchFamily="49" charset="-122"/>
+              </a:rPr>
+              <a:t>分支名</a:t>
+            </a:r>
+            <a:r>
+              <a:rPr lang="en-US" altLang="zh-CN" sz="2400" b="1" dirty="0">
+                <a:effectLst>
+                  <a:outerShdw blurRad="38100" dist="19050" dir="2700000" algn="tl" rotWithShape="0">
+                    <a:schemeClr val="dk1">
+                      <a:alpha val="40000"/>
+                    </a:schemeClr>
+                  </a:outerShdw>
+                </a:effectLst>
+                <a:latin typeface="仿宋" panose="02010609060101010101" pitchFamily="49" charset="-122"/>
+                <a:ea typeface="仿宋" panose="02010609060101010101" pitchFamily="49" charset="-122"/>
+              </a:rPr>
+              <a:t>]</a:t>
+            </a:r>
+            <a:endParaRPr lang="zh-CN" altLang="en-US" sz="2400" b="1" dirty="0">
               <a:effectLst>
                 <a:outerShdw blurRad="38100" dist="19050" dir="2700000" algn="tl" rotWithShape="0">
                   <a:schemeClr val="dk1">
@@ -8655,111 +7292,16 @@
                   </a:schemeClr>
                 </a:outerShdw>
               </a:effectLst>
+              <a:latin typeface="仿宋" panose="02010609060101010101" pitchFamily="49" charset="-122"/>
+              <a:ea typeface="仿宋" panose="02010609060101010101" pitchFamily="49" charset="-122"/>
             </a:endParaRPr>
-          </a:p>
-          <a:p>
-            <a:r>
-              <a:rPr lang="en-US" altLang="zh-CN" sz="2000" dirty="0">
-                <a:effectLst>
-                  <a:outerShdw blurRad="38100" dist="19050" dir="2700000" algn="tl" rotWithShape="0">
-                    <a:schemeClr val="dk1">
-                      <a:alpha val="40000"/>
-                    </a:schemeClr>
-                  </a:outerShdw>
-                </a:effectLst>
-              </a:rPr>
-              <a:t>git checkout </a:t>
-            </a:r>
-            <a:r>
-              <a:rPr lang="zh-CN" altLang="en-US" sz="2000" dirty="0">
-                <a:effectLst>
-                  <a:outerShdw blurRad="38100" dist="19050" dir="2700000" algn="tl" rotWithShape="0">
-                    <a:schemeClr val="dk1">
-                      <a:alpha val="40000"/>
-                    </a:schemeClr>
-                  </a:outerShdw>
-                </a:effectLst>
-              </a:rPr>
-              <a:t>分支名  （分支跳转）</a:t>
-            </a:r>
-            <a:endParaRPr lang="en-US" altLang="zh-CN" sz="2000" dirty="0">
-              <a:effectLst>
-                <a:outerShdw blurRad="38100" dist="19050" dir="2700000" algn="tl" rotWithShape="0">
-                  <a:schemeClr val="dk1">
-                    <a:alpha val="40000"/>
-                  </a:schemeClr>
-                </a:outerShdw>
-              </a:effectLst>
-            </a:endParaRPr>
-          </a:p>
-          <a:p>
-            <a:r>
-              <a:rPr lang="en-US" altLang="zh-CN" sz="2000" dirty="0">
-                <a:solidFill>
-                  <a:schemeClr val="tx1"/>
-                </a:solidFill>
-                <a:effectLst>
-                  <a:outerShdw blurRad="38100" dist="19050" dir="2700000" algn="tl" rotWithShape="0">
-                    <a:schemeClr val="dk1">
-                      <a:alpha val="40000"/>
-                    </a:schemeClr>
-                  </a:outerShdw>
-                </a:effectLst>
-              </a:rPr>
-              <a:t>git switch –c </a:t>
-            </a:r>
-            <a:r>
-              <a:rPr lang="zh-CN" altLang="en-US" sz="2000" dirty="0">
-                <a:solidFill>
-                  <a:schemeClr val="tx1"/>
-                </a:solidFill>
-                <a:effectLst>
-                  <a:outerShdw blurRad="38100" dist="19050" dir="2700000" algn="tl" rotWithShape="0">
-                    <a:schemeClr val="dk1">
-                      <a:alpha val="40000"/>
-                    </a:schemeClr>
-                  </a:outerShdw>
-                </a:effectLst>
-              </a:rPr>
-              <a:t>分支名  （创建新分支并跳转）</a:t>
-            </a:r>
           </a:p>
         </p:txBody>
       </p:sp>
-      <p:pic>
-        <p:nvPicPr>
-          <p:cNvPr id="4" name="图片 3">
-            <a:extLst>
-              <a:ext uri="{FF2B5EF4-FFF2-40B4-BE49-F238E27FC236}">
-                <a16:creationId xmlns:a16="http://schemas.microsoft.com/office/drawing/2014/main" id="{DFFDE56C-C6A8-47E1-AC9E-6C5E27C8B3E8}"/>
-              </a:ext>
-            </a:extLst>
-          </p:cNvPr>
-          <p:cNvPicPr>
-            <a:picLocks noChangeAspect="1"/>
-          </p:cNvPicPr>
-          <p:nvPr/>
-        </p:nvPicPr>
-        <p:blipFill>
-          <a:blip r:embed="rId4"/>
-          <a:stretch>
-            <a:fillRect/>
-          </a:stretch>
-        </p:blipFill>
-        <p:spPr>
-          <a:xfrm>
-            <a:off x="5777207" y="3892165"/>
-            <a:ext cx="6249902" cy="2512716"/>
-          </a:xfrm>
-          <a:prstGeom prst="rect">
-            <a:avLst/>
-          </a:prstGeom>
-        </p:spPr>
-      </p:pic>
     </p:spTree>
     <p:extLst>
       <p:ext uri="{BB962C8B-B14F-4D97-AF65-F5344CB8AC3E}">
-        <p14:creationId xmlns:p14="http://schemas.microsoft.com/office/powerpoint/2010/main" val="3904406041"/>
+        <p14:creationId xmlns:p14="http://schemas.microsoft.com/office/powerpoint/2010/main" val="1075589896"/>
       </p:ext>
     </p:extLst>
   </p:cSld>

--- a/教学文档/01 开发准备/01 Git操作ppt.pptx
+++ b/教学文档/01 开发准备/01 Git操作ppt.pptx
@@ -2898,6 +2898,16 @@
           <a:p>
             <a:pPr algn="ctr"/>
             <a:r>
+              <a:rPr lang="en-US" altLang="zh-CN" sz="7200" spc="600" dirty="0">
+                <a:solidFill>
+                  <a:srgbClr val="475574"/>
+                </a:solidFill>
+                <a:cs typeface="+mn-ea"/>
+                <a:sym typeface="+mn-lt"/>
+              </a:rPr>
+              <a:t>Git</a:t>
+            </a:r>
+            <a:r>
               <a:rPr lang="zh-CN" altLang="en-US" sz="7200" spc="600" dirty="0">
                 <a:solidFill>
                   <a:srgbClr val="475574"/>
@@ -2905,7 +2915,7 @@
                 <a:cs typeface="+mn-ea"/>
                 <a:sym typeface="+mn-lt"/>
               </a:rPr>
-              <a:t>软件工程实验</a:t>
+              <a:t>操作</a:t>
             </a:r>
           </a:p>
         </p:txBody>
@@ -3403,7 +3413,25 @@
                 </a:solidFill>
                 <a:cs typeface="+mn-ea"/>
               </a:rPr>
-              <a:t>2020.</a:t>
+              <a:t>202</a:t>
+            </a:r>
+            <a:r>
+              <a:rPr lang="en-US" altLang="zh-CN" sz="1600" spc="600" dirty="0">
+                <a:solidFill>
+                  <a:srgbClr val="475574"/>
+                </a:solidFill>
+                <a:cs typeface="+mn-ea"/>
+              </a:rPr>
+              <a:t>1</a:t>
+            </a:r>
+            <a:r>
+              <a:rPr lang="zh-CN" altLang="en-US" sz="1600" spc="600" dirty="0">
+                <a:solidFill>
+                  <a:srgbClr val="475574"/>
+                </a:solidFill>
+                <a:cs typeface="+mn-ea"/>
+              </a:rPr>
+              <a:t>.</a:t>
             </a:r>
             <a:r>
               <a:rPr lang="en-US" altLang="zh-CN" sz="1600" spc="600" dirty="0">
@@ -3810,7 +3838,7 @@
         <p:spPr>
           <a:xfrm>
             <a:off x="599462" y="1434662"/>
-            <a:ext cx="5906442" cy="2805320"/>
+            <a:ext cx="5906442" cy="3901837"/>
           </a:xfrm>
           <a:prstGeom prst="rect">
             <a:avLst/>
@@ -3829,30 +3857,34 @@
               </a:lnSpc>
             </a:pPr>
             <a:r>
-              <a:rPr lang="en-US" altLang="zh-CN" sz="2000" dirty="0">
-                <a:effectLst>
-                  <a:outerShdw blurRad="38100" dist="19050" dir="2700000" algn="tl" rotWithShape="0">
-                    <a:schemeClr val="dk1">
-                      <a:alpha val="40000"/>
-                    </a:schemeClr>
-                  </a:outerShdw>
-                </a:effectLst>
+              <a:rPr lang="en-US" altLang="zh-CN" sz="2400" dirty="0">
+                <a:effectLst>
+                  <a:outerShdw blurRad="38100" dist="19050" dir="2700000" algn="tl" rotWithShape="0">
+                    <a:schemeClr val="dk1">
+                      <a:alpha val="40000"/>
+                    </a:schemeClr>
+                  </a:outerShdw>
+                </a:effectLst>
+                <a:latin typeface="仿宋" panose="02010609060101010101" pitchFamily="49" charset="-122"/>
+                <a:ea typeface="仿宋" panose="02010609060101010101" pitchFamily="49" charset="-122"/>
               </a:rPr>
               <a:t>1.</a:t>
             </a:r>
             <a:r>
-              <a:rPr lang="zh-CN" altLang="en-US" sz="2000" dirty="0">
-                <a:effectLst>
-                  <a:outerShdw blurRad="38100" dist="19050" dir="2700000" algn="tl" rotWithShape="0">
-                    <a:schemeClr val="dk1">
-                      <a:alpha val="40000"/>
-                    </a:schemeClr>
-                  </a:outerShdw>
-                </a:effectLst>
+              <a:rPr lang="zh-CN" altLang="en-US" sz="2400" dirty="0">
+                <a:effectLst>
+                  <a:outerShdw blurRad="38100" dist="19050" dir="2700000" algn="tl" rotWithShape="0">
+                    <a:schemeClr val="dk1">
+                      <a:alpha val="40000"/>
+                    </a:schemeClr>
+                  </a:outerShdw>
+                </a:effectLst>
+                <a:latin typeface="仿宋" panose="02010609060101010101" pitchFamily="49" charset="-122"/>
+                <a:ea typeface="仿宋" panose="02010609060101010101" pitchFamily="49" charset="-122"/>
               </a:rPr>
               <a:t>将项目下所有文件加入暂存区：</a:t>
             </a:r>
-            <a:endParaRPr lang="en-US" altLang="zh-CN" sz="2000" dirty="0">
+            <a:endParaRPr lang="en-US" altLang="zh-CN" sz="2400" dirty="0">
               <a:effectLst>
                 <a:outerShdw blurRad="38100" dist="19050" dir="2700000" algn="tl" rotWithShape="0">
                   <a:schemeClr val="dk1">
@@ -3860,6 +3892,8 @@
                   </a:schemeClr>
                 </a:outerShdw>
               </a:effectLst>
+              <a:latin typeface="仿宋" panose="02010609060101010101" pitchFamily="49" charset="-122"/>
+              <a:ea typeface="仿宋" panose="02010609060101010101" pitchFamily="49" charset="-122"/>
             </a:endParaRPr>
           </a:p>
           <a:p>
@@ -3869,14 +3903,16 @@
               </a:lnSpc>
             </a:pPr>
             <a:r>
-              <a:rPr lang="en-US" altLang="zh-CN" sz="2000" b="1" dirty="0">
-                <a:effectLst>
-                  <a:outerShdw blurRad="38100" dist="19050" dir="2700000" algn="tl" rotWithShape="0">
-                    <a:schemeClr val="dk1">
-                      <a:alpha val="40000"/>
-                    </a:schemeClr>
-                  </a:outerShdw>
-                </a:effectLst>
+              <a:rPr lang="en-US" altLang="zh-CN" sz="2400" b="1" dirty="0">
+                <a:effectLst>
+                  <a:outerShdw blurRad="38100" dist="19050" dir="2700000" algn="tl" rotWithShape="0">
+                    <a:schemeClr val="dk1">
+                      <a:alpha val="40000"/>
+                    </a:schemeClr>
+                  </a:outerShdw>
+                </a:effectLst>
+                <a:latin typeface="仿宋" panose="02010609060101010101" pitchFamily="49" charset="-122"/>
+                <a:ea typeface="仿宋" panose="02010609060101010101" pitchFamily="49" charset="-122"/>
               </a:rPr>
               <a:t>git add .</a:t>
             </a:r>
@@ -3888,54 +3924,62 @@
               </a:lnSpc>
             </a:pPr>
             <a:r>
-              <a:rPr lang="en-US" altLang="zh-CN" sz="2000" dirty="0">
-                <a:effectLst>
-                  <a:outerShdw blurRad="38100" dist="19050" dir="2700000" algn="tl" rotWithShape="0">
-                    <a:schemeClr val="dk1">
-                      <a:alpha val="40000"/>
-                    </a:schemeClr>
-                  </a:outerShdw>
-                </a:effectLst>
+              <a:rPr lang="en-US" altLang="zh-CN" sz="2400" dirty="0">
+                <a:effectLst>
+                  <a:outerShdw blurRad="38100" dist="19050" dir="2700000" algn="tl" rotWithShape="0">
+                    <a:schemeClr val="dk1">
+                      <a:alpha val="40000"/>
+                    </a:schemeClr>
+                  </a:outerShdw>
+                </a:effectLst>
+                <a:latin typeface="仿宋" panose="02010609060101010101" pitchFamily="49" charset="-122"/>
+                <a:ea typeface="仿宋" panose="02010609060101010101" pitchFamily="49" charset="-122"/>
               </a:rPr>
               <a:t>2.</a:t>
             </a:r>
             <a:r>
-              <a:rPr lang="zh-CN" altLang="en-US" sz="2000" dirty="0">
-                <a:effectLst>
-                  <a:outerShdw blurRad="38100" dist="19050" dir="2700000" algn="tl" rotWithShape="0">
-                    <a:schemeClr val="dk1">
-                      <a:alpha val="40000"/>
-                    </a:schemeClr>
-                  </a:outerShdw>
-                </a:effectLst>
+              <a:rPr lang="zh-CN" altLang="en-US" sz="2400" dirty="0">
+                <a:effectLst>
+                  <a:outerShdw blurRad="38100" dist="19050" dir="2700000" algn="tl" rotWithShape="0">
+                    <a:schemeClr val="dk1">
+                      <a:alpha val="40000"/>
+                    </a:schemeClr>
+                  </a:outerShdw>
+                </a:effectLst>
+                <a:latin typeface="仿宋" panose="02010609060101010101" pitchFamily="49" charset="-122"/>
+                <a:ea typeface="仿宋" panose="02010609060101010101" pitchFamily="49" charset="-122"/>
               </a:rPr>
               <a:t>将暂存区的内容打包成</a:t>
             </a:r>
             <a:r>
-              <a:rPr lang="en-US" altLang="zh-CN" sz="2000" dirty="0">
-                <a:effectLst>
-                  <a:outerShdw blurRad="38100" dist="19050" dir="2700000" algn="tl" rotWithShape="0">
-                    <a:schemeClr val="dk1">
-                      <a:alpha val="40000"/>
-                    </a:schemeClr>
-                  </a:outerShdw>
-                </a:effectLst>
+              <a:rPr lang="en-US" altLang="zh-CN" sz="2400" dirty="0">
+                <a:effectLst>
+                  <a:outerShdw blurRad="38100" dist="19050" dir="2700000" algn="tl" rotWithShape="0">
+                    <a:schemeClr val="dk1">
+                      <a:alpha val="40000"/>
+                    </a:schemeClr>
+                  </a:outerShdw>
+                </a:effectLst>
+                <a:latin typeface="仿宋" panose="02010609060101010101" pitchFamily="49" charset="-122"/>
+                <a:ea typeface="仿宋" panose="02010609060101010101" pitchFamily="49" charset="-122"/>
               </a:rPr>
               <a:t>commit</a:t>
             </a:r>
             <a:r>
-              <a:rPr lang="zh-CN" altLang="en-US" sz="2000" dirty="0">
-                <a:effectLst>
-                  <a:outerShdw blurRad="38100" dist="19050" dir="2700000" algn="tl" rotWithShape="0">
-                    <a:schemeClr val="dk1">
-                      <a:alpha val="40000"/>
-                    </a:schemeClr>
-                  </a:outerShdw>
-                </a:effectLst>
+              <a:rPr lang="zh-CN" altLang="en-US" sz="2400" dirty="0">
+                <a:effectLst>
+                  <a:outerShdw blurRad="38100" dist="19050" dir="2700000" algn="tl" rotWithShape="0">
+                    <a:schemeClr val="dk1">
+                      <a:alpha val="40000"/>
+                    </a:schemeClr>
+                  </a:outerShdw>
+                </a:effectLst>
+                <a:latin typeface="仿宋" panose="02010609060101010101" pitchFamily="49" charset="-122"/>
+                <a:ea typeface="仿宋" panose="02010609060101010101" pitchFamily="49" charset="-122"/>
               </a:rPr>
               <a:t>，提交到本地仓库：</a:t>
             </a:r>
-            <a:endParaRPr lang="en-US" altLang="zh-CN" sz="2000" dirty="0">
+            <a:endParaRPr lang="en-US" altLang="zh-CN" sz="2400" dirty="0">
               <a:effectLst>
                 <a:outerShdw blurRad="38100" dist="19050" dir="2700000" algn="tl" rotWithShape="0">
                   <a:schemeClr val="dk1">
@@ -3943,6 +3987,8 @@
                   </a:schemeClr>
                 </a:outerShdw>
               </a:effectLst>
+              <a:latin typeface="仿宋" panose="02010609060101010101" pitchFamily="49" charset="-122"/>
+              <a:ea typeface="仿宋" panose="02010609060101010101" pitchFamily="49" charset="-122"/>
             </a:endParaRPr>
           </a:p>
           <a:p>
@@ -3952,38 +3998,44 @@
               </a:lnSpc>
             </a:pPr>
             <a:r>
-              <a:rPr lang="en-US" altLang="zh-CN" sz="2000" b="1" dirty="0">
-                <a:effectLst>
-                  <a:outerShdw blurRad="38100" dist="19050" dir="2700000" algn="tl" rotWithShape="0">
-                    <a:schemeClr val="dk1">
-                      <a:alpha val="40000"/>
-                    </a:schemeClr>
-                  </a:outerShdw>
-                </a:effectLst>
+              <a:rPr lang="en-US" altLang="zh-CN" sz="2400" b="1" dirty="0">
+                <a:effectLst>
+                  <a:outerShdw blurRad="38100" dist="19050" dir="2700000" algn="tl" rotWithShape="0">
+                    <a:schemeClr val="dk1">
+                      <a:alpha val="40000"/>
+                    </a:schemeClr>
+                  </a:outerShdw>
+                </a:effectLst>
+                <a:latin typeface="仿宋" panose="02010609060101010101" pitchFamily="49" charset="-122"/>
+                <a:ea typeface="仿宋" panose="02010609060101010101" pitchFamily="49" charset="-122"/>
               </a:rPr>
               <a:t>git commit -m "[</a:t>
             </a:r>
             <a:r>
-              <a:rPr lang="zh-CN" altLang="en-US" sz="2000" b="1" dirty="0">
-                <a:effectLst>
-                  <a:outerShdw blurRad="38100" dist="19050" dir="2700000" algn="tl" rotWithShape="0">
-                    <a:schemeClr val="dk1">
-                      <a:alpha val="40000"/>
-                    </a:schemeClr>
-                  </a:outerShdw>
-                </a:effectLst>
+              <a:rPr lang="zh-CN" altLang="en-US" sz="2400" b="1" dirty="0">
+                <a:effectLst>
+                  <a:outerShdw blurRad="38100" dist="19050" dir="2700000" algn="tl" rotWithShape="0">
+                    <a:schemeClr val="dk1">
+                      <a:alpha val="40000"/>
+                    </a:schemeClr>
+                  </a:outerShdw>
+                </a:effectLst>
+                <a:latin typeface="仿宋" panose="02010609060101010101" pitchFamily="49" charset="-122"/>
+                <a:ea typeface="仿宋" panose="02010609060101010101" pitchFamily="49" charset="-122"/>
               </a:rPr>
               <a:t>提交理由</a:t>
             </a:r>
             <a:r>
-              <a:rPr lang="en-US" altLang="zh-CN" sz="2000" b="1" dirty="0">
-                <a:effectLst>
-                  <a:outerShdw blurRad="38100" dist="19050" dir="2700000" algn="tl" rotWithShape="0">
-                    <a:schemeClr val="dk1">
-                      <a:alpha val="40000"/>
-                    </a:schemeClr>
-                  </a:outerShdw>
-                </a:effectLst>
+              <a:rPr lang="en-US" altLang="zh-CN" sz="2400" b="1" dirty="0">
+                <a:effectLst>
+                  <a:outerShdw blurRad="38100" dist="19050" dir="2700000" algn="tl" rotWithShape="0">
+                    <a:schemeClr val="dk1">
+                      <a:alpha val="40000"/>
+                    </a:schemeClr>
+                  </a:outerShdw>
+                </a:effectLst>
+                <a:latin typeface="仿宋" panose="02010609060101010101" pitchFamily="49" charset="-122"/>
+                <a:ea typeface="仿宋" panose="02010609060101010101" pitchFamily="49" charset="-122"/>
               </a:rPr>
               <a:t>]"</a:t>
             </a:r>
@@ -3995,30 +4047,34 @@
               </a:lnSpc>
             </a:pPr>
             <a:r>
-              <a:rPr lang="en-US" altLang="zh-CN" sz="2000" dirty="0">
-                <a:effectLst>
-                  <a:outerShdw blurRad="38100" dist="19050" dir="2700000" algn="tl" rotWithShape="0">
-                    <a:schemeClr val="dk1">
-                      <a:alpha val="40000"/>
-                    </a:schemeClr>
-                  </a:outerShdw>
-                </a:effectLst>
+              <a:rPr lang="en-US" altLang="zh-CN" sz="2400" dirty="0">
+                <a:effectLst>
+                  <a:outerShdw blurRad="38100" dist="19050" dir="2700000" algn="tl" rotWithShape="0">
+                    <a:schemeClr val="dk1">
+                      <a:alpha val="40000"/>
+                    </a:schemeClr>
+                  </a:outerShdw>
+                </a:effectLst>
+                <a:latin typeface="仿宋" panose="02010609060101010101" pitchFamily="49" charset="-122"/>
+                <a:ea typeface="仿宋" panose="02010609060101010101" pitchFamily="49" charset="-122"/>
               </a:rPr>
               <a:t>3.</a:t>
             </a:r>
             <a:r>
-              <a:rPr lang="zh-CN" altLang="en-US" sz="2000" dirty="0">
-                <a:effectLst>
-                  <a:outerShdw blurRad="38100" dist="19050" dir="2700000" algn="tl" rotWithShape="0">
-                    <a:schemeClr val="dk1">
-                      <a:alpha val="40000"/>
-                    </a:schemeClr>
-                  </a:outerShdw>
-                </a:effectLst>
+              <a:rPr lang="zh-CN" altLang="en-US" sz="2400" dirty="0">
+                <a:effectLst>
+                  <a:outerShdw blurRad="38100" dist="19050" dir="2700000" algn="tl" rotWithShape="0">
+                    <a:schemeClr val="dk1">
+                      <a:alpha val="40000"/>
+                    </a:schemeClr>
+                  </a:outerShdw>
+                </a:effectLst>
+                <a:latin typeface="仿宋" panose="02010609060101010101" pitchFamily="49" charset="-122"/>
+                <a:ea typeface="仿宋" panose="02010609060101010101" pitchFamily="49" charset="-122"/>
               </a:rPr>
               <a:t>将本地仓库的内容提交到远程仓库：</a:t>
             </a:r>
-            <a:endParaRPr lang="en-US" altLang="zh-CN" sz="2000" dirty="0">
+            <a:endParaRPr lang="en-US" altLang="zh-CN" sz="2400" dirty="0">
               <a:effectLst>
                 <a:outerShdw blurRad="38100" dist="19050" dir="2700000" algn="tl" rotWithShape="0">
                   <a:schemeClr val="dk1">
@@ -4026,6 +4082,8 @@
                   </a:schemeClr>
                 </a:outerShdw>
               </a:effectLst>
+              <a:latin typeface="仿宋" panose="02010609060101010101" pitchFamily="49" charset="-122"/>
+              <a:ea typeface="仿宋" panose="02010609060101010101" pitchFamily="49" charset="-122"/>
             </a:endParaRPr>
           </a:p>
           <a:p>
@@ -4035,18 +4093,20 @@
               </a:lnSpc>
             </a:pPr>
             <a:r>
-              <a:rPr lang="en-US" altLang="zh-CN" sz="2000" b="1" dirty="0">
-                <a:effectLst>
-                  <a:outerShdw blurRad="38100" dist="19050" dir="2700000" algn="tl" rotWithShape="0">
-                    <a:schemeClr val="dk1">
-                      <a:alpha val="40000"/>
-                    </a:schemeClr>
-                  </a:outerShdw>
-                </a:effectLst>
+              <a:rPr lang="en-US" altLang="zh-CN" sz="2400" b="1" dirty="0">
+                <a:effectLst>
+                  <a:outerShdw blurRad="38100" dist="19050" dir="2700000" algn="tl" rotWithShape="0">
+                    <a:schemeClr val="dk1">
+                      <a:alpha val="40000"/>
+                    </a:schemeClr>
+                  </a:outerShdw>
+                </a:effectLst>
+                <a:latin typeface="仿宋" panose="02010609060101010101" pitchFamily="49" charset="-122"/>
+                <a:ea typeface="仿宋" panose="02010609060101010101" pitchFamily="49" charset="-122"/>
               </a:rPr>
               <a:t>git push</a:t>
             </a:r>
-            <a:endParaRPr lang="zh-CN" altLang="en-US" sz="2000" b="1" dirty="0">
+            <a:endParaRPr lang="zh-CN" altLang="en-US" sz="2400" b="1" dirty="0">
               <a:solidFill>
                 <a:schemeClr val="tx1"/>
               </a:solidFill>
@@ -4057,10 +4117,42 @@
                   </a:schemeClr>
                 </a:outerShdw>
               </a:effectLst>
+              <a:latin typeface="仿宋" panose="02010609060101010101" pitchFamily="49" charset="-122"/>
+              <a:ea typeface="仿宋" panose="02010609060101010101" pitchFamily="49" charset="-122"/>
             </a:endParaRPr>
           </a:p>
         </p:txBody>
       </p:sp>
+      <p:pic>
+        <p:nvPicPr>
+          <p:cNvPr id="10" name="图片 9">
+            <a:extLst>
+              <a:ext uri="{FF2B5EF4-FFF2-40B4-BE49-F238E27FC236}">
+                <a16:creationId xmlns:a16="http://schemas.microsoft.com/office/drawing/2014/main" id="{F8818244-E567-4C04-AFDD-D40E793E41FF}"/>
+              </a:ext>
+            </a:extLst>
+          </p:cNvPr>
+          <p:cNvPicPr>
+            <a:picLocks noChangeAspect="1"/>
+          </p:cNvPicPr>
+          <p:nvPr/>
+        </p:nvPicPr>
+        <p:blipFill>
+          <a:blip r:embed="rId3"/>
+          <a:stretch>
+            <a:fillRect/>
+          </a:stretch>
+        </p:blipFill>
+        <p:spPr>
+          <a:xfrm>
+            <a:off x="6809624" y="1128391"/>
+            <a:ext cx="5382376" cy="4601217"/>
+          </a:xfrm>
+          <a:prstGeom prst="rect">
+            <a:avLst/>
+          </a:prstGeom>
+        </p:spPr>
+      </p:pic>
     </p:spTree>
     <p:extLst>
       <p:ext uri="{BB962C8B-B14F-4D97-AF65-F5344CB8AC3E}">
@@ -4548,6 +4640,36 @@
           <a:xfrm>
             <a:off x="6768245" y="4725666"/>
             <a:ext cx="5382376" cy="685896"/>
+          </a:xfrm>
+          <a:prstGeom prst="rect">
+            <a:avLst/>
+          </a:prstGeom>
+        </p:spPr>
+      </p:pic>
+      <p:pic>
+        <p:nvPicPr>
+          <p:cNvPr id="5" name="图片 4">
+            <a:extLst>
+              <a:ext uri="{FF2B5EF4-FFF2-40B4-BE49-F238E27FC236}">
+                <a16:creationId xmlns:a16="http://schemas.microsoft.com/office/drawing/2014/main" id="{B0334FEC-1D8C-4DE2-8F67-755DF26C0B05}"/>
+              </a:ext>
+            </a:extLst>
+          </p:cNvPr>
+          <p:cNvPicPr>
+            <a:picLocks noChangeAspect="1"/>
+          </p:cNvPicPr>
+          <p:nvPr/>
+        </p:nvPicPr>
+        <p:blipFill>
+          <a:blip r:embed="rId4"/>
+          <a:stretch>
+            <a:fillRect/>
+          </a:stretch>
+        </p:blipFill>
+        <p:spPr>
+          <a:xfrm>
+            <a:off x="6768245" y="598594"/>
+            <a:ext cx="5611008" cy="1695687"/>
           </a:xfrm>
           <a:prstGeom prst="rect">
             <a:avLst/>

--- a/教学文档/01 开发准备/01 Git操作ppt.pptx
+++ b/教学文档/01 开发准备/01 Git操作ppt.pptx
@@ -19,8 +19,8 @@
     <p:sldId id="327" r:id="rId7"/>
     <p:sldId id="328" r:id="rId8"/>
     <p:sldId id="346" r:id="rId9"/>
-    <p:sldId id="347" r:id="rId10"/>
-    <p:sldId id="323" r:id="rId11"/>
+    <p:sldId id="323" r:id="rId10"/>
+    <p:sldId id="347" r:id="rId11"/>
     <p:sldId id="350" r:id="rId12"/>
     <p:sldId id="351" r:id="rId13"/>
     <p:sldId id="326" r:id="rId14"/>
@@ -227,7 +227,7 @@
           <a:p>
             <a:fld id="{0F9B84EA-7D68-4D60-9CB1-D50884785D1C}" type="datetimeFigureOut">
               <a:rPr lang="zh-CN" altLang="en-US" smtClean="0"/>
-              <a:t>2021/1/23</a:t>
+              <a:t>2021/1/24</a:t>
             </a:fld>
             <a:endParaRPr lang="zh-CN" altLang="en-US"/>
           </a:p>
@@ -392,7 +392,7 @@
           <a:p>
             <a:fld id="{87098DBA-ED62-42D1-AB73-66D64966019A}" type="datetimeFigureOut">
               <a:rPr lang="zh-CN" altLang="en-US" smtClean="0"/>
-              <a:t>2021/1/23</a:t>
+              <a:t>2021/1/24</a:t>
             </a:fld>
             <a:endParaRPr lang="zh-CN" altLang="en-US"/>
           </a:p>
@@ -3504,14 +3504,78 @@
       </p:grpSpPr>
       <p:sp>
         <p:nvSpPr>
-          <p:cNvPr id="5" name="矩形 4"/>
-          <p:cNvSpPr/>
+          <p:cNvPr id="2" name="标题 1">
+            <a:extLst>
+              <a:ext uri="{FF2B5EF4-FFF2-40B4-BE49-F238E27FC236}">
+                <a16:creationId xmlns:a16="http://schemas.microsoft.com/office/drawing/2014/main" id="{D102C466-9575-4FE1-A644-4AF8DC4D1201}"/>
+              </a:ext>
+            </a:extLst>
+          </p:cNvPr>
+          <p:cNvSpPr>
+            <a:spLocks noGrp="1"/>
+          </p:cNvSpPr>
+          <p:nvPr>
+            <p:ph type="title"/>
+          </p:nvPr>
+        </p:nvSpPr>
+        <p:spPr/>
+        <p:txBody>
+          <a:bodyPr/>
+          <a:lstStyle/>
+          <a:p>
+            <a:r>
+              <a:rPr lang="zh-CN" altLang="en-US" dirty="0"/>
+              <a:t>分支切换</a:t>
+            </a:r>
+          </a:p>
+        </p:txBody>
+      </p:sp>
+      <p:pic>
+        <p:nvPicPr>
+          <p:cNvPr id="4" name="图片 3">
+            <a:extLst>
+              <a:ext uri="{FF2B5EF4-FFF2-40B4-BE49-F238E27FC236}">
+                <a16:creationId xmlns:a16="http://schemas.microsoft.com/office/drawing/2014/main" id="{926F3D65-581B-4D10-A039-3483ABE9CFE3}"/>
+              </a:ext>
+            </a:extLst>
+          </p:cNvPr>
+          <p:cNvPicPr>
+            <a:picLocks noChangeAspect="1"/>
+          </p:cNvPicPr>
+          <p:nvPr/>
+        </p:nvPicPr>
+        <p:blipFill>
+          <a:blip r:embed="rId2"/>
+          <a:stretch>
+            <a:fillRect/>
+          </a:stretch>
+        </p:blipFill>
+        <p:spPr>
+          <a:xfrm>
+            <a:off x="5531951" y="274638"/>
+            <a:ext cx="8563610" cy="5590134"/>
+          </a:xfrm>
+          <a:prstGeom prst="rect">
+            <a:avLst/>
+          </a:prstGeom>
+        </p:spPr>
+      </p:pic>
+      <p:sp>
+        <p:nvSpPr>
+          <p:cNvPr id="5" name="文本框 4">
+            <a:extLst>
+              <a:ext uri="{FF2B5EF4-FFF2-40B4-BE49-F238E27FC236}">
+                <a16:creationId xmlns:a16="http://schemas.microsoft.com/office/drawing/2014/main" id="{171425C2-44F0-4E9A-8A8A-D1123FD1CFC8}"/>
+              </a:ext>
+            </a:extLst>
+          </p:cNvPr>
+          <p:cNvSpPr txBox="1"/>
           <p:nvPr/>
         </p:nvSpPr>
         <p:spPr>
           <a:xfrm>
-            <a:off x="997585" y="716280"/>
-            <a:ext cx="10717530" cy="2739211"/>
+            <a:off x="436179" y="1340457"/>
+            <a:ext cx="4656083" cy="4893647"/>
           </a:xfrm>
           <a:prstGeom prst="rect">
             <a:avLst/>
@@ -3519,278 +3583,592 @@
           <a:noFill/>
         </p:spPr>
         <p:txBody>
-          <a:bodyPr vert="horz" wrap="square" rtlCol="0">
+          <a:bodyPr wrap="square" rtlCol="0">
             <a:spAutoFit/>
           </a:bodyPr>
           <a:lstStyle/>
           <a:p>
-            <a:pPr algn="just">
-              <a:spcAft>
-                <a:spcPts val="0"/>
-              </a:spcAft>
-            </a:pPr>
-            <a:r>
-              <a:rPr lang="en-US" altLang="zh-CN" sz="2800" dirty="0">
-                <a:solidFill>
-                  <a:schemeClr val="bg2">
-                    <a:lumMod val="25000"/>
+            <a:r>
+              <a:rPr lang="en-US" altLang="zh-CN" sz="2400" dirty="0">
+                <a:effectLst>
+                  <a:outerShdw blurRad="38100" dist="19050" dir="2700000" algn="tl" rotWithShape="0">
+                    <a:schemeClr val="dk1">
+                      <a:alpha val="40000"/>
+                    </a:schemeClr>
+                  </a:outerShdw>
+                </a:effectLst>
+                <a:latin typeface="仿宋" panose="02010609060101010101" pitchFamily="49" charset="-122"/>
+                <a:ea typeface="仿宋" panose="02010609060101010101" pitchFamily="49" charset="-122"/>
+              </a:rPr>
+              <a:t>1.</a:t>
+            </a:r>
+            <a:r>
+              <a:rPr lang="zh-CN" altLang="en-US" sz="2400" dirty="0">
+                <a:effectLst>
+                  <a:outerShdw blurRad="38100" dist="19050" dir="2700000" algn="tl" rotWithShape="0">
+                    <a:schemeClr val="dk1">
+                      <a:alpha val="40000"/>
+                    </a:schemeClr>
+                  </a:outerShdw>
+                </a:effectLst>
+                <a:latin typeface="仿宋" panose="02010609060101010101" pitchFamily="49" charset="-122"/>
+                <a:ea typeface="仿宋" panose="02010609060101010101" pitchFamily="49" charset="-122"/>
+              </a:rPr>
+              <a:t>查看该项目的所有</a:t>
+            </a:r>
+            <a:r>
+              <a:rPr lang="en-US" altLang="zh-CN" sz="2400" dirty="0">
+                <a:effectLst>
+                  <a:outerShdw blurRad="38100" dist="19050" dir="2700000" algn="tl" rotWithShape="0">
+                    <a:schemeClr val="dk1">
+                      <a:alpha val="40000"/>
+                    </a:schemeClr>
+                  </a:outerShdw>
+                </a:effectLst>
+                <a:latin typeface="仿宋" panose="02010609060101010101" pitchFamily="49" charset="-122"/>
+                <a:ea typeface="仿宋" panose="02010609060101010101" pitchFamily="49" charset="-122"/>
+              </a:rPr>
+              <a:t>tag</a:t>
+            </a:r>
+          </a:p>
+          <a:p>
+            <a:r>
+              <a:rPr lang="en-US" altLang="zh-CN" sz="2400" b="1" dirty="0">
+                <a:effectLst>
+                  <a:outerShdw blurRad="38100" dist="19050" dir="2700000" algn="tl" rotWithShape="0">
+                    <a:schemeClr val="dk1">
+                      <a:alpha val="40000"/>
+                    </a:schemeClr>
+                  </a:outerShdw>
+                </a:effectLst>
+                <a:latin typeface="仿宋" panose="02010609060101010101" pitchFamily="49" charset="-122"/>
+                <a:ea typeface="仿宋" panose="02010609060101010101" pitchFamily="49" charset="-122"/>
+              </a:rPr>
+              <a:t>git tag</a:t>
+            </a:r>
+          </a:p>
+          <a:p>
+            <a:endParaRPr lang="en-US" altLang="zh-CN" sz="2400" dirty="0">
+              <a:effectLst>
+                <a:outerShdw blurRad="38100" dist="19050" dir="2700000" algn="tl" rotWithShape="0">
+                  <a:schemeClr val="dk1">
+                    <a:alpha val="40000"/>
                   </a:schemeClr>
-                </a:solidFill>
-                <a:latin typeface="幼圆" panose="02010509060101010101" pitchFamily="49" charset="-122"/>
-                <a:ea typeface="幼圆" panose="02010509060101010101" pitchFamily="49" charset="-122"/>
-                <a:sym typeface="+mn-ea"/>
-              </a:rPr>
-              <a:t>Git</a:t>
-            </a:r>
-            <a:r>
-              <a:rPr lang="zh-CN" altLang="en-US" sz="2800" dirty="0">
-                <a:solidFill>
-                  <a:schemeClr val="bg2">
-                    <a:lumMod val="25000"/>
+                </a:outerShdw>
+              </a:effectLst>
+              <a:latin typeface="仿宋" panose="02010609060101010101" pitchFamily="49" charset="-122"/>
+              <a:ea typeface="仿宋" panose="02010609060101010101" pitchFamily="49" charset="-122"/>
+            </a:endParaRPr>
+          </a:p>
+          <a:p>
+            <a:r>
+              <a:rPr lang="en-US" altLang="zh-CN" sz="2400" dirty="0">
+                <a:effectLst>
+                  <a:outerShdw blurRad="38100" dist="19050" dir="2700000" algn="tl" rotWithShape="0">
+                    <a:schemeClr val="dk1">
+                      <a:alpha val="40000"/>
+                    </a:schemeClr>
+                  </a:outerShdw>
+                </a:effectLst>
+                <a:latin typeface="仿宋" panose="02010609060101010101" pitchFamily="49" charset="-122"/>
+                <a:ea typeface="仿宋" panose="02010609060101010101" pitchFamily="49" charset="-122"/>
+              </a:rPr>
+              <a:t>2.</a:t>
+            </a:r>
+            <a:r>
+              <a:rPr lang="zh-CN" altLang="en-US" sz="2400" dirty="0">
+                <a:effectLst>
+                  <a:outerShdw blurRad="38100" dist="19050" dir="2700000" algn="tl" rotWithShape="0">
+                    <a:schemeClr val="dk1">
+                      <a:alpha val="40000"/>
+                    </a:schemeClr>
+                  </a:outerShdw>
+                </a:effectLst>
+                <a:latin typeface="仿宋" panose="02010609060101010101" pitchFamily="49" charset="-122"/>
+                <a:ea typeface="仿宋" panose="02010609060101010101" pitchFamily="49" charset="-122"/>
+              </a:rPr>
+              <a:t>切换到</a:t>
+            </a:r>
+            <a:r>
+              <a:rPr lang="en-US" altLang="zh-CN" sz="2400" dirty="0">
+                <a:effectLst>
+                  <a:outerShdw blurRad="38100" dist="19050" dir="2700000" algn="tl" rotWithShape="0">
+                    <a:schemeClr val="dk1">
+                      <a:alpha val="40000"/>
+                    </a:schemeClr>
+                  </a:outerShdw>
+                </a:effectLst>
+                <a:latin typeface="仿宋" panose="02010609060101010101" pitchFamily="49" charset="-122"/>
+                <a:ea typeface="仿宋" panose="02010609060101010101" pitchFamily="49" charset="-122"/>
+              </a:rPr>
+              <a:t>tag</a:t>
+            </a:r>
+            <a:r>
+              <a:rPr lang="zh-CN" altLang="en-US" sz="2400" dirty="0">
+                <a:effectLst>
+                  <a:outerShdw blurRad="38100" dist="19050" dir="2700000" algn="tl" rotWithShape="0">
+                    <a:schemeClr val="dk1">
+                      <a:alpha val="40000"/>
+                    </a:schemeClr>
+                  </a:outerShdw>
+                </a:effectLst>
+                <a:latin typeface="仿宋" panose="02010609060101010101" pitchFamily="49" charset="-122"/>
+                <a:ea typeface="仿宋" panose="02010609060101010101" pitchFamily="49" charset="-122"/>
+              </a:rPr>
+              <a:t>名为</a:t>
+            </a:r>
+            <a:r>
+              <a:rPr lang="en-US" altLang="zh-CN" sz="2400" dirty="0">
+                <a:effectLst>
+                  <a:outerShdw blurRad="38100" dist="19050" dir="2700000" algn="tl" rotWithShape="0">
+                    <a:schemeClr val="dk1">
+                      <a:alpha val="40000"/>
+                    </a:schemeClr>
+                  </a:outerShdw>
+                </a:effectLst>
+                <a:latin typeface="仿宋" panose="02010609060101010101" pitchFamily="49" charset="-122"/>
+                <a:ea typeface="仿宋" panose="02010609060101010101" pitchFamily="49" charset="-122"/>
+              </a:rPr>
+              <a:t>[tag</a:t>
+            </a:r>
+            <a:r>
+              <a:rPr lang="zh-CN" altLang="en-US" sz="2400" dirty="0">
+                <a:effectLst>
+                  <a:outerShdw blurRad="38100" dist="19050" dir="2700000" algn="tl" rotWithShape="0">
+                    <a:schemeClr val="dk1">
+                      <a:alpha val="40000"/>
+                    </a:schemeClr>
+                  </a:outerShdw>
+                </a:effectLst>
+                <a:latin typeface="仿宋" panose="02010609060101010101" pitchFamily="49" charset="-122"/>
+                <a:ea typeface="仿宋" panose="02010609060101010101" pitchFamily="49" charset="-122"/>
+              </a:rPr>
+              <a:t>名</a:t>
+            </a:r>
+            <a:r>
+              <a:rPr lang="en-US" altLang="zh-CN" sz="2400" dirty="0">
+                <a:effectLst>
+                  <a:outerShdw blurRad="38100" dist="19050" dir="2700000" algn="tl" rotWithShape="0">
+                    <a:schemeClr val="dk1">
+                      <a:alpha val="40000"/>
+                    </a:schemeClr>
+                  </a:outerShdw>
+                </a:effectLst>
+                <a:latin typeface="仿宋" panose="02010609060101010101" pitchFamily="49" charset="-122"/>
+                <a:ea typeface="仿宋" panose="02010609060101010101" pitchFamily="49" charset="-122"/>
+              </a:rPr>
+              <a:t>]</a:t>
+            </a:r>
+            <a:r>
+              <a:rPr lang="zh-CN" altLang="en-US" sz="2400" dirty="0">
+                <a:effectLst>
+                  <a:outerShdw blurRad="38100" dist="19050" dir="2700000" algn="tl" rotWithShape="0">
+                    <a:schemeClr val="dk1">
+                      <a:alpha val="40000"/>
+                    </a:schemeClr>
+                  </a:outerShdw>
+                </a:effectLst>
+                <a:latin typeface="仿宋" panose="02010609060101010101" pitchFamily="49" charset="-122"/>
+                <a:ea typeface="仿宋" panose="02010609060101010101" pitchFamily="49" charset="-122"/>
+              </a:rPr>
+              <a:t>的标签下（如图为切换到</a:t>
+            </a:r>
+            <a:r>
+              <a:rPr lang="en-US" altLang="zh-CN" sz="2400" dirty="0">
+                <a:effectLst>
+                  <a:outerShdw blurRad="38100" dist="19050" dir="2700000" algn="tl" rotWithShape="0">
+                    <a:schemeClr val="dk1">
+                      <a:alpha val="40000"/>
+                    </a:schemeClr>
+                  </a:outerShdw>
+                </a:effectLst>
+                <a:latin typeface="仿宋" panose="02010609060101010101" pitchFamily="49" charset="-122"/>
+                <a:ea typeface="仿宋" panose="02010609060101010101" pitchFamily="49" charset="-122"/>
+              </a:rPr>
+              <a:t>tag</a:t>
+            </a:r>
+            <a:r>
+              <a:rPr lang="zh-CN" altLang="en-US" sz="2400" dirty="0">
+                <a:effectLst>
+                  <a:outerShdw blurRad="38100" dist="19050" dir="2700000" algn="tl" rotWithShape="0">
+                    <a:schemeClr val="dk1">
+                      <a:alpha val="40000"/>
+                    </a:schemeClr>
+                  </a:outerShdw>
+                </a:effectLst>
+                <a:latin typeface="仿宋" panose="02010609060101010101" pitchFamily="49" charset="-122"/>
+                <a:ea typeface="仿宋" panose="02010609060101010101" pitchFamily="49" charset="-122"/>
+              </a:rPr>
+              <a:t>名</a:t>
+            </a:r>
+            <a:r>
+              <a:rPr lang="en-US" altLang="zh-CN" sz="2400" dirty="0">
+                <a:effectLst>
+                  <a:outerShdw blurRad="38100" dist="19050" dir="2700000" algn="tl" rotWithShape="0">
+                    <a:schemeClr val="dk1">
+                      <a:alpha val="40000"/>
+                    </a:schemeClr>
+                  </a:outerShdw>
+                </a:effectLst>
+                <a:latin typeface="仿宋" panose="02010609060101010101" pitchFamily="49" charset="-122"/>
+                <a:ea typeface="仿宋" panose="02010609060101010101" pitchFamily="49" charset="-122"/>
+              </a:rPr>
+              <a:t>01_</a:t>
+            </a:r>
+            <a:r>
+              <a:rPr lang="zh-CN" altLang="en-US" sz="2400" dirty="0">
+                <a:effectLst>
+                  <a:outerShdw blurRad="38100" dist="19050" dir="2700000" algn="tl" rotWithShape="0">
+                    <a:schemeClr val="dk1">
+                      <a:alpha val="40000"/>
+                    </a:schemeClr>
+                  </a:outerShdw>
+                </a:effectLst>
+                <a:latin typeface="仿宋" panose="02010609060101010101" pitchFamily="49" charset="-122"/>
+                <a:ea typeface="仿宋" panose="02010609060101010101" pitchFamily="49" charset="-122"/>
+              </a:rPr>
+              <a:t>作业下）</a:t>
+            </a:r>
+            <a:endParaRPr lang="en-US" altLang="zh-CN" sz="2400" dirty="0">
+              <a:effectLst>
+                <a:outerShdw blurRad="38100" dist="19050" dir="2700000" algn="tl" rotWithShape="0">
+                  <a:schemeClr val="dk1">
+                    <a:alpha val="40000"/>
                   </a:schemeClr>
-                </a:solidFill>
-                <a:latin typeface="幼圆" panose="02010509060101010101" pitchFamily="49" charset="-122"/>
-                <a:ea typeface="幼圆" panose="02010509060101010101" pitchFamily="49" charset="-122"/>
-                <a:sym typeface="+mn-ea"/>
-              </a:rPr>
-              <a:t>有三个工作区域，分别是工作目录、暂存区域和本地仓库。</a:t>
-            </a:r>
-          </a:p>
-          <a:p>
-            <a:pPr algn="just">
-              <a:spcAft>
-                <a:spcPts val="0"/>
-              </a:spcAft>
-            </a:pPr>
+                </a:outerShdw>
+              </a:effectLst>
+              <a:latin typeface="仿宋" panose="02010609060101010101" pitchFamily="49" charset="-122"/>
+              <a:ea typeface="仿宋" panose="02010609060101010101" pitchFamily="49" charset="-122"/>
+            </a:endParaRPr>
+          </a:p>
+          <a:p>
+            <a:r>
+              <a:rPr lang="en-US" altLang="zh-CN" sz="2400" b="1" dirty="0">
+                <a:effectLst>
+                  <a:outerShdw blurRad="38100" dist="19050" dir="2700000" algn="tl" rotWithShape="0">
+                    <a:schemeClr val="dk1">
+                      <a:alpha val="40000"/>
+                    </a:schemeClr>
+                  </a:outerShdw>
+                </a:effectLst>
+                <a:latin typeface="仿宋" panose="02010609060101010101" pitchFamily="49" charset="-122"/>
+                <a:ea typeface="仿宋" panose="02010609060101010101" pitchFamily="49" charset="-122"/>
+              </a:rPr>
+              <a:t>git checkout [tag</a:t>
+            </a:r>
             <a:r>
               <a:rPr lang="zh-CN" altLang="en-US" sz="2400" b="1" dirty="0">
-                <a:solidFill>
-                  <a:schemeClr val="bg2">
-                    <a:lumMod val="25000"/>
+                <a:effectLst>
+                  <a:outerShdw blurRad="38100" dist="19050" dir="2700000" algn="tl" rotWithShape="0">
+                    <a:schemeClr val="dk1">
+                      <a:alpha val="40000"/>
+                    </a:schemeClr>
+                  </a:outerShdw>
+                </a:effectLst>
+                <a:latin typeface="仿宋" panose="02010609060101010101" pitchFamily="49" charset="-122"/>
+                <a:ea typeface="仿宋" panose="02010609060101010101" pitchFamily="49" charset="-122"/>
+              </a:rPr>
+              <a:t>名</a:t>
+            </a:r>
+            <a:r>
+              <a:rPr lang="en-US" altLang="zh-CN" sz="2400" b="1" dirty="0">
+                <a:effectLst>
+                  <a:outerShdw blurRad="38100" dist="19050" dir="2700000" algn="tl" rotWithShape="0">
+                    <a:schemeClr val="dk1">
+                      <a:alpha val="40000"/>
+                    </a:schemeClr>
+                  </a:outerShdw>
+                </a:effectLst>
+                <a:latin typeface="仿宋" panose="02010609060101010101" pitchFamily="49" charset="-122"/>
+                <a:ea typeface="仿宋" panose="02010609060101010101" pitchFamily="49" charset="-122"/>
+              </a:rPr>
+              <a:t>]</a:t>
+            </a:r>
+            <a:r>
+              <a:rPr lang="zh-CN" altLang="en-US" sz="2400" b="1" dirty="0">
+                <a:effectLst>
+                  <a:outerShdw blurRad="38100" dist="19050" dir="2700000" algn="tl" rotWithShape="0">
+                    <a:schemeClr val="dk1">
+                      <a:alpha val="40000"/>
+                    </a:schemeClr>
+                  </a:outerShdw>
+                </a:effectLst>
+                <a:latin typeface="仿宋" panose="02010609060101010101" pitchFamily="49" charset="-122"/>
+                <a:ea typeface="仿宋" panose="02010609060101010101" pitchFamily="49" charset="-122"/>
+              </a:rPr>
+              <a:t>：切换到</a:t>
+            </a:r>
+            <a:r>
+              <a:rPr lang="en-US" altLang="zh-CN" sz="2400" b="1" dirty="0">
+                <a:effectLst>
+                  <a:outerShdw blurRad="38100" dist="19050" dir="2700000" algn="tl" rotWithShape="0">
+                    <a:schemeClr val="dk1">
+                      <a:alpha val="40000"/>
+                    </a:schemeClr>
+                  </a:outerShdw>
+                </a:effectLst>
+                <a:latin typeface="仿宋" panose="02010609060101010101" pitchFamily="49" charset="-122"/>
+                <a:ea typeface="仿宋" panose="02010609060101010101" pitchFamily="49" charset="-122"/>
+              </a:rPr>
+              <a:t>tag</a:t>
+            </a:r>
+          </a:p>
+          <a:p>
+            <a:endParaRPr lang="en-US" altLang="zh-CN" sz="2400" dirty="0">
+              <a:effectLst>
+                <a:outerShdw blurRad="38100" dist="19050" dir="2700000" algn="tl" rotWithShape="0">
+                  <a:schemeClr val="dk1">
+                    <a:alpha val="40000"/>
                   </a:schemeClr>
-                </a:solidFill>
-                <a:latin typeface="幼圆" panose="02010509060101010101" pitchFamily="49" charset="-122"/>
-                <a:ea typeface="幼圆" panose="02010509060101010101" pitchFamily="49" charset="-122"/>
-                <a:sym typeface="+mn-ea"/>
-              </a:rPr>
-              <a:t>工作目录</a:t>
+                </a:outerShdw>
+              </a:effectLst>
+              <a:latin typeface="仿宋" panose="02010609060101010101" pitchFamily="49" charset="-122"/>
+              <a:ea typeface="仿宋" panose="02010609060101010101" pitchFamily="49" charset="-122"/>
+            </a:endParaRPr>
+          </a:p>
+          <a:p>
+            <a:r>
+              <a:rPr lang="en-US" altLang="zh-CN" sz="2400" dirty="0">
+                <a:effectLst>
+                  <a:outerShdw blurRad="38100" dist="19050" dir="2700000" algn="tl" rotWithShape="0">
+                    <a:schemeClr val="dk1">
+                      <a:alpha val="40000"/>
+                    </a:schemeClr>
+                  </a:outerShdw>
+                </a:effectLst>
+                <a:latin typeface="仿宋" panose="02010609060101010101" pitchFamily="49" charset="-122"/>
+                <a:ea typeface="仿宋" panose="02010609060101010101" pitchFamily="49" charset="-122"/>
+              </a:rPr>
+              <a:t>3.</a:t>
             </a:r>
             <a:r>
               <a:rPr lang="zh-CN" altLang="en-US" sz="2400" dirty="0">
-                <a:solidFill>
-                  <a:schemeClr val="bg2">
-                    <a:lumMod val="25000"/>
+                <a:effectLst>
+                  <a:outerShdw blurRad="38100" dist="19050" dir="2700000" algn="tl" rotWithShape="0">
+                    <a:schemeClr val="dk1">
+                      <a:alpha val="40000"/>
+                    </a:schemeClr>
+                  </a:outerShdw>
+                </a:effectLst>
+                <a:latin typeface="仿宋" panose="02010609060101010101" pitchFamily="49" charset="-122"/>
+                <a:ea typeface="仿宋" panose="02010609060101010101" pitchFamily="49" charset="-122"/>
+              </a:rPr>
+              <a:t>切换到名为</a:t>
+            </a:r>
+            <a:r>
+              <a:rPr lang="en-US" altLang="zh-CN" sz="2400" dirty="0">
+                <a:effectLst>
+                  <a:outerShdw blurRad="38100" dist="19050" dir="2700000" algn="tl" rotWithShape="0">
+                    <a:schemeClr val="dk1">
+                      <a:alpha val="40000"/>
+                    </a:schemeClr>
+                  </a:outerShdw>
+                </a:effectLst>
+                <a:latin typeface="仿宋" panose="02010609060101010101" pitchFamily="49" charset="-122"/>
+                <a:ea typeface="仿宋" panose="02010609060101010101" pitchFamily="49" charset="-122"/>
+              </a:rPr>
+              <a:t>[</a:t>
+            </a:r>
+            <a:r>
+              <a:rPr lang="zh-CN" altLang="en-US" sz="2400" dirty="0">
+                <a:effectLst>
+                  <a:outerShdw blurRad="38100" dist="19050" dir="2700000" algn="tl" rotWithShape="0">
+                    <a:schemeClr val="dk1">
+                      <a:alpha val="40000"/>
+                    </a:schemeClr>
+                  </a:outerShdw>
+                </a:effectLst>
+                <a:latin typeface="仿宋" panose="02010609060101010101" pitchFamily="49" charset="-122"/>
+                <a:ea typeface="仿宋" panose="02010609060101010101" pitchFamily="49" charset="-122"/>
+              </a:rPr>
+              <a:t>分支名</a:t>
+            </a:r>
+            <a:r>
+              <a:rPr lang="en-US" altLang="zh-CN" sz="2400" dirty="0">
+                <a:effectLst>
+                  <a:outerShdw blurRad="38100" dist="19050" dir="2700000" algn="tl" rotWithShape="0">
+                    <a:schemeClr val="dk1">
+                      <a:alpha val="40000"/>
+                    </a:schemeClr>
+                  </a:outerShdw>
+                </a:effectLst>
+                <a:latin typeface="仿宋" panose="02010609060101010101" pitchFamily="49" charset="-122"/>
+                <a:ea typeface="仿宋" panose="02010609060101010101" pitchFamily="49" charset="-122"/>
+              </a:rPr>
+              <a:t>]</a:t>
+            </a:r>
+            <a:r>
+              <a:rPr lang="zh-CN" altLang="en-US" sz="2400" dirty="0">
+                <a:effectLst>
+                  <a:outerShdw blurRad="38100" dist="19050" dir="2700000" algn="tl" rotWithShape="0">
+                    <a:schemeClr val="dk1">
+                      <a:alpha val="40000"/>
+                    </a:schemeClr>
+                  </a:outerShdw>
+                </a:effectLst>
+                <a:latin typeface="仿宋" panose="02010609060101010101" pitchFamily="49" charset="-122"/>
+                <a:ea typeface="仿宋" panose="02010609060101010101" pitchFamily="49" charset="-122"/>
+              </a:rPr>
+              <a:t>分支（如图为从“</a:t>
+            </a:r>
+            <a:r>
+              <a:rPr lang="en-US" altLang="zh-CN" sz="2400" dirty="0">
+                <a:effectLst>
+                  <a:outerShdw blurRad="38100" dist="19050" dir="2700000" algn="tl" rotWithShape="0">
+                    <a:schemeClr val="dk1">
+                      <a:alpha val="40000"/>
+                    </a:schemeClr>
+                  </a:outerShdw>
+                </a:effectLst>
+                <a:latin typeface="仿宋" panose="02010609060101010101" pitchFamily="49" charset="-122"/>
+                <a:ea typeface="仿宋" panose="02010609060101010101" pitchFamily="49" charset="-122"/>
+              </a:rPr>
+              <a:t>01_</a:t>
+            </a:r>
+            <a:r>
+              <a:rPr lang="zh-CN" altLang="en-US" sz="2400" dirty="0">
+                <a:effectLst>
+                  <a:outerShdw blurRad="38100" dist="19050" dir="2700000" algn="tl" rotWithShape="0">
+                    <a:schemeClr val="dk1">
+                      <a:alpha val="40000"/>
+                    </a:schemeClr>
+                  </a:outerShdw>
+                </a:effectLst>
+                <a:latin typeface="仿宋" panose="02010609060101010101" pitchFamily="49" charset="-122"/>
+                <a:ea typeface="仿宋" panose="02010609060101010101" pitchFamily="49" charset="-122"/>
+              </a:rPr>
+              <a:t>作业”切换回</a:t>
+            </a:r>
+            <a:endParaRPr lang="en-US" altLang="zh-CN" sz="2400" dirty="0">
+              <a:effectLst>
+                <a:outerShdw blurRad="38100" dist="19050" dir="2700000" algn="tl" rotWithShape="0">
+                  <a:schemeClr val="dk1">
+                    <a:alpha val="40000"/>
                   </a:schemeClr>
-                </a:solidFill>
-                <a:latin typeface="幼圆" panose="02010509060101010101" pitchFamily="49" charset="-122"/>
-                <a:ea typeface="幼圆" panose="02010509060101010101" pitchFamily="49" charset="-122"/>
-                <a:sym typeface="+mn-ea"/>
-              </a:rPr>
-              <a:t>是当前进行工作的区域，文件修改但未提交，处于已修改状态（</a:t>
+                </a:outerShdw>
+              </a:effectLst>
+              <a:latin typeface="仿宋" panose="02010609060101010101" pitchFamily="49" charset="-122"/>
+              <a:ea typeface="仿宋" panose="02010609060101010101" pitchFamily="49" charset="-122"/>
+            </a:endParaRPr>
+          </a:p>
+          <a:p>
+            <a:r>
+              <a:rPr lang="zh-CN" altLang="en-US" sz="2400" dirty="0">
+                <a:effectLst>
+                  <a:outerShdw blurRad="38100" dist="19050" dir="2700000" algn="tl" rotWithShape="0">
+                    <a:schemeClr val="dk1">
+                      <a:alpha val="40000"/>
+                    </a:schemeClr>
+                  </a:outerShdw>
+                </a:effectLst>
+                <a:latin typeface="仿宋" panose="02010609060101010101" pitchFamily="49" charset="-122"/>
+                <a:ea typeface="仿宋" panose="02010609060101010101" pitchFamily="49" charset="-122"/>
+              </a:rPr>
+              <a:t>分支</a:t>
             </a:r>
             <a:r>
               <a:rPr lang="en-US" altLang="zh-CN" sz="2400" dirty="0">
-                <a:solidFill>
-                  <a:schemeClr val="bg2">
-                    <a:lumMod val="25000"/>
+                <a:effectLst>
+                  <a:outerShdw blurRad="38100" dist="19050" dir="2700000" algn="tl" rotWithShape="0">
+                    <a:schemeClr val="dk1">
+                      <a:alpha val="40000"/>
+                    </a:schemeClr>
+                  </a:outerShdw>
+                </a:effectLst>
+                <a:latin typeface="仿宋" panose="02010609060101010101" pitchFamily="49" charset="-122"/>
+                <a:ea typeface="仿宋" panose="02010609060101010101" pitchFamily="49" charset="-122"/>
+              </a:rPr>
+              <a:t>main</a:t>
+            </a:r>
+            <a:r>
+              <a:rPr lang="zh-CN" altLang="en-US" sz="2400" dirty="0">
+                <a:effectLst>
+                  <a:outerShdw blurRad="38100" dist="19050" dir="2700000" algn="tl" rotWithShape="0">
+                    <a:schemeClr val="dk1">
+                      <a:alpha val="40000"/>
+                    </a:schemeClr>
+                  </a:outerShdw>
+                </a:effectLst>
+                <a:latin typeface="仿宋" panose="02010609060101010101" pitchFamily="49" charset="-122"/>
+                <a:ea typeface="仿宋" panose="02010609060101010101" pitchFamily="49" charset="-122"/>
+              </a:rPr>
+              <a:t>）</a:t>
+            </a:r>
+            <a:endParaRPr lang="en-US" altLang="zh-CN" sz="2400" dirty="0">
+              <a:effectLst>
+                <a:outerShdw blurRad="38100" dist="19050" dir="2700000" algn="tl" rotWithShape="0">
+                  <a:schemeClr val="dk1">
+                    <a:alpha val="40000"/>
                   </a:schemeClr>
-                </a:solidFill>
-                <a:latin typeface="幼圆" panose="02010509060101010101" pitchFamily="49" charset="-122"/>
-                <a:ea typeface="幼圆" panose="02010509060101010101" pitchFamily="49" charset="-122"/>
-                <a:sym typeface="+mn-ea"/>
-              </a:rPr>
-              <a:t>modified</a:t>
-            </a:r>
-            <a:r>
-              <a:rPr lang="zh-CN" altLang="en-US" sz="2400" dirty="0">
-                <a:solidFill>
-                  <a:schemeClr val="bg2">
-                    <a:lumMod val="25000"/>
+                </a:outerShdw>
+              </a:effectLst>
+              <a:latin typeface="仿宋" panose="02010609060101010101" pitchFamily="49" charset="-122"/>
+              <a:ea typeface="仿宋" panose="02010609060101010101" pitchFamily="49" charset="-122"/>
+            </a:endParaRPr>
+          </a:p>
+          <a:p>
+            <a:r>
+              <a:rPr lang="en-US" altLang="zh-CN" sz="2400" b="1" dirty="0">
+                <a:effectLst>
+                  <a:outerShdw blurRad="38100" dist="19050" dir="2700000" algn="tl" rotWithShape="0">
+                    <a:schemeClr val="dk1">
+                      <a:alpha val="40000"/>
+                    </a:schemeClr>
+                  </a:outerShdw>
+                </a:effectLst>
+                <a:latin typeface="仿宋" panose="02010609060101010101" pitchFamily="49" charset="-122"/>
+                <a:ea typeface="仿宋" panose="02010609060101010101" pitchFamily="49" charset="-122"/>
+              </a:rPr>
+              <a:t>git checkout [</a:t>
+            </a:r>
+            <a:r>
+              <a:rPr lang="zh-CN" altLang="en-US" sz="2400" b="1" dirty="0">
+                <a:effectLst>
+                  <a:outerShdw blurRad="38100" dist="19050" dir="2700000" algn="tl" rotWithShape="0">
+                    <a:schemeClr val="dk1">
+                      <a:alpha val="40000"/>
+                    </a:schemeClr>
+                  </a:outerShdw>
+                </a:effectLst>
+                <a:latin typeface="仿宋" panose="02010609060101010101" pitchFamily="49" charset="-122"/>
+                <a:ea typeface="仿宋" panose="02010609060101010101" pitchFamily="49" charset="-122"/>
+              </a:rPr>
+              <a:t>分支名</a:t>
+            </a:r>
+            <a:r>
+              <a:rPr lang="en-US" altLang="zh-CN" sz="2400" b="1" dirty="0">
+                <a:effectLst>
+                  <a:outerShdw blurRad="38100" dist="19050" dir="2700000" algn="tl" rotWithShape="0">
+                    <a:schemeClr val="dk1">
+                      <a:alpha val="40000"/>
+                    </a:schemeClr>
+                  </a:outerShdw>
+                </a:effectLst>
+                <a:latin typeface="仿宋" panose="02010609060101010101" pitchFamily="49" charset="-122"/>
+                <a:ea typeface="仿宋" panose="02010609060101010101" pitchFamily="49" charset="-122"/>
+              </a:rPr>
+              <a:t>]</a:t>
+            </a:r>
+            <a:endParaRPr lang="zh-CN" altLang="en-US" sz="2400" b="1" dirty="0">
+              <a:effectLst>
+                <a:outerShdw blurRad="38100" dist="19050" dir="2700000" algn="tl" rotWithShape="0">
+                  <a:schemeClr val="dk1">
+                    <a:alpha val="40000"/>
                   </a:schemeClr>
-                </a:solidFill>
-                <a:latin typeface="幼圆" panose="02010509060101010101" pitchFamily="49" charset="-122"/>
-                <a:ea typeface="幼圆" panose="02010509060101010101" pitchFamily="49" charset="-122"/>
-                <a:sym typeface="+mn-ea"/>
-              </a:rPr>
-              <a:t>）；</a:t>
-            </a:r>
-            <a:endParaRPr lang="en-US" altLang="zh-CN" sz="2400" dirty="0">
-              <a:solidFill>
-                <a:schemeClr val="bg2">
-                  <a:lumMod val="25000"/>
-                </a:schemeClr>
-              </a:solidFill>
-              <a:latin typeface="幼圆" panose="02010509060101010101" pitchFamily="49" charset="-122"/>
-              <a:ea typeface="幼圆" panose="02010509060101010101" pitchFamily="49" charset="-122"/>
-              <a:sym typeface="+mn-ea"/>
+                </a:outerShdw>
+              </a:effectLst>
+              <a:latin typeface="仿宋" panose="02010609060101010101" pitchFamily="49" charset="-122"/>
+              <a:ea typeface="仿宋" panose="02010609060101010101" pitchFamily="49" charset="-122"/>
             </a:endParaRPr>
-          </a:p>
-          <a:p>
-            <a:pPr algn="just">
-              <a:spcAft>
-                <a:spcPts val="0"/>
-              </a:spcAft>
-            </a:pPr>
-            <a:r>
-              <a:rPr lang="zh-CN" altLang="en-US" sz="2400" b="1" dirty="0">
-                <a:solidFill>
-                  <a:schemeClr val="bg2">
-                    <a:lumMod val="25000"/>
-                  </a:schemeClr>
-                </a:solidFill>
-                <a:latin typeface="幼圆" panose="02010509060101010101" pitchFamily="49" charset="-122"/>
-                <a:ea typeface="幼圆" panose="02010509060101010101" pitchFamily="49" charset="-122"/>
-                <a:sym typeface="+mn-ea"/>
-              </a:rPr>
-              <a:t>暂存区域</a:t>
-            </a:r>
-            <a:r>
-              <a:rPr lang="zh-CN" altLang="en-US" sz="2400" dirty="0">
-                <a:solidFill>
-                  <a:schemeClr val="bg2">
-                    <a:lumMod val="25000"/>
-                  </a:schemeClr>
-                </a:solidFill>
-                <a:latin typeface="幼圆" panose="02010509060101010101" pitchFamily="49" charset="-122"/>
-                <a:ea typeface="幼圆" panose="02010509060101010101" pitchFamily="49" charset="-122"/>
-                <a:sym typeface="+mn-ea"/>
-              </a:rPr>
-              <a:t>是运行</a:t>
-            </a:r>
-            <a:r>
-              <a:rPr lang="en-US" altLang="zh-CN" sz="2400" dirty="0">
-                <a:solidFill>
-                  <a:schemeClr val="bg2">
-                    <a:lumMod val="25000"/>
-                  </a:schemeClr>
-                </a:solidFill>
-                <a:latin typeface="幼圆" panose="02010509060101010101" pitchFamily="49" charset="-122"/>
-                <a:ea typeface="幼圆" panose="02010509060101010101" pitchFamily="49" charset="-122"/>
-                <a:sym typeface="+mn-ea"/>
-              </a:rPr>
-              <a:t>git add</a:t>
-            </a:r>
-            <a:r>
-              <a:rPr lang="zh-CN" altLang="en-US" sz="2400" dirty="0">
-                <a:solidFill>
-                  <a:schemeClr val="bg2">
-                    <a:lumMod val="25000"/>
-                  </a:schemeClr>
-                </a:solidFill>
-                <a:latin typeface="幼圆" panose="02010509060101010101" pitchFamily="49" charset="-122"/>
-                <a:ea typeface="幼圆" panose="02010509060101010101" pitchFamily="49" charset="-122"/>
-                <a:sym typeface="+mn-ea"/>
-              </a:rPr>
-              <a:t>命令后文件保存的区域，也就是下次提交要保存的文件，文件处于已暂存状态（</a:t>
-            </a:r>
-            <a:r>
-              <a:rPr lang="en-US" altLang="zh-CN" sz="2400" dirty="0">
-                <a:solidFill>
-                  <a:schemeClr val="bg2">
-                    <a:lumMod val="25000"/>
-                  </a:schemeClr>
-                </a:solidFill>
-                <a:latin typeface="幼圆" panose="02010509060101010101" pitchFamily="49" charset="-122"/>
-                <a:ea typeface="幼圆" panose="02010509060101010101" pitchFamily="49" charset="-122"/>
-                <a:sym typeface="+mn-ea"/>
-              </a:rPr>
-              <a:t>staged</a:t>
-            </a:r>
-            <a:r>
-              <a:rPr lang="zh-CN" altLang="en-US" sz="2400" dirty="0">
-                <a:solidFill>
-                  <a:schemeClr val="bg2">
-                    <a:lumMod val="25000"/>
-                  </a:schemeClr>
-                </a:solidFill>
-                <a:latin typeface="幼圆" panose="02010509060101010101" pitchFamily="49" charset="-122"/>
-                <a:ea typeface="幼圆" panose="02010509060101010101" pitchFamily="49" charset="-122"/>
-                <a:sym typeface="+mn-ea"/>
-              </a:rPr>
-              <a:t>）；</a:t>
-            </a:r>
-            <a:endParaRPr lang="en-US" altLang="zh-CN" sz="2400" dirty="0">
-              <a:solidFill>
-                <a:schemeClr val="bg2">
-                  <a:lumMod val="25000"/>
-                </a:schemeClr>
-              </a:solidFill>
-              <a:latin typeface="幼圆" panose="02010509060101010101" pitchFamily="49" charset="-122"/>
-              <a:ea typeface="幼圆" panose="02010509060101010101" pitchFamily="49" charset="-122"/>
-              <a:sym typeface="+mn-ea"/>
-            </a:endParaRPr>
-          </a:p>
-          <a:p>
-            <a:pPr algn="just">
-              <a:spcAft>
-                <a:spcPts val="0"/>
-              </a:spcAft>
-            </a:pPr>
-            <a:r>
-              <a:rPr lang="zh-CN" altLang="en-US" sz="2400" dirty="0">
-                <a:solidFill>
-                  <a:schemeClr val="bg2">
-                    <a:lumMod val="25000"/>
-                  </a:schemeClr>
-                </a:solidFill>
-                <a:latin typeface="幼圆" panose="02010509060101010101" pitchFamily="49" charset="-122"/>
-                <a:ea typeface="幼圆" panose="02010509060101010101" pitchFamily="49" charset="-122"/>
-                <a:sym typeface="+mn-ea"/>
-              </a:rPr>
-              <a:t>本地仓库即版本库，记录了工程提交的完整状态和内容，文件处于已提交状态（</a:t>
-            </a:r>
-            <a:r>
-              <a:rPr lang="en-US" altLang="zh-CN" sz="2400" dirty="0">
-                <a:solidFill>
-                  <a:schemeClr val="bg2">
-                    <a:lumMod val="25000"/>
-                  </a:schemeClr>
-                </a:solidFill>
-                <a:latin typeface="幼圆" panose="02010509060101010101" pitchFamily="49" charset="-122"/>
-                <a:ea typeface="幼圆" panose="02010509060101010101" pitchFamily="49" charset="-122"/>
-                <a:sym typeface="+mn-ea"/>
-              </a:rPr>
-              <a:t>committed</a:t>
-            </a:r>
-            <a:r>
-              <a:rPr lang="zh-CN" altLang="en-US" sz="2400" dirty="0">
-                <a:solidFill>
-                  <a:schemeClr val="bg2">
-                    <a:lumMod val="25000"/>
-                  </a:schemeClr>
-                </a:solidFill>
-                <a:latin typeface="幼圆" panose="02010509060101010101" pitchFamily="49" charset="-122"/>
-                <a:ea typeface="幼圆" panose="02010509060101010101" pitchFamily="49" charset="-122"/>
-                <a:sym typeface="+mn-ea"/>
-              </a:rPr>
-              <a:t>）。</a:t>
-            </a:r>
           </a:p>
         </p:txBody>
       </p:sp>
-      <p:pic>
-        <p:nvPicPr>
-          <p:cNvPr id="3" name="图片 2"/>
-          <p:cNvPicPr/>
-          <p:nvPr/>
-        </p:nvPicPr>
-        <p:blipFill>
-          <a:blip r:embed="rId3"/>
-          <a:stretch>
-            <a:fillRect/>
-          </a:stretch>
-        </p:blipFill>
-        <p:spPr>
-          <a:xfrm>
-            <a:off x="2628164" y="3352800"/>
-            <a:ext cx="7325734" cy="3866898"/>
-          </a:xfrm>
-          <a:prstGeom prst="rect">
-            <a:avLst/>
-          </a:prstGeom>
-        </p:spPr>
-      </p:pic>
     </p:spTree>
+    <p:extLst>
+      <p:ext uri="{BB962C8B-B14F-4D97-AF65-F5344CB8AC3E}">
+        <p14:creationId xmlns:p14="http://schemas.microsoft.com/office/powerpoint/2010/main" val="1075589896"/>
+      </p:ext>
+    </p:extLst>
   </p:cSld>
   <p:clrMapOvr>
     <a:masterClrMapping/>
@@ -6761,78 +7139,14 @@
       </p:grpSpPr>
       <p:sp>
         <p:nvSpPr>
-          <p:cNvPr id="2" name="标题 1">
-            <a:extLst>
-              <a:ext uri="{FF2B5EF4-FFF2-40B4-BE49-F238E27FC236}">
-                <a16:creationId xmlns:a16="http://schemas.microsoft.com/office/drawing/2014/main" id="{D102C466-9575-4FE1-A644-4AF8DC4D1201}"/>
-              </a:ext>
-            </a:extLst>
-          </p:cNvPr>
-          <p:cNvSpPr>
-            <a:spLocks noGrp="1"/>
-          </p:cNvSpPr>
-          <p:nvPr>
-            <p:ph type="title"/>
-          </p:nvPr>
-        </p:nvSpPr>
-        <p:spPr/>
-        <p:txBody>
-          <a:bodyPr/>
-          <a:lstStyle/>
-          <a:p>
-            <a:r>
-              <a:rPr lang="zh-CN" altLang="en-US" dirty="0"/>
-              <a:t>分支切换</a:t>
-            </a:r>
-          </a:p>
-        </p:txBody>
-      </p:sp>
-      <p:pic>
-        <p:nvPicPr>
-          <p:cNvPr id="4" name="图片 3">
-            <a:extLst>
-              <a:ext uri="{FF2B5EF4-FFF2-40B4-BE49-F238E27FC236}">
-                <a16:creationId xmlns:a16="http://schemas.microsoft.com/office/drawing/2014/main" id="{926F3D65-581B-4D10-A039-3483ABE9CFE3}"/>
-              </a:ext>
-            </a:extLst>
-          </p:cNvPr>
-          <p:cNvPicPr>
-            <a:picLocks noChangeAspect="1"/>
-          </p:cNvPicPr>
-          <p:nvPr/>
-        </p:nvPicPr>
-        <p:blipFill>
-          <a:blip r:embed="rId2"/>
-          <a:stretch>
-            <a:fillRect/>
-          </a:stretch>
-        </p:blipFill>
-        <p:spPr>
-          <a:xfrm>
-            <a:off x="5531951" y="274638"/>
-            <a:ext cx="8563610" cy="5590134"/>
-          </a:xfrm>
-          <a:prstGeom prst="rect">
-            <a:avLst/>
-          </a:prstGeom>
-        </p:spPr>
-      </p:pic>
-      <p:sp>
-        <p:nvSpPr>
-          <p:cNvPr id="5" name="文本框 4">
-            <a:extLst>
-              <a:ext uri="{FF2B5EF4-FFF2-40B4-BE49-F238E27FC236}">
-                <a16:creationId xmlns:a16="http://schemas.microsoft.com/office/drawing/2014/main" id="{171425C2-44F0-4E9A-8A8A-D1123FD1CFC8}"/>
-              </a:ext>
-            </a:extLst>
-          </p:cNvPr>
-          <p:cNvSpPr txBox="1"/>
+          <p:cNvPr id="5" name="矩形 4"/>
+          <p:cNvSpPr/>
           <p:nvPr/>
         </p:nvSpPr>
         <p:spPr>
           <a:xfrm>
-            <a:off x="436179" y="1340457"/>
-            <a:ext cx="4656083" cy="4893647"/>
+            <a:off x="997585" y="716280"/>
+            <a:ext cx="10717530" cy="2739211"/>
           </a:xfrm>
           <a:prstGeom prst="rect">
             <a:avLst/>
@@ -6840,592 +7154,278 @@
           <a:noFill/>
         </p:spPr>
         <p:txBody>
-          <a:bodyPr wrap="square" rtlCol="0">
+          <a:bodyPr vert="horz" wrap="square" rtlCol="0">
             <a:spAutoFit/>
           </a:bodyPr>
           <a:lstStyle/>
           <a:p>
+            <a:pPr algn="just">
+              <a:spcAft>
+                <a:spcPts val="0"/>
+              </a:spcAft>
+            </a:pPr>
+            <a:r>
+              <a:rPr lang="en-US" altLang="zh-CN" sz="2800" dirty="0">
+                <a:solidFill>
+                  <a:schemeClr val="bg2">
+                    <a:lumMod val="25000"/>
+                  </a:schemeClr>
+                </a:solidFill>
+                <a:latin typeface="幼圆" panose="02010509060101010101" pitchFamily="49" charset="-122"/>
+                <a:ea typeface="幼圆" panose="02010509060101010101" pitchFamily="49" charset="-122"/>
+                <a:sym typeface="+mn-ea"/>
+              </a:rPr>
+              <a:t>Git</a:t>
+            </a:r>
+            <a:r>
+              <a:rPr lang="zh-CN" altLang="en-US" sz="2800" dirty="0">
+                <a:solidFill>
+                  <a:schemeClr val="bg2">
+                    <a:lumMod val="25000"/>
+                  </a:schemeClr>
+                </a:solidFill>
+                <a:latin typeface="幼圆" panose="02010509060101010101" pitchFamily="49" charset="-122"/>
+                <a:ea typeface="幼圆" panose="02010509060101010101" pitchFamily="49" charset="-122"/>
+                <a:sym typeface="+mn-ea"/>
+              </a:rPr>
+              <a:t>有三个工作区域，分别是工作目录、暂存区域和本地仓库。</a:t>
+            </a:r>
+          </a:p>
+          <a:p>
+            <a:pPr algn="just">
+              <a:spcAft>
+                <a:spcPts val="0"/>
+              </a:spcAft>
+            </a:pPr>
+            <a:r>
+              <a:rPr lang="zh-CN" altLang="en-US" sz="2400" b="1" dirty="0">
+                <a:solidFill>
+                  <a:schemeClr val="bg2">
+                    <a:lumMod val="25000"/>
+                  </a:schemeClr>
+                </a:solidFill>
+                <a:latin typeface="幼圆" panose="02010509060101010101" pitchFamily="49" charset="-122"/>
+                <a:ea typeface="幼圆" panose="02010509060101010101" pitchFamily="49" charset="-122"/>
+                <a:sym typeface="+mn-ea"/>
+              </a:rPr>
+              <a:t>工作目录</a:t>
+            </a:r>
+            <a:r>
+              <a:rPr lang="zh-CN" altLang="en-US" sz="2400" dirty="0">
+                <a:solidFill>
+                  <a:schemeClr val="bg2">
+                    <a:lumMod val="25000"/>
+                  </a:schemeClr>
+                </a:solidFill>
+                <a:latin typeface="幼圆" panose="02010509060101010101" pitchFamily="49" charset="-122"/>
+                <a:ea typeface="幼圆" panose="02010509060101010101" pitchFamily="49" charset="-122"/>
+                <a:sym typeface="+mn-ea"/>
+              </a:rPr>
+              <a:t>是当前进行工作的区域，文件修改但未提交，处于已修改状态（</a:t>
+            </a:r>
             <a:r>
               <a:rPr lang="en-US" altLang="zh-CN" sz="2400" dirty="0">
-                <a:effectLst>
-                  <a:outerShdw blurRad="38100" dist="19050" dir="2700000" algn="tl" rotWithShape="0">
-                    <a:schemeClr val="dk1">
-                      <a:alpha val="40000"/>
-                    </a:schemeClr>
-                  </a:outerShdw>
-                </a:effectLst>
-                <a:latin typeface="仿宋" panose="02010609060101010101" pitchFamily="49" charset="-122"/>
-                <a:ea typeface="仿宋" panose="02010609060101010101" pitchFamily="49" charset="-122"/>
-              </a:rPr>
-              <a:t>1.</a:t>
+                <a:solidFill>
+                  <a:schemeClr val="bg2">
+                    <a:lumMod val="25000"/>
+                  </a:schemeClr>
+                </a:solidFill>
+                <a:latin typeface="幼圆" panose="02010509060101010101" pitchFamily="49" charset="-122"/>
+                <a:ea typeface="幼圆" panose="02010509060101010101" pitchFamily="49" charset="-122"/>
+                <a:sym typeface="+mn-ea"/>
+              </a:rPr>
+              <a:t>modified</a:t>
             </a:r>
             <a:r>
               <a:rPr lang="zh-CN" altLang="en-US" sz="2400" dirty="0">
-                <a:effectLst>
-                  <a:outerShdw blurRad="38100" dist="19050" dir="2700000" algn="tl" rotWithShape="0">
-                    <a:schemeClr val="dk1">
-                      <a:alpha val="40000"/>
-                    </a:schemeClr>
-                  </a:outerShdw>
-                </a:effectLst>
-                <a:latin typeface="仿宋" panose="02010609060101010101" pitchFamily="49" charset="-122"/>
-                <a:ea typeface="仿宋" panose="02010609060101010101" pitchFamily="49" charset="-122"/>
-              </a:rPr>
-              <a:t>查看该项目的所有</a:t>
+                <a:solidFill>
+                  <a:schemeClr val="bg2">
+                    <a:lumMod val="25000"/>
+                  </a:schemeClr>
+                </a:solidFill>
+                <a:latin typeface="幼圆" panose="02010509060101010101" pitchFamily="49" charset="-122"/>
+                <a:ea typeface="幼圆" panose="02010509060101010101" pitchFamily="49" charset="-122"/>
+                <a:sym typeface="+mn-ea"/>
+              </a:rPr>
+              <a:t>）；</a:t>
+            </a:r>
+            <a:endParaRPr lang="en-US" altLang="zh-CN" sz="2400" dirty="0">
+              <a:solidFill>
+                <a:schemeClr val="bg2">
+                  <a:lumMod val="25000"/>
+                </a:schemeClr>
+              </a:solidFill>
+              <a:latin typeface="幼圆" panose="02010509060101010101" pitchFamily="49" charset="-122"/>
+              <a:ea typeface="幼圆" panose="02010509060101010101" pitchFamily="49" charset="-122"/>
+              <a:sym typeface="+mn-ea"/>
+            </a:endParaRPr>
+          </a:p>
+          <a:p>
+            <a:pPr algn="just">
+              <a:spcAft>
+                <a:spcPts val="0"/>
+              </a:spcAft>
+            </a:pPr>
+            <a:r>
+              <a:rPr lang="zh-CN" altLang="en-US" sz="2400" b="1" dirty="0">
+                <a:solidFill>
+                  <a:schemeClr val="bg2">
+                    <a:lumMod val="25000"/>
+                  </a:schemeClr>
+                </a:solidFill>
+                <a:latin typeface="幼圆" panose="02010509060101010101" pitchFamily="49" charset="-122"/>
+                <a:ea typeface="幼圆" panose="02010509060101010101" pitchFamily="49" charset="-122"/>
+                <a:sym typeface="+mn-ea"/>
+              </a:rPr>
+              <a:t>暂存区域</a:t>
+            </a:r>
+            <a:r>
+              <a:rPr lang="zh-CN" altLang="en-US" sz="2400" dirty="0">
+                <a:solidFill>
+                  <a:schemeClr val="bg2">
+                    <a:lumMod val="25000"/>
+                  </a:schemeClr>
+                </a:solidFill>
+                <a:latin typeface="幼圆" panose="02010509060101010101" pitchFamily="49" charset="-122"/>
+                <a:ea typeface="幼圆" panose="02010509060101010101" pitchFamily="49" charset="-122"/>
+                <a:sym typeface="+mn-ea"/>
+              </a:rPr>
+              <a:t>是运行</a:t>
             </a:r>
             <a:r>
               <a:rPr lang="en-US" altLang="zh-CN" sz="2400" dirty="0">
-                <a:effectLst>
-                  <a:outerShdw blurRad="38100" dist="19050" dir="2700000" algn="tl" rotWithShape="0">
-                    <a:schemeClr val="dk1">
-                      <a:alpha val="40000"/>
-                    </a:schemeClr>
-                  </a:outerShdw>
-                </a:effectLst>
-                <a:latin typeface="仿宋" panose="02010609060101010101" pitchFamily="49" charset="-122"/>
-                <a:ea typeface="仿宋" panose="02010609060101010101" pitchFamily="49" charset="-122"/>
-              </a:rPr>
-              <a:t>tag</a:t>
-            </a:r>
-          </a:p>
-          <a:p>
-            <a:r>
-              <a:rPr lang="en-US" altLang="zh-CN" sz="2400" b="1" dirty="0">
-                <a:effectLst>
-                  <a:outerShdw blurRad="38100" dist="19050" dir="2700000" algn="tl" rotWithShape="0">
-                    <a:schemeClr val="dk1">
-                      <a:alpha val="40000"/>
-                    </a:schemeClr>
-                  </a:outerShdw>
-                </a:effectLst>
-                <a:latin typeface="仿宋" panose="02010609060101010101" pitchFamily="49" charset="-122"/>
-                <a:ea typeface="仿宋" panose="02010609060101010101" pitchFamily="49" charset="-122"/>
-              </a:rPr>
-              <a:t>git tag</a:t>
-            </a:r>
-          </a:p>
-          <a:p>
+                <a:solidFill>
+                  <a:schemeClr val="bg2">
+                    <a:lumMod val="25000"/>
+                  </a:schemeClr>
+                </a:solidFill>
+                <a:latin typeface="幼圆" panose="02010509060101010101" pitchFamily="49" charset="-122"/>
+                <a:ea typeface="幼圆" panose="02010509060101010101" pitchFamily="49" charset="-122"/>
+                <a:sym typeface="+mn-ea"/>
+              </a:rPr>
+              <a:t>git add</a:t>
+            </a:r>
+            <a:r>
+              <a:rPr lang="zh-CN" altLang="en-US" sz="2400" dirty="0">
+                <a:solidFill>
+                  <a:schemeClr val="bg2">
+                    <a:lumMod val="25000"/>
+                  </a:schemeClr>
+                </a:solidFill>
+                <a:latin typeface="幼圆" panose="02010509060101010101" pitchFamily="49" charset="-122"/>
+                <a:ea typeface="幼圆" panose="02010509060101010101" pitchFamily="49" charset="-122"/>
+                <a:sym typeface="+mn-ea"/>
+              </a:rPr>
+              <a:t>命令后文件保存的区域，也就是下次提交要保存的文件，文件处于已暂存状态（</a:t>
+            </a:r>
+            <a:r>
+              <a:rPr lang="en-US" altLang="zh-CN" sz="2400" dirty="0">
+                <a:solidFill>
+                  <a:schemeClr val="bg2">
+                    <a:lumMod val="25000"/>
+                  </a:schemeClr>
+                </a:solidFill>
+                <a:latin typeface="幼圆" panose="02010509060101010101" pitchFamily="49" charset="-122"/>
+                <a:ea typeface="幼圆" panose="02010509060101010101" pitchFamily="49" charset="-122"/>
+                <a:sym typeface="+mn-ea"/>
+              </a:rPr>
+              <a:t>staged</a:t>
+            </a:r>
+            <a:r>
+              <a:rPr lang="zh-CN" altLang="en-US" sz="2400" dirty="0">
+                <a:solidFill>
+                  <a:schemeClr val="bg2">
+                    <a:lumMod val="25000"/>
+                  </a:schemeClr>
+                </a:solidFill>
+                <a:latin typeface="幼圆" panose="02010509060101010101" pitchFamily="49" charset="-122"/>
+                <a:ea typeface="幼圆" panose="02010509060101010101" pitchFamily="49" charset="-122"/>
+                <a:sym typeface="+mn-ea"/>
+              </a:rPr>
+              <a:t>）；</a:t>
+            </a:r>
             <a:endParaRPr lang="en-US" altLang="zh-CN" sz="2400" dirty="0">
-              <a:effectLst>
-                <a:outerShdw blurRad="38100" dist="19050" dir="2700000" algn="tl" rotWithShape="0">
-                  <a:schemeClr val="dk1">
-                    <a:alpha val="40000"/>
+              <a:solidFill>
+                <a:schemeClr val="bg2">
+                  <a:lumMod val="25000"/>
+                </a:schemeClr>
+              </a:solidFill>
+              <a:latin typeface="幼圆" panose="02010509060101010101" pitchFamily="49" charset="-122"/>
+              <a:ea typeface="幼圆" panose="02010509060101010101" pitchFamily="49" charset="-122"/>
+              <a:sym typeface="+mn-ea"/>
+            </a:endParaRPr>
+          </a:p>
+          <a:p>
+            <a:pPr algn="just">
+              <a:spcAft>
+                <a:spcPts val="0"/>
+              </a:spcAft>
+            </a:pPr>
+            <a:r>
+              <a:rPr lang="zh-CN" altLang="en-US" sz="2400" dirty="0">
+                <a:solidFill>
+                  <a:schemeClr val="bg2">
+                    <a:lumMod val="25000"/>
                   </a:schemeClr>
-                </a:outerShdw>
-              </a:effectLst>
-              <a:latin typeface="仿宋" panose="02010609060101010101" pitchFamily="49" charset="-122"/>
-              <a:ea typeface="仿宋" panose="02010609060101010101" pitchFamily="49" charset="-122"/>
-            </a:endParaRPr>
-          </a:p>
-          <a:p>
+                </a:solidFill>
+                <a:latin typeface="幼圆" panose="02010509060101010101" pitchFamily="49" charset="-122"/>
+                <a:ea typeface="幼圆" panose="02010509060101010101" pitchFamily="49" charset="-122"/>
+                <a:sym typeface="+mn-ea"/>
+              </a:rPr>
+              <a:t>本地仓库即版本库，记录了工程提交的完整状态和内容，文件处于已提交状态（</a:t>
+            </a:r>
             <a:r>
               <a:rPr lang="en-US" altLang="zh-CN" sz="2400" dirty="0">
-                <a:effectLst>
-                  <a:outerShdw blurRad="38100" dist="19050" dir="2700000" algn="tl" rotWithShape="0">
-                    <a:schemeClr val="dk1">
-                      <a:alpha val="40000"/>
-                    </a:schemeClr>
-                  </a:outerShdw>
-                </a:effectLst>
-                <a:latin typeface="仿宋" panose="02010609060101010101" pitchFamily="49" charset="-122"/>
-                <a:ea typeface="仿宋" panose="02010609060101010101" pitchFamily="49" charset="-122"/>
-              </a:rPr>
-              <a:t>2.</a:t>
+                <a:solidFill>
+                  <a:schemeClr val="bg2">
+                    <a:lumMod val="25000"/>
+                  </a:schemeClr>
+                </a:solidFill>
+                <a:latin typeface="幼圆" panose="02010509060101010101" pitchFamily="49" charset="-122"/>
+                <a:ea typeface="幼圆" panose="02010509060101010101" pitchFamily="49" charset="-122"/>
+                <a:sym typeface="+mn-ea"/>
+              </a:rPr>
+              <a:t>committed</a:t>
             </a:r>
             <a:r>
               <a:rPr lang="zh-CN" altLang="en-US" sz="2400" dirty="0">
-                <a:effectLst>
-                  <a:outerShdw blurRad="38100" dist="19050" dir="2700000" algn="tl" rotWithShape="0">
-                    <a:schemeClr val="dk1">
-                      <a:alpha val="40000"/>
-                    </a:schemeClr>
-                  </a:outerShdw>
-                </a:effectLst>
-                <a:latin typeface="仿宋" panose="02010609060101010101" pitchFamily="49" charset="-122"/>
-                <a:ea typeface="仿宋" panose="02010609060101010101" pitchFamily="49" charset="-122"/>
-              </a:rPr>
-              <a:t>切换到</a:t>
-            </a:r>
-            <a:r>
-              <a:rPr lang="en-US" altLang="zh-CN" sz="2400" dirty="0">
-                <a:effectLst>
-                  <a:outerShdw blurRad="38100" dist="19050" dir="2700000" algn="tl" rotWithShape="0">
-                    <a:schemeClr val="dk1">
-                      <a:alpha val="40000"/>
-                    </a:schemeClr>
-                  </a:outerShdw>
-                </a:effectLst>
-                <a:latin typeface="仿宋" panose="02010609060101010101" pitchFamily="49" charset="-122"/>
-                <a:ea typeface="仿宋" panose="02010609060101010101" pitchFamily="49" charset="-122"/>
-              </a:rPr>
-              <a:t>tag</a:t>
-            </a:r>
-            <a:r>
-              <a:rPr lang="zh-CN" altLang="en-US" sz="2400" dirty="0">
-                <a:effectLst>
-                  <a:outerShdw blurRad="38100" dist="19050" dir="2700000" algn="tl" rotWithShape="0">
-                    <a:schemeClr val="dk1">
-                      <a:alpha val="40000"/>
-                    </a:schemeClr>
-                  </a:outerShdw>
-                </a:effectLst>
-                <a:latin typeface="仿宋" panose="02010609060101010101" pitchFamily="49" charset="-122"/>
-                <a:ea typeface="仿宋" panose="02010609060101010101" pitchFamily="49" charset="-122"/>
-              </a:rPr>
-              <a:t>名为</a:t>
-            </a:r>
-            <a:r>
-              <a:rPr lang="en-US" altLang="zh-CN" sz="2400" dirty="0">
-                <a:effectLst>
-                  <a:outerShdw blurRad="38100" dist="19050" dir="2700000" algn="tl" rotWithShape="0">
-                    <a:schemeClr val="dk1">
-                      <a:alpha val="40000"/>
-                    </a:schemeClr>
-                  </a:outerShdw>
-                </a:effectLst>
-                <a:latin typeface="仿宋" panose="02010609060101010101" pitchFamily="49" charset="-122"/>
-                <a:ea typeface="仿宋" panose="02010609060101010101" pitchFamily="49" charset="-122"/>
-              </a:rPr>
-              <a:t>[tag</a:t>
-            </a:r>
-            <a:r>
-              <a:rPr lang="zh-CN" altLang="en-US" sz="2400" dirty="0">
-                <a:effectLst>
-                  <a:outerShdw blurRad="38100" dist="19050" dir="2700000" algn="tl" rotWithShape="0">
-                    <a:schemeClr val="dk1">
-                      <a:alpha val="40000"/>
-                    </a:schemeClr>
-                  </a:outerShdw>
-                </a:effectLst>
-                <a:latin typeface="仿宋" panose="02010609060101010101" pitchFamily="49" charset="-122"/>
-                <a:ea typeface="仿宋" panose="02010609060101010101" pitchFamily="49" charset="-122"/>
-              </a:rPr>
-              <a:t>名</a:t>
-            </a:r>
-            <a:r>
-              <a:rPr lang="en-US" altLang="zh-CN" sz="2400" dirty="0">
-                <a:effectLst>
-                  <a:outerShdw blurRad="38100" dist="19050" dir="2700000" algn="tl" rotWithShape="0">
-                    <a:schemeClr val="dk1">
-                      <a:alpha val="40000"/>
-                    </a:schemeClr>
-                  </a:outerShdw>
-                </a:effectLst>
-                <a:latin typeface="仿宋" panose="02010609060101010101" pitchFamily="49" charset="-122"/>
-                <a:ea typeface="仿宋" panose="02010609060101010101" pitchFamily="49" charset="-122"/>
-              </a:rPr>
-              <a:t>]</a:t>
-            </a:r>
-            <a:r>
-              <a:rPr lang="zh-CN" altLang="en-US" sz="2400" dirty="0">
-                <a:effectLst>
-                  <a:outerShdw blurRad="38100" dist="19050" dir="2700000" algn="tl" rotWithShape="0">
-                    <a:schemeClr val="dk1">
-                      <a:alpha val="40000"/>
-                    </a:schemeClr>
-                  </a:outerShdw>
-                </a:effectLst>
-                <a:latin typeface="仿宋" panose="02010609060101010101" pitchFamily="49" charset="-122"/>
-                <a:ea typeface="仿宋" panose="02010609060101010101" pitchFamily="49" charset="-122"/>
-              </a:rPr>
-              <a:t>的标签下（如图为切换到</a:t>
-            </a:r>
-            <a:r>
-              <a:rPr lang="en-US" altLang="zh-CN" sz="2400" dirty="0">
-                <a:effectLst>
-                  <a:outerShdw blurRad="38100" dist="19050" dir="2700000" algn="tl" rotWithShape="0">
-                    <a:schemeClr val="dk1">
-                      <a:alpha val="40000"/>
-                    </a:schemeClr>
-                  </a:outerShdw>
-                </a:effectLst>
-                <a:latin typeface="仿宋" panose="02010609060101010101" pitchFamily="49" charset="-122"/>
-                <a:ea typeface="仿宋" panose="02010609060101010101" pitchFamily="49" charset="-122"/>
-              </a:rPr>
-              <a:t>tag</a:t>
-            </a:r>
-            <a:r>
-              <a:rPr lang="zh-CN" altLang="en-US" sz="2400" dirty="0">
-                <a:effectLst>
-                  <a:outerShdw blurRad="38100" dist="19050" dir="2700000" algn="tl" rotWithShape="0">
-                    <a:schemeClr val="dk1">
-                      <a:alpha val="40000"/>
-                    </a:schemeClr>
-                  </a:outerShdw>
-                </a:effectLst>
-                <a:latin typeface="仿宋" panose="02010609060101010101" pitchFamily="49" charset="-122"/>
-                <a:ea typeface="仿宋" panose="02010609060101010101" pitchFamily="49" charset="-122"/>
-              </a:rPr>
-              <a:t>名</a:t>
-            </a:r>
-            <a:r>
-              <a:rPr lang="en-US" altLang="zh-CN" sz="2400" dirty="0">
-                <a:effectLst>
-                  <a:outerShdw blurRad="38100" dist="19050" dir="2700000" algn="tl" rotWithShape="0">
-                    <a:schemeClr val="dk1">
-                      <a:alpha val="40000"/>
-                    </a:schemeClr>
-                  </a:outerShdw>
-                </a:effectLst>
-                <a:latin typeface="仿宋" panose="02010609060101010101" pitchFamily="49" charset="-122"/>
-                <a:ea typeface="仿宋" panose="02010609060101010101" pitchFamily="49" charset="-122"/>
-              </a:rPr>
-              <a:t>01_</a:t>
-            </a:r>
-            <a:r>
-              <a:rPr lang="zh-CN" altLang="en-US" sz="2400" dirty="0">
-                <a:effectLst>
-                  <a:outerShdw blurRad="38100" dist="19050" dir="2700000" algn="tl" rotWithShape="0">
-                    <a:schemeClr val="dk1">
-                      <a:alpha val="40000"/>
-                    </a:schemeClr>
-                  </a:outerShdw>
-                </a:effectLst>
-                <a:latin typeface="仿宋" panose="02010609060101010101" pitchFamily="49" charset="-122"/>
-                <a:ea typeface="仿宋" panose="02010609060101010101" pitchFamily="49" charset="-122"/>
-              </a:rPr>
-              <a:t>作业下）</a:t>
-            </a:r>
-            <a:endParaRPr lang="en-US" altLang="zh-CN" sz="2400" dirty="0">
-              <a:effectLst>
-                <a:outerShdw blurRad="38100" dist="19050" dir="2700000" algn="tl" rotWithShape="0">
-                  <a:schemeClr val="dk1">
-                    <a:alpha val="40000"/>
+                <a:solidFill>
+                  <a:schemeClr val="bg2">
+                    <a:lumMod val="25000"/>
                   </a:schemeClr>
-                </a:outerShdw>
-              </a:effectLst>
-              <a:latin typeface="仿宋" panose="02010609060101010101" pitchFamily="49" charset="-122"/>
-              <a:ea typeface="仿宋" panose="02010609060101010101" pitchFamily="49" charset="-122"/>
-            </a:endParaRPr>
-          </a:p>
-          <a:p>
-            <a:r>
-              <a:rPr lang="en-US" altLang="zh-CN" sz="2400" b="1" dirty="0">
-                <a:effectLst>
-                  <a:outerShdw blurRad="38100" dist="19050" dir="2700000" algn="tl" rotWithShape="0">
-                    <a:schemeClr val="dk1">
-                      <a:alpha val="40000"/>
-                    </a:schemeClr>
-                  </a:outerShdw>
-                </a:effectLst>
-                <a:latin typeface="仿宋" panose="02010609060101010101" pitchFamily="49" charset="-122"/>
-                <a:ea typeface="仿宋" panose="02010609060101010101" pitchFamily="49" charset="-122"/>
-              </a:rPr>
-              <a:t>git checkout [tag</a:t>
-            </a:r>
-            <a:r>
-              <a:rPr lang="zh-CN" altLang="en-US" sz="2400" b="1" dirty="0">
-                <a:effectLst>
-                  <a:outerShdw blurRad="38100" dist="19050" dir="2700000" algn="tl" rotWithShape="0">
-                    <a:schemeClr val="dk1">
-                      <a:alpha val="40000"/>
-                    </a:schemeClr>
-                  </a:outerShdw>
-                </a:effectLst>
-                <a:latin typeface="仿宋" panose="02010609060101010101" pitchFamily="49" charset="-122"/>
-                <a:ea typeface="仿宋" panose="02010609060101010101" pitchFamily="49" charset="-122"/>
-              </a:rPr>
-              <a:t>名</a:t>
-            </a:r>
-            <a:r>
-              <a:rPr lang="en-US" altLang="zh-CN" sz="2400" b="1" dirty="0">
-                <a:effectLst>
-                  <a:outerShdw blurRad="38100" dist="19050" dir="2700000" algn="tl" rotWithShape="0">
-                    <a:schemeClr val="dk1">
-                      <a:alpha val="40000"/>
-                    </a:schemeClr>
-                  </a:outerShdw>
-                </a:effectLst>
-                <a:latin typeface="仿宋" panose="02010609060101010101" pitchFamily="49" charset="-122"/>
-                <a:ea typeface="仿宋" panose="02010609060101010101" pitchFamily="49" charset="-122"/>
-              </a:rPr>
-              <a:t>]</a:t>
-            </a:r>
-            <a:r>
-              <a:rPr lang="zh-CN" altLang="en-US" sz="2400" b="1" dirty="0">
-                <a:effectLst>
-                  <a:outerShdw blurRad="38100" dist="19050" dir="2700000" algn="tl" rotWithShape="0">
-                    <a:schemeClr val="dk1">
-                      <a:alpha val="40000"/>
-                    </a:schemeClr>
-                  </a:outerShdw>
-                </a:effectLst>
-                <a:latin typeface="仿宋" panose="02010609060101010101" pitchFamily="49" charset="-122"/>
-                <a:ea typeface="仿宋" panose="02010609060101010101" pitchFamily="49" charset="-122"/>
-              </a:rPr>
-              <a:t>：切换到</a:t>
-            </a:r>
-            <a:r>
-              <a:rPr lang="en-US" altLang="zh-CN" sz="2400" b="1" dirty="0">
-                <a:effectLst>
-                  <a:outerShdw blurRad="38100" dist="19050" dir="2700000" algn="tl" rotWithShape="0">
-                    <a:schemeClr val="dk1">
-                      <a:alpha val="40000"/>
-                    </a:schemeClr>
-                  </a:outerShdw>
-                </a:effectLst>
-                <a:latin typeface="仿宋" panose="02010609060101010101" pitchFamily="49" charset="-122"/>
-                <a:ea typeface="仿宋" panose="02010609060101010101" pitchFamily="49" charset="-122"/>
-              </a:rPr>
-              <a:t>tag</a:t>
-            </a:r>
-          </a:p>
-          <a:p>
-            <a:endParaRPr lang="en-US" altLang="zh-CN" sz="2400" dirty="0">
-              <a:effectLst>
-                <a:outerShdw blurRad="38100" dist="19050" dir="2700000" algn="tl" rotWithShape="0">
-                  <a:schemeClr val="dk1">
-                    <a:alpha val="40000"/>
-                  </a:schemeClr>
-                </a:outerShdw>
-              </a:effectLst>
-              <a:latin typeface="仿宋" panose="02010609060101010101" pitchFamily="49" charset="-122"/>
-              <a:ea typeface="仿宋" panose="02010609060101010101" pitchFamily="49" charset="-122"/>
-            </a:endParaRPr>
-          </a:p>
-          <a:p>
-            <a:r>
-              <a:rPr lang="en-US" altLang="zh-CN" sz="2400" dirty="0">
-                <a:effectLst>
-                  <a:outerShdw blurRad="38100" dist="19050" dir="2700000" algn="tl" rotWithShape="0">
-                    <a:schemeClr val="dk1">
-                      <a:alpha val="40000"/>
-                    </a:schemeClr>
-                  </a:outerShdw>
-                </a:effectLst>
-                <a:latin typeface="仿宋" panose="02010609060101010101" pitchFamily="49" charset="-122"/>
-                <a:ea typeface="仿宋" panose="02010609060101010101" pitchFamily="49" charset="-122"/>
-              </a:rPr>
-              <a:t>3.</a:t>
-            </a:r>
-            <a:r>
-              <a:rPr lang="zh-CN" altLang="en-US" sz="2400" dirty="0">
-                <a:effectLst>
-                  <a:outerShdw blurRad="38100" dist="19050" dir="2700000" algn="tl" rotWithShape="0">
-                    <a:schemeClr val="dk1">
-                      <a:alpha val="40000"/>
-                    </a:schemeClr>
-                  </a:outerShdw>
-                </a:effectLst>
-                <a:latin typeface="仿宋" panose="02010609060101010101" pitchFamily="49" charset="-122"/>
-                <a:ea typeface="仿宋" panose="02010609060101010101" pitchFamily="49" charset="-122"/>
-              </a:rPr>
-              <a:t>切换到名为</a:t>
-            </a:r>
-            <a:r>
-              <a:rPr lang="en-US" altLang="zh-CN" sz="2400" dirty="0">
-                <a:effectLst>
-                  <a:outerShdw blurRad="38100" dist="19050" dir="2700000" algn="tl" rotWithShape="0">
-                    <a:schemeClr val="dk1">
-                      <a:alpha val="40000"/>
-                    </a:schemeClr>
-                  </a:outerShdw>
-                </a:effectLst>
-                <a:latin typeface="仿宋" panose="02010609060101010101" pitchFamily="49" charset="-122"/>
-                <a:ea typeface="仿宋" panose="02010609060101010101" pitchFamily="49" charset="-122"/>
-              </a:rPr>
-              <a:t>[</a:t>
-            </a:r>
-            <a:r>
-              <a:rPr lang="zh-CN" altLang="en-US" sz="2400" dirty="0">
-                <a:effectLst>
-                  <a:outerShdw blurRad="38100" dist="19050" dir="2700000" algn="tl" rotWithShape="0">
-                    <a:schemeClr val="dk1">
-                      <a:alpha val="40000"/>
-                    </a:schemeClr>
-                  </a:outerShdw>
-                </a:effectLst>
-                <a:latin typeface="仿宋" panose="02010609060101010101" pitchFamily="49" charset="-122"/>
-                <a:ea typeface="仿宋" panose="02010609060101010101" pitchFamily="49" charset="-122"/>
-              </a:rPr>
-              <a:t>分支名</a:t>
-            </a:r>
-            <a:r>
-              <a:rPr lang="en-US" altLang="zh-CN" sz="2400" dirty="0">
-                <a:effectLst>
-                  <a:outerShdw blurRad="38100" dist="19050" dir="2700000" algn="tl" rotWithShape="0">
-                    <a:schemeClr val="dk1">
-                      <a:alpha val="40000"/>
-                    </a:schemeClr>
-                  </a:outerShdw>
-                </a:effectLst>
-                <a:latin typeface="仿宋" panose="02010609060101010101" pitchFamily="49" charset="-122"/>
-                <a:ea typeface="仿宋" panose="02010609060101010101" pitchFamily="49" charset="-122"/>
-              </a:rPr>
-              <a:t>]</a:t>
-            </a:r>
-            <a:r>
-              <a:rPr lang="zh-CN" altLang="en-US" sz="2400" dirty="0">
-                <a:effectLst>
-                  <a:outerShdw blurRad="38100" dist="19050" dir="2700000" algn="tl" rotWithShape="0">
-                    <a:schemeClr val="dk1">
-                      <a:alpha val="40000"/>
-                    </a:schemeClr>
-                  </a:outerShdw>
-                </a:effectLst>
-                <a:latin typeface="仿宋" panose="02010609060101010101" pitchFamily="49" charset="-122"/>
-                <a:ea typeface="仿宋" panose="02010609060101010101" pitchFamily="49" charset="-122"/>
-              </a:rPr>
-              <a:t>分支（如图为从“</a:t>
-            </a:r>
-            <a:r>
-              <a:rPr lang="en-US" altLang="zh-CN" sz="2400" dirty="0">
-                <a:effectLst>
-                  <a:outerShdw blurRad="38100" dist="19050" dir="2700000" algn="tl" rotWithShape="0">
-                    <a:schemeClr val="dk1">
-                      <a:alpha val="40000"/>
-                    </a:schemeClr>
-                  </a:outerShdw>
-                </a:effectLst>
-                <a:latin typeface="仿宋" panose="02010609060101010101" pitchFamily="49" charset="-122"/>
-                <a:ea typeface="仿宋" panose="02010609060101010101" pitchFamily="49" charset="-122"/>
-              </a:rPr>
-              <a:t>01_</a:t>
-            </a:r>
-            <a:r>
-              <a:rPr lang="zh-CN" altLang="en-US" sz="2400" dirty="0">
-                <a:effectLst>
-                  <a:outerShdw blurRad="38100" dist="19050" dir="2700000" algn="tl" rotWithShape="0">
-                    <a:schemeClr val="dk1">
-                      <a:alpha val="40000"/>
-                    </a:schemeClr>
-                  </a:outerShdw>
-                </a:effectLst>
-                <a:latin typeface="仿宋" panose="02010609060101010101" pitchFamily="49" charset="-122"/>
-                <a:ea typeface="仿宋" panose="02010609060101010101" pitchFamily="49" charset="-122"/>
-              </a:rPr>
-              <a:t>作业”切换回</a:t>
-            </a:r>
-            <a:endParaRPr lang="en-US" altLang="zh-CN" sz="2400" dirty="0">
-              <a:effectLst>
-                <a:outerShdw blurRad="38100" dist="19050" dir="2700000" algn="tl" rotWithShape="0">
-                  <a:schemeClr val="dk1">
-                    <a:alpha val="40000"/>
-                  </a:schemeClr>
-                </a:outerShdw>
-              </a:effectLst>
-              <a:latin typeface="仿宋" panose="02010609060101010101" pitchFamily="49" charset="-122"/>
-              <a:ea typeface="仿宋" panose="02010609060101010101" pitchFamily="49" charset="-122"/>
-            </a:endParaRPr>
-          </a:p>
-          <a:p>
-            <a:r>
-              <a:rPr lang="zh-CN" altLang="en-US" sz="2400" dirty="0">
-                <a:effectLst>
-                  <a:outerShdw blurRad="38100" dist="19050" dir="2700000" algn="tl" rotWithShape="0">
-                    <a:schemeClr val="dk1">
-                      <a:alpha val="40000"/>
-                    </a:schemeClr>
-                  </a:outerShdw>
-                </a:effectLst>
-                <a:latin typeface="仿宋" panose="02010609060101010101" pitchFamily="49" charset="-122"/>
-                <a:ea typeface="仿宋" panose="02010609060101010101" pitchFamily="49" charset="-122"/>
-              </a:rPr>
-              <a:t>分支</a:t>
-            </a:r>
-            <a:r>
-              <a:rPr lang="en-US" altLang="zh-CN" sz="2400" dirty="0">
-                <a:effectLst>
-                  <a:outerShdw blurRad="38100" dist="19050" dir="2700000" algn="tl" rotWithShape="0">
-                    <a:schemeClr val="dk1">
-                      <a:alpha val="40000"/>
-                    </a:schemeClr>
-                  </a:outerShdw>
-                </a:effectLst>
-                <a:latin typeface="仿宋" panose="02010609060101010101" pitchFamily="49" charset="-122"/>
-                <a:ea typeface="仿宋" panose="02010609060101010101" pitchFamily="49" charset="-122"/>
-              </a:rPr>
-              <a:t>main</a:t>
-            </a:r>
-            <a:r>
-              <a:rPr lang="zh-CN" altLang="en-US" sz="2400" dirty="0">
-                <a:effectLst>
-                  <a:outerShdw blurRad="38100" dist="19050" dir="2700000" algn="tl" rotWithShape="0">
-                    <a:schemeClr val="dk1">
-                      <a:alpha val="40000"/>
-                    </a:schemeClr>
-                  </a:outerShdw>
-                </a:effectLst>
-                <a:latin typeface="仿宋" panose="02010609060101010101" pitchFamily="49" charset="-122"/>
-                <a:ea typeface="仿宋" panose="02010609060101010101" pitchFamily="49" charset="-122"/>
-              </a:rPr>
-              <a:t>）</a:t>
-            </a:r>
-            <a:endParaRPr lang="en-US" altLang="zh-CN" sz="2400" dirty="0">
-              <a:effectLst>
-                <a:outerShdw blurRad="38100" dist="19050" dir="2700000" algn="tl" rotWithShape="0">
-                  <a:schemeClr val="dk1">
-                    <a:alpha val="40000"/>
-                  </a:schemeClr>
-                </a:outerShdw>
-              </a:effectLst>
-              <a:latin typeface="仿宋" panose="02010609060101010101" pitchFamily="49" charset="-122"/>
-              <a:ea typeface="仿宋" panose="02010609060101010101" pitchFamily="49" charset="-122"/>
-            </a:endParaRPr>
-          </a:p>
-          <a:p>
-            <a:r>
-              <a:rPr lang="en-US" altLang="zh-CN" sz="2400" b="1" dirty="0">
-                <a:effectLst>
-                  <a:outerShdw blurRad="38100" dist="19050" dir="2700000" algn="tl" rotWithShape="0">
-                    <a:schemeClr val="dk1">
-                      <a:alpha val="40000"/>
-                    </a:schemeClr>
-                  </a:outerShdw>
-                </a:effectLst>
-                <a:latin typeface="仿宋" panose="02010609060101010101" pitchFamily="49" charset="-122"/>
-                <a:ea typeface="仿宋" panose="02010609060101010101" pitchFamily="49" charset="-122"/>
-              </a:rPr>
-              <a:t>git checkout [</a:t>
-            </a:r>
-            <a:r>
-              <a:rPr lang="zh-CN" altLang="en-US" sz="2400" b="1" dirty="0">
-                <a:effectLst>
-                  <a:outerShdw blurRad="38100" dist="19050" dir="2700000" algn="tl" rotWithShape="0">
-                    <a:schemeClr val="dk1">
-                      <a:alpha val="40000"/>
-                    </a:schemeClr>
-                  </a:outerShdw>
-                </a:effectLst>
-                <a:latin typeface="仿宋" panose="02010609060101010101" pitchFamily="49" charset="-122"/>
-                <a:ea typeface="仿宋" panose="02010609060101010101" pitchFamily="49" charset="-122"/>
-              </a:rPr>
-              <a:t>分支名</a:t>
-            </a:r>
-            <a:r>
-              <a:rPr lang="en-US" altLang="zh-CN" sz="2400" b="1" dirty="0">
-                <a:effectLst>
-                  <a:outerShdw blurRad="38100" dist="19050" dir="2700000" algn="tl" rotWithShape="0">
-                    <a:schemeClr val="dk1">
-                      <a:alpha val="40000"/>
-                    </a:schemeClr>
-                  </a:outerShdw>
-                </a:effectLst>
-                <a:latin typeface="仿宋" panose="02010609060101010101" pitchFamily="49" charset="-122"/>
-                <a:ea typeface="仿宋" panose="02010609060101010101" pitchFamily="49" charset="-122"/>
-              </a:rPr>
-              <a:t>]</a:t>
-            </a:r>
-            <a:endParaRPr lang="zh-CN" altLang="en-US" sz="2400" b="1" dirty="0">
-              <a:effectLst>
-                <a:outerShdw blurRad="38100" dist="19050" dir="2700000" algn="tl" rotWithShape="0">
-                  <a:schemeClr val="dk1">
-                    <a:alpha val="40000"/>
-                  </a:schemeClr>
-                </a:outerShdw>
-              </a:effectLst>
-              <a:latin typeface="仿宋" panose="02010609060101010101" pitchFamily="49" charset="-122"/>
-              <a:ea typeface="仿宋" panose="02010609060101010101" pitchFamily="49" charset="-122"/>
-            </a:endParaRPr>
+                </a:solidFill>
+                <a:latin typeface="幼圆" panose="02010509060101010101" pitchFamily="49" charset="-122"/>
+                <a:ea typeface="幼圆" panose="02010509060101010101" pitchFamily="49" charset="-122"/>
+                <a:sym typeface="+mn-ea"/>
+              </a:rPr>
+              <a:t>）。</a:t>
+            </a:r>
           </a:p>
         </p:txBody>
       </p:sp>
+      <p:pic>
+        <p:nvPicPr>
+          <p:cNvPr id="3" name="图片 2"/>
+          <p:cNvPicPr/>
+          <p:nvPr/>
+        </p:nvPicPr>
+        <p:blipFill>
+          <a:blip r:embed="rId3"/>
+          <a:stretch>
+            <a:fillRect/>
+          </a:stretch>
+        </p:blipFill>
+        <p:spPr>
+          <a:xfrm>
+            <a:off x="2628164" y="3352800"/>
+            <a:ext cx="7325734" cy="3866898"/>
+          </a:xfrm>
+          <a:prstGeom prst="rect">
+            <a:avLst/>
+          </a:prstGeom>
+        </p:spPr>
+      </p:pic>
     </p:spTree>
-    <p:extLst>
-      <p:ext uri="{BB962C8B-B14F-4D97-AF65-F5344CB8AC3E}">
-        <p14:creationId xmlns:p14="http://schemas.microsoft.com/office/powerpoint/2010/main" val="1075589896"/>
-      </p:ext>
-    </p:extLst>
   </p:cSld>
   <p:clrMapOvr>
     <a:masterClrMapping/>

--- a/教学文档/01 开发准备/01 Git操作ppt.pptx
+++ b/教学文档/01 开发准备/01 Git操作ppt.pptx
@@ -227,7 +227,7 @@
           <a:p>
             <a:fld id="{0F9B84EA-7D68-4D60-9CB1-D50884785D1C}" type="datetimeFigureOut">
               <a:rPr lang="zh-CN" altLang="en-US" smtClean="0"/>
-              <a:t>2021/1/24</a:t>
+              <a:t>2021/1/25</a:t>
             </a:fld>
             <a:endParaRPr lang="zh-CN" altLang="en-US"/>
           </a:p>
@@ -392,7 +392,7 @@
           <a:p>
             <a:fld id="{87098DBA-ED62-42D1-AB73-66D64966019A}" type="datetimeFigureOut">
               <a:rPr lang="zh-CN" altLang="en-US" smtClean="0"/>
-              <a:t>2021/1/24</a:t>
+              <a:t>2021/1/25</a:t>
             </a:fld>
             <a:endParaRPr lang="zh-CN" altLang="en-US"/>
           </a:p>
@@ -5953,8 +5953,8 @@
         </p:nvSpPr>
         <p:spPr>
           <a:xfrm>
-            <a:off x="2183130" y="2121535"/>
-            <a:ext cx="7578725" cy="2614930"/>
+            <a:off x="2226673" y="1181009"/>
+            <a:ext cx="7578725" cy="3600986"/>
           </a:xfrm>
           <a:prstGeom prst="rect">
             <a:avLst/>
@@ -6002,6 +6002,56 @@
                 <a:sym typeface="+mn-ea"/>
               </a:rPr>
               <a:t>，是指能随时间的推进记录一系列文件以便于开发者以后想要回退到某个版本的系统，主要分为三类：本地版本控制系统、集中版本控制系统和分布式版本控制系统。</a:t>
+            </a:r>
+            <a:endParaRPr lang="en-US" altLang="zh-CN" sz="3200" dirty="0">
+              <a:solidFill>
+                <a:schemeClr val="bg2">
+                  <a:lumMod val="25000"/>
+                </a:schemeClr>
+              </a:solidFill>
+              <a:latin typeface="幼圆" panose="02010509060101010101" pitchFamily="49" charset="-122"/>
+              <a:ea typeface="幼圆" panose="02010509060101010101" pitchFamily="49" charset="-122"/>
+              <a:sym typeface="+mn-ea"/>
+            </a:endParaRPr>
+          </a:p>
+          <a:p>
+            <a:pPr algn="just">
+              <a:spcAft>
+                <a:spcPts val="0"/>
+              </a:spcAft>
+            </a:pPr>
+            <a:r>
+              <a:rPr lang="en-US" altLang="zh-CN" sz="3200" dirty="0">
+                <a:solidFill>
+                  <a:schemeClr val="bg2">
+                    <a:lumMod val="25000"/>
+                  </a:schemeClr>
+                </a:solidFill>
+                <a:latin typeface="幼圆" panose="02010509060101010101" pitchFamily="49" charset="-122"/>
+                <a:ea typeface="幼圆" panose="02010509060101010101" pitchFamily="49" charset="-122"/>
+                <a:sym typeface="+mn-ea"/>
+              </a:rPr>
+              <a:t>1:01—02</a:t>
+            </a:r>
+          </a:p>
+          <a:p>
+            <a:pPr algn="just">
+              <a:spcAft>
+                <a:spcPts val="0"/>
+              </a:spcAft>
+            </a:pPr>
+            <a:r>
+              <a:rPr lang="en-US" altLang="zh-CN" sz="3200" dirty="0">
+                <a:solidFill>
+                  <a:schemeClr val="bg2">
+                    <a:lumMod val="25000"/>
+                  </a:schemeClr>
+                </a:solidFill>
+                <a:latin typeface="幼圆" panose="02010509060101010101" pitchFamily="49" charset="-122"/>
+                <a:ea typeface="幼圆" panose="02010509060101010101" pitchFamily="49" charset="-122"/>
+                <a:sym typeface="+mn-lt"/>
+              </a:rPr>
+              <a:t>2:01—03</a:t>
             </a:r>
             <a:endParaRPr lang="zh-CN" altLang="zh-CN" sz="3200" dirty="0">
               <a:solidFill>
